--- a/10_Forschungsmodell/MA_Forschungsmodell_Hypothesen.pptx
+++ b/10_Forschungsmodell/MA_Forschungsmodell_Hypothesen.pptx
@@ -17,10 +17,10 @@
     <p:sldId id="270" r:id="rId8"/>
     <p:sldId id="273" r:id="rId9"/>
     <p:sldId id="263" r:id="rId10"/>
-    <p:sldId id="262" r:id="rId11"/>
-    <p:sldId id="261" r:id="rId12"/>
-    <p:sldId id="264" r:id="rId13"/>
-    <p:sldId id="266" r:id="rId14"/>
+    <p:sldId id="261" r:id="rId11"/>
+    <p:sldId id="262" r:id="rId12"/>
+    <p:sldId id="266" r:id="rId13"/>
+    <p:sldId id="264" r:id="rId14"/>
     <p:sldId id="274" r:id="rId15"/>
     <p:sldId id="272" r:id="rId16"/>
     <p:sldId id="277" r:id="rId17"/>
@@ -186,6 +186,156 @@
           <inkml:channelProperty channel="F" name="resolution" value="0" units="1/dev"/>
         </inkml:channelProperties>
       </inkml:inkSource>
+      <inkml:timestamp xml:id="ts0" timeString="2022-04-18T19:48:31.316"/>
+    </inkml:context>
+    <inkml:brush xml:id="br0">
+      <inkml:brushProperty name="width" value="0.3" units="cm"/>
+      <inkml:brushProperty name="height" value="0.6" units="cm"/>
+      <inkml:brushProperty name="color" value="#FFFC00"/>
+      <inkml:brushProperty name="tip" value="rectangle"/>
+      <inkml:brushProperty name="rasterOp" value="maskPen"/>
+    </inkml:brush>
+  </inkml:definitions>
+  <inkml:trace contextRef="#ctx0" brushRef="#br0">1 0 16383,'75'0'0,"8"0"0,-28 0 0,14 0 0,-26 0 0,16 0 0,-17 0 0,8 0 0,-10 0 0,-7 0 0,-3 0 0,1 0 0,-6 0 0,13 0 0,-13 0 0,6 0 0,-1 0 0,-5 0 0,6 0 0,0 0 0,-6 0 0,5 0 0,1 0 0,2 0 0,-1 0 0,6 0 0,-13 0 0,14 0 0,-4 0 0,-2 0 0,0 5 0,-9-4 0,-1 4 0,0-5 0,-6 0 0,4 0 0,-10 0 0,9 0 0,-5 0 0,0 0 0,4 5 0,-3-4 0,6 3 0,1-4 0,0 0 0,0 0 0,0 0 0,-6 0 0,5 0 0,-11 0 0,9 0 0,-5 4 0,4 2 0</inkml:trace>
+</inkml:ink>
+</file>
+
+<file path=ppt/ink/ink11.xml><?xml version="1.0" encoding="utf-8"?>
+<inkml:ink xmlns:inkml="http://www.w3.org/2003/InkML">
+  <inkml:definitions>
+    <inkml:context xml:id="ctx0">
+      <inkml:inkSource xml:id="inkSrc0">
+        <inkml:traceFormat>
+          <inkml:channel name="X" type="integer" min="-2.14748E9" max="2.14748E9" units="cm"/>
+          <inkml:channel name="Y" type="integer" min="-2.14748E9" max="2.14748E9" units="cm"/>
+          <inkml:channel name="F" type="integer" max="32767" units="dev"/>
+        </inkml:traceFormat>
+        <inkml:channelProperties>
+          <inkml:channelProperty channel="X" name="resolution" value="1000" units="1/cm"/>
+          <inkml:channelProperty channel="Y" name="resolution" value="1000" units="1/cm"/>
+          <inkml:channelProperty channel="F" name="resolution" value="0" units="1/dev"/>
+        </inkml:channelProperties>
+      </inkml:inkSource>
+      <inkml:timestamp xml:id="ts0" timeString="2022-04-18T19:48:45.354"/>
+    </inkml:context>
+    <inkml:brush xml:id="br0">
+      <inkml:brushProperty name="width" value="0.3" units="cm"/>
+      <inkml:brushProperty name="height" value="0.6" units="cm"/>
+      <inkml:brushProperty name="color" value="#FFFC00"/>
+      <inkml:brushProperty name="tip" value="rectangle"/>
+      <inkml:brushProperty name="rasterOp" value="maskPen"/>
+    </inkml:brush>
+  </inkml:definitions>
+  <inkml:trace contextRef="#ctx0" brushRef="#br0">1 1 16383,'89'0'0,"-39"0"0,2 0 0,-2 0 0,1 0 0,7 0 0,-1 0 0,33 0 0,-35 0 0,-1 0 0,37 0 0,-35 0 0,2 0 0,-6 0 0,-2 0 0,38 0 0,-16 0 0,-21 0 0,-1 0 0,-18 0 0,7 0 0,-14 0 0,-1 0 0,-2 0 0,-11 0 0,9 0 0,-5 0 0</inkml:trace>
+</inkml:ink>
+</file>
+
+<file path=ppt/ink/ink12.xml><?xml version="1.0" encoding="utf-8"?>
+<inkml:ink xmlns:inkml="http://www.w3.org/2003/InkML">
+  <inkml:definitions>
+    <inkml:context xml:id="ctx0">
+      <inkml:inkSource xml:id="inkSrc0">
+        <inkml:traceFormat>
+          <inkml:channel name="X" type="integer" min="-2.14748E9" max="2.14748E9" units="cm"/>
+          <inkml:channel name="Y" type="integer" min="-2.14748E9" max="2.14748E9" units="cm"/>
+          <inkml:channel name="F" type="integer" max="32767" units="dev"/>
+        </inkml:traceFormat>
+        <inkml:channelProperties>
+          <inkml:channelProperty channel="X" name="resolution" value="1000" units="1/cm"/>
+          <inkml:channelProperty channel="Y" name="resolution" value="1000" units="1/cm"/>
+          <inkml:channelProperty channel="F" name="resolution" value="0" units="1/dev"/>
+        </inkml:channelProperties>
+      </inkml:inkSource>
+      <inkml:timestamp xml:id="ts0" timeString="2022-04-18T19:48:47.408"/>
+    </inkml:context>
+    <inkml:brush xml:id="br0">
+      <inkml:brushProperty name="width" value="0.3" units="cm"/>
+      <inkml:brushProperty name="height" value="0.6" units="cm"/>
+      <inkml:brushProperty name="color" value="#FFFC00"/>
+      <inkml:brushProperty name="tip" value="rectangle"/>
+      <inkml:brushProperty name="rasterOp" value="maskPen"/>
+    </inkml:brush>
+  </inkml:definitions>
+  <inkml:trace contextRef="#ctx0" brushRef="#br0">0 1 16383,'81'0'0,"-10"0"0,25 0 0,-39 0 0,36 0 0,-27 0 0,33 0 0,-21 0 0,17 0 0,-20 0 0,10 0 0,-10 0 0,-3 0 0,-10 0 0,-1 0 0,-17 0 0,-4 0 0,-17 0 0,-6 0 0,-1 0 0,-2 0 0,1 0 0</inkml:trace>
+</inkml:ink>
+</file>
+
+<file path=ppt/ink/ink13.xml><?xml version="1.0" encoding="utf-8"?>
+<inkml:ink xmlns:inkml="http://www.w3.org/2003/InkML">
+  <inkml:definitions>
+    <inkml:context xml:id="ctx0">
+      <inkml:inkSource xml:id="inkSrc0">
+        <inkml:traceFormat>
+          <inkml:channel name="X" type="integer" min="-2.14748E9" max="2.14748E9" units="cm"/>
+          <inkml:channel name="Y" type="integer" min="-2.14748E9" max="2.14748E9" units="cm"/>
+          <inkml:channel name="F" type="integer" max="32767" units="dev"/>
+        </inkml:traceFormat>
+        <inkml:channelProperties>
+          <inkml:channelProperty channel="X" name="resolution" value="1000" units="1/cm"/>
+          <inkml:channelProperty channel="Y" name="resolution" value="1000" units="1/cm"/>
+          <inkml:channelProperty channel="F" name="resolution" value="0" units="1/dev"/>
+        </inkml:channelProperties>
+      </inkml:inkSource>
+      <inkml:timestamp xml:id="ts0" timeString="2022-04-18T19:48:51.314"/>
+    </inkml:context>
+    <inkml:brush xml:id="br0">
+      <inkml:brushProperty name="width" value="0.3" units="cm"/>
+      <inkml:brushProperty name="height" value="0.6" units="cm"/>
+      <inkml:brushProperty name="color" value="#FFFC00"/>
+      <inkml:brushProperty name="tip" value="rectangle"/>
+      <inkml:brushProperty name="rasterOp" value="maskPen"/>
+    </inkml:brush>
+  </inkml:definitions>
+  <inkml:trace contextRef="#ctx0" brushRef="#br0">1 23 16383,'39'0'0,"1"0"0,-15 0 0,-7 0 0,12 0 0,-13 0 0,6 0 0,-6 0 0,-1 0 0,-1 0 0,1 0 0,6 0 0,-6 0 0,5 0 0,-4 0 0,7 0 0,-1 0 0,-1 0 0,2 0 0,-8 0 0,6 0 0,-11 0 0,9 0 0,-3 0 0,-2 0 0,1-10 0,-1 7 0,-4-7 0,10 10 0,-10 0 0,10 0 0,-7 4 0,7-3 0,1 4 0,1 0 0,0-4 0,0 4 0,0-5 0,-6 0 0,5 0 0,-5 0 0,0 0 0,4 0 0,-9 0 0,7 0 0,-2 0 0,-1 4 0,3-2 0,-8 2 0,7-4 0,-3 0 0,5 0 0</inkml:trace>
+</inkml:ink>
+</file>
+
+<file path=ppt/ink/ink14.xml><?xml version="1.0" encoding="utf-8"?>
+<inkml:ink xmlns:inkml="http://www.w3.org/2003/InkML">
+  <inkml:definitions>
+    <inkml:context xml:id="ctx0">
+      <inkml:inkSource xml:id="inkSrc0">
+        <inkml:traceFormat>
+          <inkml:channel name="X" type="integer" min="-2.14748E9" max="2.14748E9" units="cm"/>
+          <inkml:channel name="Y" type="integer" min="-2.14748E9" max="2.14748E9" units="cm"/>
+          <inkml:channel name="F" type="integer" max="32767" units="dev"/>
+        </inkml:traceFormat>
+        <inkml:channelProperties>
+          <inkml:channelProperty channel="X" name="resolution" value="1000" units="1/cm"/>
+          <inkml:channelProperty channel="Y" name="resolution" value="1000" units="1/cm"/>
+          <inkml:channelProperty channel="F" name="resolution" value="0" units="1/dev"/>
+        </inkml:channelProperties>
+      </inkml:inkSource>
+      <inkml:timestamp xml:id="ts0" timeString="2022-05-01T10:22:24.443"/>
+    </inkml:context>
+    <inkml:brush xml:id="br0">
+      <inkml:brushProperty name="width" value="0.3" units="cm"/>
+      <inkml:brushProperty name="height" value="0.6" units="cm"/>
+      <inkml:brushProperty name="color" value="#FFFC00"/>
+      <inkml:brushProperty name="tip" value="rectangle"/>
+      <inkml:brushProperty name="rasterOp" value="maskPen"/>
+    </inkml:brush>
+  </inkml:definitions>
+  <inkml:trace contextRef="#ctx0" brushRef="#br0">0 7 16383,'54'-3'0,"14"0"0,-6 3 0,17 0 0,9 0 0,-37 0 0,0 0 0,0 0 0,2 0 0,7 0 0,2 0 0,-4 0 0,-2 0 0,32 0 0,8 0 0,-34 0 0,17 0 0,-17 0 0,-4 0 0,-28 0 0,-2 0 0,-16 0 0,2 0 0,-2 0 0</inkml:trace>
+</inkml:ink>
+</file>
+
+<file path=ppt/ink/ink15.xml><?xml version="1.0" encoding="utf-8"?>
+<inkml:ink xmlns:inkml="http://www.w3.org/2003/InkML">
+  <inkml:definitions>
+    <inkml:context xml:id="ctx0">
+      <inkml:inkSource xml:id="inkSrc0">
+        <inkml:traceFormat>
+          <inkml:channel name="X" type="integer" min="-2.14748E9" max="2.14748E9" units="cm"/>
+          <inkml:channel name="Y" type="integer" min="-2.14748E9" max="2.14748E9" units="cm"/>
+          <inkml:channel name="F" type="integer" max="32767" units="dev"/>
+        </inkml:traceFormat>
+        <inkml:channelProperties>
+          <inkml:channelProperty channel="X" name="resolution" value="1000" units="1/cm"/>
+          <inkml:channelProperty channel="Y" name="resolution" value="1000" units="1/cm"/>
+          <inkml:channelProperty channel="F" name="resolution" value="0" units="1/dev"/>
+        </inkml:channelProperties>
+      </inkml:inkSource>
       <inkml:timestamp xml:id="ts0" timeString="2022-02-16T18:19:13.687"/>
     </inkml:context>
     <inkml:brush xml:id="br0">
@@ -200,7 +350,7 @@
 </inkml:ink>
 </file>
 
-<file path=ppt/ink/ink11.xml><?xml version="1.0" encoding="utf-8"?>
+<file path=ppt/ink/ink16.xml><?xml version="1.0" encoding="utf-8"?>
 <inkml:ink xmlns:inkml="http://www.w3.org/2003/InkML">
   <inkml:definitions>
     <inkml:context xml:id="ctx0">
@@ -230,7 +380,7 @@
 </inkml:ink>
 </file>
 
-<file path=ppt/ink/ink12.xml><?xml version="1.0" encoding="utf-8"?>
+<file path=ppt/ink/ink17.xml><?xml version="1.0" encoding="utf-8"?>
 <inkml:ink xmlns:inkml="http://www.w3.org/2003/InkML">
   <inkml:definitions>
     <inkml:context xml:id="ctx0">
@@ -260,7 +410,7 @@
 </inkml:ink>
 </file>
 
-<file path=ppt/ink/ink13.xml><?xml version="1.0" encoding="utf-8"?>
+<file path=ppt/ink/ink18.xml><?xml version="1.0" encoding="utf-8"?>
 <inkml:ink xmlns:inkml="http://www.w3.org/2003/InkML">
   <inkml:definitions>
     <inkml:context xml:id="ctx0">
@@ -290,7 +440,7 @@
 </inkml:ink>
 </file>
 
-<file path=ppt/ink/ink14.xml><?xml version="1.0" encoding="utf-8"?>
+<file path=ppt/ink/ink19.xml><?xml version="1.0" encoding="utf-8"?>
 <inkml:ink xmlns:inkml="http://www.w3.org/2003/InkML">
   <inkml:definitions>
     <inkml:context xml:id="ctx0">
@@ -317,156 +467,6 @@
     </inkml:brush>
   </inkml:definitions>
   <inkml:trace contextRef="#ctx0" brushRef="#br0">1 1 16383,'98'0'0,"0"0"0,1 0 0,-1 0 0,0 0 0,1 0 0,-1 0 0,1 0 0,-1 0 0,0 0 0,1 0 0,3 0 0,5 0 0,2 0 0,0 0 0,-2 0 0,-4 0 0,-5 0 0,-9 0 0,-10 0 0,-12 0 0,41 0 0,-18 0 0,-21 0 0,0-1 0,-2 2 0,16 5 0,-7 1 0,-23-3 0,-3 1 0,6 5 0,0 0 0,42 3 0,-37 0 0,-8-7 0,-22-1 0,-22-5 0,3 3 0,30-2 0,-1 3 0,36-4 0,-11 0 0,6 0 0,4 0 0,0 0 0,-3 0 0,-2 0 0,-16 0 0,-6 0 0,7 0 0,-19 0 0,31 0 0,25 0 0,-41 0 0,29 0 0,-64 0 0,-1 0 0,-8 0 0</inkml:trace>
-</inkml:ink>
-</file>
-
-<file path=ppt/ink/ink15.xml><?xml version="1.0" encoding="utf-8"?>
-<inkml:ink xmlns:inkml="http://www.w3.org/2003/InkML">
-  <inkml:definitions>
-    <inkml:context xml:id="ctx0">
-      <inkml:inkSource xml:id="inkSrc0">
-        <inkml:traceFormat>
-          <inkml:channel name="X" type="integer" min="-2.14748E9" max="2.14748E9" units="cm"/>
-          <inkml:channel name="Y" type="integer" min="-2.14748E9" max="2.14748E9" units="cm"/>
-          <inkml:channel name="F" type="integer" max="32767" units="dev"/>
-        </inkml:traceFormat>
-        <inkml:channelProperties>
-          <inkml:channelProperty channel="X" name="resolution" value="1000" units="1/cm"/>
-          <inkml:channelProperty channel="Y" name="resolution" value="1000" units="1/cm"/>
-          <inkml:channelProperty channel="F" name="resolution" value="0" units="1/dev"/>
-        </inkml:channelProperties>
-      </inkml:inkSource>
-      <inkml:timestamp xml:id="ts0" timeString="2022-04-18T19:48:31.316"/>
-    </inkml:context>
-    <inkml:brush xml:id="br0">
-      <inkml:brushProperty name="width" value="0.3" units="cm"/>
-      <inkml:brushProperty name="height" value="0.6" units="cm"/>
-      <inkml:brushProperty name="color" value="#FFFC00"/>
-      <inkml:brushProperty name="tip" value="rectangle"/>
-      <inkml:brushProperty name="rasterOp" value="maskPen"/>
-    </inkml:brush>
-  </inkml:definitions>
-  <inkml:trace contextRef="#ctx0" brushRef="#br0">1 0 16383,'75'0'0,"8"0"0,-28 0 0,14 0 0,-26 0 0,16 0 0,-17 0 0,8 0 0,-10 0 0,-7 0 0,-3 0 0,1 0 0,-6 0 0,13 0 0,-13 0 0,6 0 0,-1 0 0,-5 0 0,6 0 0,0 0 0,-6 0 0,5 0 0,1 0 0,2 0 0,-1 0 0,6 0 0,-13 0 0,14 0 0,-4 0 0,-2 0 0,0 5 0,-9-4 0,-1 4 0,0-5 0,-6 0 0,4 0 0,-10 0 0,9 0 0,-5 0 0,0 0 0,4 5 0,-3-4 0,6 3 0,1-4 0,0 0 0,0 0 0,0 0 0,-6 0 0,5 0 0,-11 0 0,9 0 0,-5 4 0,4 2 0</inkml:trace>
-</inkml:ink>
-</file>
-
-<file path=ppt/ink/ink16.xml><?xml version="1.0" encoding="utf-8"?>
-<inkml:ink xmlns:inkml="http://www.w3.org/2003/InkML">
-  <inkml:definitions>
-    <inkml:context xml:id="ctx0">
-      <inkml:inkSource xml:id="inkSrc0">
-        <inkml:traceFormat>
-          <inkml:channel name="X" type="integer" min="-2.14748E9" max="2.14748E9" units="cm"/>
-          <inkml:channel name="Y" type="integer" min="-2.14748E9" max="2.14748E9" units="cm"/>
-          <inkml:channel name="F" type="integer" max="32767" units="dev"/>
-        </inkml:traceFormat>
-        <inkml:channelProperties>
-          <inkml:channelProperty channel="X" name="resolution" value="1000" units="1/cm"/>
-          <inkml:channelProperty channel="Y" name="resolution" value="1000" units="1/cm"/>
-          <inkml:channelProperty channel="F" name="resolution" value="0" units="1/dev"/>
-        </inkml:channelProperties>
-      </inkml:inkSource>
-      <inkml:timestamp xml:id="ts0" timeString="2022-04-18T19:48:45.354"/>
-    </inkml:context>
-    <inkml:brush xml:id="br0">
-      <inkml:brushProperty name="width" value="0.3" units="cm"/>
-      <inkml:brushProperty name="height" value="0.6" units="cm"/>
-      <inkml:brushProperty name="color" value="#FFFC00"/>
-      <inkml:brushProperty name="tip" value="rectangle"/>
-      <inkml:brushProperty name="rasterOp" value="maskPen"/>
-    </inkml:brush>
-  </inkml:definitions>
-  <inkml:trace contextRef="#ctx0" brushRef="#br0">1 1 16383,'89'0'0,"-39"0"0,2 0 0,-2 0 0,1 0 0,7 0 0,-1 0 0,33 0 0,-35 0 0,-1 0 0,37 0 0,-35 0 0,2 0 0,-6 0 0,-2 0 0,38 0 0,-16 0 0,-21 0 0,-1 0 0,-18 0 0,7 0 0,-14 0 0,-1 0 0,-2 0 0,-11 0 0,9 0 0,-5 0 0</inkml:trace>
-</inkml:ink>
-</file>
-
-<file path=ppt/ink/ink17.xml><?xml version="1.0" encoding="utf-8"?>
-<inkml:ink xmlns:inkml="http://www.w3.org/2003/InkML">
-  <inkml:definitions>
-    <inkml:context xml:id="ctx0">
-      <inkml:inkSource xml:id="inkSrc0">
-        <inkml:traceFormat>
-          <inkml:channel name="X" type="integer" min="-2.14748E9" max="2.14748E9" units="cm"/>
-          <inkml:channel name="Y" type="integer" min="-2.14748E9" max="2.14748E9" units="cm"/>
-          <inkml:channel name="F" type="integer" max="32767" units="dev"/>
-        </inkml:traceFormat>
-        <inkml:channelProperties>
-          <inkml:channelProperty channel="X" name="resolution" value="1000" units="1/cm"/>
-          <inkml:channelProperty channel="Y" name="resolution" value="1000" units="1/cm"/>
-          <inkml:channelProperty channel="F" name="resolution" value="0" units="1/dev"/>
-        </inkml:channelProperties>
-      </inkml:inkSource>
-      <inkml:timestamp xml:id="ts0" timeString="2022-04-18T19:48:47.408"/>
-    </inkml:context>
-    <inkml:brush xml:id="br0">
-      <inkml:brushProperty name="width" value="0.3" units="cm"/>
-      <inkml:brushProperty name="height" value="0.6" units="cm"/>
-      <inkml:brushProperty name="color" value="#FFFC00"/>
-      <inkml:brushProperty name="tip" value="rectangle"/>
-      <inkml:brushProperty name="rasterOp" value="maskPen"/>
-    </inkml:brush>
-  </inkml:definitions>
-  <inkml:trace contextRef="#ctx0" brushRef="#br0">0 1 16383,'81'0'0,"-10"0"0,25 0 0,-39 0 0,36 0 0,-27 0 0,33 0 0,-21 0 0,17 0 0,-20 0 0,10 0 0,-10 0 0,-3 0 0,-10 0 0,-1 0 0,-17 0 0,-4 0 0,-17 0 0,-6 0 0,-1 0 0,-2 0 0,1 0 0</inkml:trace>
-</inkml:ink>
-</file>
-
-<file path=ppt/ink/ink18.xml><?xml version="1.0" encoding="utf-8"?>
-<inkml:ink xmlns:inkml="http://www.w3.org/2003/InkML">
-  <inkml:definitions>
-    <inkml:context xml:id="ctx0">
-      <inkml:inkSource xml:id="inkSrc0">
-        <inkml:traceFormat>
-          <inkml:channel name="X" type="integer" min="-2.14748E9" max="2.14748E9" units="cm"/>
-          <inkml:channel name="Y" type="integer" min="-2.14748E9" max="2.14748E9" units="cm"/>
-          <inkml:channel name="F" type="integer" max="32767" units="dev"/>
-        </inkml:traceFormat>
-        <inkml:channelProperties>
-          <inkml:channelProperty channel="X" name="resolution" value="1000" units="1/cm"/>
-          <inkml:channelProperty channel="Y" name="resolution" value="1000" units="1/cm"/>
-          <inkml:channelProperty channel="F" name="resolution" value="0" units="1/dev"/>
-        </inkml:channelProperties>
-      </inkml:inkSource>
-      <inkml:timestamp xml:id="ts0" timeString="2022-04-18T19:48:51.314"/>
-    </inkml:context>
-    <inkml:brush xml:id="br0">
-      <inkml:brushProperty name="width" value="0.3" units="cm"/>
-      <inkml:brushProperty name="height" value="0.6" units="cm"/>
-      <inkml:brushProperty name="color" value="#FFFC00"/>
-      <inkml:brushProperty name="tip" value="rectangle"/>
-      <inkml:brushProperty name="rasterOp" value="maskPen"/>
-    </inkml:brush>
-  </inkml:definitions>
-  <inkml:trace contextRef="#ctx0" brushRef="#br0">1 23 16383,'39'0'0,"1"0"0,-15 0 0,-7 0 0,12 0 0,-13 0 0,6 0 0,-6 0 0,-1 0 0,-1 0 0,1 0 0,6 0 0,-6 0 0,5 0 0,-4 0 0,7 0 0,-1 0 0,-1 0 0,2 0 0,-8 0 0,6 0 0,-11 0 0,9 0 0,-3 0 0,-2 0 0,1-10 0,-1 7 0,-4-7 0,10 10 0,-10 0 0,10 0 0,-7 4 0,7-3 0,1 4 0,1 0 0,0-4 0,0 4 0,0-5 0,-6 0 0,5 0 0,-5 0 0,0 0 0,4 0 0,-9 0 0,7 0 0,-2 0 0,-1 4 0,3-2 0,-8 2 0,7-4 0,-3 0 0,5 0 0</inkml:trace>
-</inkml:ink>
-</file>
-
-<file path=ppt/ink/ink19.xml><?xml version="1.0" encoding="utf-8"?>
-<inkml:ink xmlns:inkml="http://www.w3.org/2003/InkML">
-  <inkml:definitions>
-    <inkml:context xml:id="ctx0">
-      <inkml:inkSource xml:id="inkSrc0">
-        <inkml:traceFormat>
-          <inkml:channel name="X" type="integer" min="-2.14748E9" max="2.14748E9" units="cm"/>
-          <inkml:channel name="Y" type="integer" min="-2.14748E9" max="2.14748E9" units="cm"/>
-          <inkml:channel name="F" type="integer" max="32767" units="dev"/>
-        </inkml:traceFormat>
-        <inkml:channelProperties>
-          <inkml:channelProperty channel="X" name="resolution" value="1000" units="1/cm"/>
-          <inkml:channelProperty channel="Y" name="resolution" value="1000" units="1/cm"/>
-          <inkml:channelProperty channel="F" name="resolution" value="0" units="1/dev"/>
-        </inkml:channelProperties>
-      </inkml:inkSource>
-      <inkml:timestamp xml:id="ts0" timeString="2022-02-17T10:34:16.193"/>
-    </inkml:context>
-    <inkml:brush xml:id="br0">
-      <inkml:brushProperty name="width" value="0.3" units="cm"/>
-      <inkml:brushProperty name="height" value="0.6" units="cm"/>
-      <inkml:brushProperty name="color" value="#FFFC00"/>
-      <inkml:brushProperty name="tip" value="rectangle"/>
-      <inkml:brushProperty name="rasterOp" value="maskPen"/>
-    </inkml:brush>
-  </inkml:definitions>
-  <inkml:trace contextRef="#ctx0" brushRef="#br0">1 91 16383,'51'0'0,"-10"0"0,24 0 0,28 0 0,-39 0 0,6 0 0,36 0 0,-2 0 0,-8 0 0,-22 0 0,-10 0 0,-39 0 0,0 0 0,1 0 0,-2 0 0,4 0 0,-2 0 0,-2 0 0,9 0 0,-2 0 0,10 0 0,-1 0 0,7 0 0,-1 0 0,1 0 0,0 0 0,-7-4 0,-2 3 0,-7-4 0,-6 5 0,3 0 0,-4-4 0,3 3 0,0-6 0,-3 6 0,3-7 0,-11-6 0,2-1 0,-8-3 0,0 6 0</inkml:trace>
 </inkml:ink>
 </file>
 
@@ -516,6 +516,36 @@
           <inkml:channelProperty channel="F" name="resolution" value="0" units="1/dev"/>
         </inkml:channelProperties>
       </inkml:inkSource>
+      <inkml:timestamp xml:id="ts0" timeString="2022-02-17T10:34:16.193"/>
+    </inkml:context>
+    <inkml:brush xml:id="br0">
+      <inkml:brushProperty name="width" value="0.3" units="cm"/>
+      <inkml:brushProperty name="height" value="0.6" units="cm"/>
+      <inkml:brushProperty name="color" value="#FFFC00"/>
+      <inkml:brushProperty name="tip" value="rectangle"/>
+      <inkml:brushProperty name="rasterOp" value="maskPen"/>
+    </inkml:brush>
+  </inkml:definitions>
+  <inkml:trace contextRef="#ctx0" brushRef="#br0">1 91 16383,'51'0'0,"-10"0"0,24 0 0,28 0 0,-39 0 0,6 0 0,36 0 0,-2 0 0,-8 0 0,-22 0 0,-10 0 0,-39 0 0,0 0 0,1 0 0,-2 0 0,4 0 0,-2 0 0,-2 0 0,9 0 0,-2 0 0,10 0 0,-1 0 0,7 0 0,-1 0 0,1 0 0,0 0 0,-7-4 0,-2 3 0,-7-4 0,-6 5 0,3 0 0,-4-4 0,3 3 0,0-6 0,-3 6 0,3-7 0,-11-6 0,2-1 0,-8-3 0,0 6 0</inkml:trace>
+</inkml:ink>
+</file>
+
+<file path=ppt/ink/ink21.xml><?xml version="1.0" encoding="utf-8"?>
+<inkml:ink xmlns:inkml="http://www.w3.org/2003/InkML">
+  <inkml:definitions>
+    <inkml:context xml:id="ctx0">
+      <inkml:inkSource xml:id="inkSrc0">
+        <inkml:traceFormat>
+          <inkml:channel name="X" type="integer" min="-2.14748E9" max="2.14748E9" units="cm"/>
+          <inkml:channel name="Y" type="integer" min="-2.14748E9" max="2.14748E9" units="cm"/>
+          <inkml:channel name="F" type="integer" max="32767" units="dev"/>
+        </inkml:traceFormat>
+        <inkml:channelProperties>
+          <inkml:channelProperty channel="X" name="resolution" value="1000" units="1/cm"/>
+          <inkml:channelProperty channel="Y" name="resolution" value="1000" units="1/cm"/>
+          <inkml:channelProperty channel="F" name="resolution" value="0" units="1/dev"/>
+        </inkml:channelProperties>
+      </inkml:inkSource>
       <inkml:timestamp xml:id="ts0" timeString="2022-02-17T10:34:41.628"/>
     </inkml:context>
     <inkml:brush xml:id="br0">
@@ -530,7 +560,7 @@
 </inkml:ink>
 </file>
 
-<file path=ppt/ink/ink21.xml><?xml version="1.0" encoding="utf-8"?>
+<file path=ppt/ink/ink22.xml><?xml version="1.0" encoding="utf-8"?>
 <inkml:ink xmlns:inkml="http://www.w3.org/2003/InkML">
   <inkml:definitions>
     <inkml:context xml:id="ctx0">
@@ -560,7 +590,7 @@
 </inkml:ink>
 </file>
 
-<file path=ppt/ink/ink22.xml><?xml version="1.0" encoding="utf-8"?>
+<file path=ppt/ink/ink23.xml><?xml version="1.0" encoding="utf-8"?>
 <inkml:ink xmlns:inkml="http://www.w3.org/2003/InkML">
   <inkml:definitions>
     <inkml:context xml:id="ctx0">
@@ -590,7 +620,7 @@
 </inkml:ink>
 </file>
 
-<file path=ppt/ink/ink23.xml><?xml version="1.0" encoding="utf-8"?>
+<file path=ppt/ink/ink24.xml><?xml version="1.0" encoding="utf-8"?>
 <inkml:ink xmlns:inkml="http://www.w3.org/2003/InkML">
   <inkml:definitions>
     <inkml:context xml:id="ctx0">
@@ -606,7 +636,7 @@
           <inkml:channelProperty channel="F" name="resolution" value="0" units="1/dev"/>
         </inkml:channelProperties>
       </inkml:inkSource>
-      <inkml:timestamp xml:id="ts0" timeString="2022-02-17T13:32:28.988"/>
+      <inkml:timestamp xml:id="ts0" timeString="2022-02-17T13:32:50.968"/>
     </inkml:context>
     <inkml:brush xml:id="br0">
       <inkml:brushProperty name="width" value="0.3" units="cm"/>
@@ -616,11 +646,11 @@
       <inkml:brushProperty name="rasterOp" value="maskPen"/>
     </inkml:brush>
   </inkml:definitions>
-  <inkml:trace contextRef="#ctx0" brushRef="#br0">1 0 16383,'70'0'0,"-10"0"0,7 0 0,4 0 0,6 0 0,-10 0 0,5 0 0,10 0 0,-1 0 0,11 0 0,4 0 0,3 0 0,-2 0 0,-16 0 0,0 0 0,1 0 0,1 0 0,2 0 0,4 0 0,-3 0 0,6 0 0,2 0 0,2 0 0,0 0 0,-3 0 0,-3 0 0,-7 0 0,12 0 0,-7 0 0,-3 0 0,1 0 0,3 0 0,-1 0 0,7 0 0,1 0 0,-4 0 0,-9 0 0,-14 0 0,7 0 0,-7 0 0,11 0 0,6 0 0,-15 0 0,5 0 0,-23 0 0,-1 0 0,4 0 0,27 0 0,-76 0 0,5 0 0</inkml:trace>
+  <inkml:trace contextRef="#ctx0" brushRef="#br0">1 8 16383,'98'0'0,"1"-1"0,0 1 0,0-1 0,0 1 0,0-1 0,0 1 0,-1 0 0,1-1 0,0 1 0,-1-1 0,0 1 0,-1-1 0,-2 1 0,-4-1 0,-5 1 0,-6 0 0,-9-1 0,25 1 0,-14 0 0,-13 0 0,31 0 0,-32 0 0,9 0 0,-8 0 0,-14 0 0,-3 0 0,27 0 0,-18 0 0,-53 0 0,-12 0 0,0 0 0</inkml:trace>
 </inkml:ink>
 </file>
 
-<file path=ppt/ink/ink24.xml><?xml version="1.0" encoding="utf-8"?>
+<file path=ppt/ink/ink25.xml><?xml version="1.0" encoding="utf-8"?>
 <inkml:ink xmlns:inkml="http://www.w3.org/2003/InkML">
   <inkml:definitions>
     <inkml:context xml:id="ctx0">
@@ -650,7 +680,7 @@
 </inkml:ink>
 </file>
 
-<file path=ppt/ink/ink25.xml><?xml version="1.0" encoding="utf-8"?>
+<file path=ppt/ink/ink26.xml><?xml version="1.0" encoding="utf-8"?>
 <inkml:ink xmlns:inkml="http://www.w3.org/2003/InkML">
   <inkml:definitions>
     <inkml:context xml:id="ctx0">
@@ -680,7 +710,7 @@
 </inkml:ink>
 </file>
 
-<file path=ppt/ink/ink26.xml><?xml version="1.0" encoding="utf-8"?>
+<file path=ppt/ink/ink27.xml><?xml version="1.0" encoding="utf-8"?>
 <inkml:ink xmlns:inkml="http://www.w3.org/2003/InkML">
   <inkml:definitions>
     <inkml:context xml:id="ctx0">
@@ -710,7 +740,7 @@
 </inkml:ink>
 </file>
 
-<file path=ppt/ink/ink27.xml><?xml version="1.0" encoding="utf-8"?>
+<file path=ppt/ink/ink28.xml><?xml version="1.0" encoding="utf-8"?>
 <inkml:ink xmlns:inkml="http://www.w3.org/2003/InkML">
   <inkml:definitions>
     <inkml:context xml:id="ctx0">
@@ -740,36 +770,6 @@
 </inkml:ink>
 </file>
 
-<file path=ppt/ink/ink28.xml><?xml version="1.0" encoding="utf-8"?>
-<inkml:ink xmlns:inkml="http://www.w3.org/2003/InkML">
-  <inkml:definitions>
-    <inkml:context xml:id="ctx0">
-      <inkml:inkSource xml:id="inkSrc0">
-        <inkml:traceFormat>
-          <inkml:channel name="X" type="integer" min="-2.14748E9" max="2.14748E9" units="cm"/>
-          <inkml:channel name="Y" type="integer" min="-2.14748E9" max="2.14748E9" units="cm"/>
-          <inkml:channel name="F" type="integer" max="32767" units="dev"/>
-        </inkml:traceFormat>
-        <inkml:channelProperties>
-          <inkml:channelProperty channel="X" name="resolution" value="1000" units="1/cm"/>
-          <inkml:channelProperty channel="Y" name="resolution" value="1000" units="1/cm"/>
-          <inkml:channelProperty channel="F" name="resolution" value="0" units="1/dev"/>
-        </inkml:channelProperties>
-      </inkml:inkSource>
-      <inkml:timestamp xml:id="ts0" timeString="2022-02-17T13:32:50.968"/>
-    </inkml:context>
-    <inkml:brush xml:id="br0">
-      <inkml:brushProperty name="width" value="0.3" units="cm"/>
-      <inkml:brushProperty name="height" value="0.6" units="cm"/>
-      <inkml:brushProperty name="color" value="#FFFC00"/>
-      <inkml:brushProperty name="tip" value="rectangle"/>
-      <inkml:brushProperty name="rasterOp" value="maskPen"/>
-    </inkml:brush>
-  </inkml:definitions>
-  <inkml:trace contextRef="#ctx0" brushRef="#br0">1 8 16383,'98'0'0,"1"-1"0,0 1 0,0-1 0,0 1 0,0-1 0,0 1 0,-1 0 0,1-1 0,0 1 0,-1-1 0,0 1 0,-1-1 0,-2 1 0,-4-1 0,-5 1 0,-6 0 0,-9-1 0,25 1 0,-14 0 0,-13 0 0,31 0 0,-32 0 0,9 0 0,-8 0 0,-14 0 0,-3 0 0,27 0 0,-18 0 0,-53 0 0,-12 0 0,0 0 0</inkml:trace>
-</inkml:ink>
-</file>
-
 <file path=ppt/ink/ink29.xml><?xml version="1.0" encoding="utf-8"?>
 <inkml:ink xmlns:inkml="http://www.w3.org/2003/InkML">
   <inkml:definitions>
@@ -786,7 +786,7 @@
           <inkml:channelProperty channel="F" name="resolution" value="0" units="1/dev"/>
         </inkml:channelProperties>
       </inkml:inkSource>
-      <inkml:timestamp xml:id="ts0" timeString="2022-02-17T10:46:37.948"/>
+      <inkml:timestamp xml:id="ts0" timeString="2022-02-17T13:32:28.988"/>
     </inkml:context>
     <inkml:brush xml:id="br0">
       <inkml:brushProperty name="width" value="0.3" units="cm"/>
@@ -796,7 +796,7 @@
       <inkml:brushProperty name="rasterOp" value="maskPen"/>
     </inkml:brush>
   </inkml:definitions>
-  <inkml:trace contextRef="#ctx0" brushRef="#br0">1 1 16383,'61'0'0,"8"0"0,-1 0 0,11 0 0,-12 0 0,9 0 0,-4 0 0,4 0 0,-3 0 0,9 0 0,0 0 0,-9 0 0,2 0 0,-10 0 0,16 0 0,12 0 0,-4 0 0,-10 0 0,-19 0 0,3 0 0,-24 0 0,-1 0 0,-10 0 0,-8 0 0,-5 0 0,-2 0 0</inkml:trace>
+  <inkml:trace contextRef="#ctx0" brushRef="#br0">1 0 16383,'70'0'0,"-10"0"0,7 0 0,4 0 0,6 0 0,-10 0 0,5 0 0,10 0 0,-1 0 0,11 0 0,4 0 0,3 0 0,-2 0 0,-16 0 0,0 0 0,1 0 0,1 0 0,2 0 0,4 0 0,-3 0 0,6 0 0,2 0 0,2 0 0,0 0 0,-3 0 0,-3 0 0,-7 0 0,12 0 0,-7 0 0,-3 0 0,1 0 0,3 0 0,-1 0 0,7 0 0,1 0 0,-4 0 0,-9 0 0,-14 0 0,7 0 0,-7 0 0,11 0 0,6 0 0,-15 0 0,5 0 0,-23 0 0,-1 0 0,4 0 0,27 0 0,-76 0 0,5 0 0</inkml:trace>
 </inkml:ink>
 </file>
 
@@ -846,6 +846,36 @@
           <inkml:channelProperty channel="F" name="resolution" value="0" units="1/dev"/>
         </inkml:channelProperties>
       </inkml:inkSource>
+      <inkml:timestamp xml:id="ts0" timeString="2022-02-17T10:46:37.948"/>
+    </inkml:context>
+    <inkml:brush xml:id="br0">
+      <inkml:brushProperty name="width" value="0.3" units="cm"/>
+      <inkml:brushProperty name="height" value="0.6" units="cm"/>
+      <inkml:brushProperty name="color" value="#FFFC00"/>
+      <inkml:brushProperty name="tip" value="rectangle"/>
+      <inkml:brushProperty name="rasterOp" value="maskPen"/>
+    </inkml:brush>
+  </inkml:definitions>
+  <inkml:trace contextRef="#ctx0" brushRef="#br0">1 1 16383,'61'0'0,"8"0"0,-1 0 0,11 0 0,-12 0 0,9 0 0,-4 0 0,4 0 0,-3 0 0,9 0 0,0 0 0,-9 0 0,2 0 0,-10 0 0,16 0 0,12 0 0,-4 0 0,-10 0 0,-19 0 0,3 0 0,-24 0 0,-1 0 0,-10 0 0,-8 0 0,-5 0 0,-2 0 0</inkml:trace>
+</inkml:ink>
+</file>
+
+<file path=ppt/ink/ink31.xml><?xml version="1.0" encoding="utf-8"?>
+<inkml:ink xmlns:inkml="http://www.w3.org/2003/InkML">
+  <inkml:definitions>
+    <inkml:context xml:id="ctx0">
+      <inkml:inkSource xml:id="inkSrc0">
+        <inkml:traceFormat>
+          <inkml:channel name="X" type="integer" min="-2.14748E9" max="2.14748E9" units="cm"/>
+          <inkml:channel name="Y" type="integer" min="-2.14748E9" max="2.14748E9" units="cm"/>
+          <inkml:channel name="F" type="integer" max="32767" units="dev"/>
+        </inkml:traceFormat>
+        <inkml:channelProperties>
+          <inkml:channelProperty channel="X" name="resolution" value="1000" units="1/cm"/>
+          <inkml:channelProperty channel="Y" name="resolution" value="1000" units="1/cm"/>
+          <inkml:channelProperty channel="F" name="resolution" value="0" units="1/dev"/>
+        </inkml:channelProperties>
+      </inkml:inkSource>
       <inkml:timestamp xml:id="ts0" timeString="2022-02-17T10:46:45.970"/>
     </inkml:context>
     <inkml:brush xml:id="br0">
@@ -860,7 +890,7 @@
 </inkml:ink>
 </file>
 
-<file path=ppt/ink/ink31.xml><?xml version="1.0" encoding="utf-8"?>
+<file path=ppt/ink/ink32.xml><?xml version="1.0" encoding="utf-8"?>
 <inkml:ink xmlns:inkml="http://www.w3.org/2003/InkML">
   <inkml:definitions>
     <inkml:context xml:id="ctx0">
@@ -890,7 +920,7 @@
 </inkml:ink>
 </file>
 
-<file path=ppt/ink/ink32.xml><?xml version="1.0" encoding="utf-8"?>
+<file path=ppt/ink/ink33.xml><?xml version="1.0" encoding="utf-8"?>
 <inkml:ink xmlns:inkml="http://www.w3.org/2003/InkML">
   <inkml:definitions>
     <inkml:context xml:id="ctx0">
@@ -920,7 +950,7 @@
 </inkml:ink>
 </file>
 
-<file path=ppt/ink/ink33.xml><?xml version="1.0" encoding="utf-8"?>
+<file path=ppt/ink/ink34.xml><?xml version="1.0" encoding="utf-8"?>
 <inkml:ink xmlns:inkml="http://www.w3.org/2003/InkML">
   <inkml:definitions>
     <inkml:context xml:id="ctx0">
@@ -1212,7 +1242,7 @@
           <a:p>
             <a:fld id="{67E8D4DD-3471-6849-87DF-62BE1DF0D60C}" type="datetimeFigureOut">
               <a:rPr lang="en-GB" smtClean="0"/>
-              <a:t>23/04/2022</a:t>
+              <a:t>29/04/2022</a:t>
             </a:fld>
             <a:endParaRPr lang="en-GB"/>
           </a:p>
@@ -1564,6 +1594,90 @@
 </p:notes>
 </file>
 
+<file path=ppt/notesSlides/notesSlide10.xml><?xml version="1.0" encoding="utf-8"?>
+<p:notes xmlns:a="http://schemas.openxmlformats.org/drawingml/2006/main" xmlns:r="http://schemas.openxmlformats.org/officeDocument/2006/relationships" xmlns:p="http://schemas.openxmlformats.org/presentationml/2006/main">
+  <p:cSld>
+    <p:spTree>
+      <p:nvGrpSpPr>
+        <p:cNvPr id="1" name=""/>
+        <p:cNvGrpSpPr/>
+        <p:nvPr/>
+      </p:nvGrpSpPr>
+      <p:grpSpPr>
+        <a:xfrm>
+          <a:off x="0" y="0"/>
+          <a:ext cx="0" cy="0"/>
+          <a:chOff x="0" y="0"/>
+          <a:chExt cx="0" cy="0"/>
+        </a:xfrm>
+      </p:grpSpPr>
+      <p:sp>
+        <p:nvSpPr>
+          <p:cNvPr id="2" name="Folienbildplatzhalter 1"/>
+          <p:cNvSpPr>
+            <a:spLocks noGrp="1" noRot="1" noChangeAspect="1"/>
+          </p:cNvSpPr>
+          <p:nvPr>
+            <p:ph type="sldImg"/>
+          </p:nvPr>
+        </p:nvSpPr>
+        <p:spPr/>
+      </p:sp>
+      <p:sp>
+        <p:nvSpPr>
+          <p:cNvPr id="3" name="Notizenplatzhalter 2"/>
+          <p:cNvSpPr>
+            <a:spLocks noGrp="1"/>
+          </p:cNvSpPr>
+          <p:nvPr>
+            <p:ph type="body" idx="1"/>
+          </p:nvPr>
+        </p:nvSpPr>
+        <p:spPr/>
+        <p:txBody>
+          <a:bodyPr/>
+          <a:lstStyle/>
+          <a:p>
+            <a:endParaRPr lang="en-GB" dirty="0"/>
+          </a:p>
+        </p:txBody>
+      </p:sp>
+      <p:sp>
+        <p:nvSpPr>
+          <p:cNvPr id="4" name="Foliennummernplatzhalter 3"/>
+          <p:cNvSpPr>
+            <a:spLocks noGrp="1"/>
+          </p:cNvSpPr>
+          <p:nvPr>
+            <p:ph type="sldNum" sz="quarter" idx="5"/>
+          </p:nvPr>
+        </p:nvSpPr>
+        <p:spPr/>
+        <p:txBody>
+          <a:bodyPr/>
+          <a:lstStyle/>
+          <a:p>
+            <a:fld id="{1A605288-CA5B-244D-B0B9-7961E17E4827}" type="slidenum">
+              <a:rPr lang="en-GB" smtClean="0"/>
+              <a:t>26</a:t>
+            </a:fld>
+            <a:endParaRPr lang="en-GB"/>
+          </a:p>
+        </p:txBody>
+      </p:sp>
+    </p:spTree>
+    <p:extLst>
+      <p:ext uri="{BB962C8B-B14F-4D97-AF65-F5344CB8AC3E}">
+        <p14:creationId xmlns:p14="http://schemas.microsoft.com/office/powerpoint/2010/main" val="2683838289"/>
+      </p:ext>
+    </p:extLst>
+  </p:cSld>
+  <p:clrMapOvr>
+    <a:masterClrMapping/>
+  </p:clrMapOvr>
+</p:notes>
+</file>
+
 <file path=ppt/notesSlides/notesSlide2.xml><?xml version="1.0" encoding="utf-8"?>
 <p:notes xmlns:a="http://schemas.openxmlformats.org/drawingml/2006/main" xmlns:r="http://schemas.openxmlformats.org/officeDocument/2006/relationships" xmlns:p="http://schemas.openxmlformats.org/presentationml/2006/main">
   <p:cSld>
@@ -1881,7 +1995,7 @@
           <a:p>
             <a:fld id="{1A605288-CA5B-244D-B0B9-7961E17E4827}" type="slidenum">
               <a:rPr lang="en-GB" smtClean="0"/>
-              <a:t>11</a:t>
+              <a:t>10</a:t>
             </a:fld>
             <a:endParaRPr lang="en-GB"/>
           </a:p>
@@ -2049,7 +2163,7 @@
           <a:p>
             <a:fld id="{1A605288-CA5B-244D-B0B9-7961E17E4827}" type="slidenum">
               <a:rPr lang="en-GB" smtClean="0"/>
-              <a:t>24</a:t>
+              <a:t>20</a:t>
             </a:fld>
             <a:endParaRPr lang="en-GB"/>
           </a:p>
@@ -2058,7 +2172,7 @@
     </p:spTree>
     <p:extLst>
       <p:ext uri="{BB962C8B-B14F-4D97-AF65-F5344CB8AC3E}">
-        <p14:creationId xmlns:p14="http://schemas.microsoft.com/office/powerpoint/2010/main" val="2606786098"/>
+        <p14:creationId xmlns:p14="http://schemas.microsoft.com/office/powerpoint/2010/main" val="1428762141"/>
       </p:ext>
     </p:extLst>
   </p:cSld>
@@ -2133,7 +2247,7 @@
           <a:p>
             <a:fld id="{1A605288-CA5B-244D-B0B9-7961E17E4827}" type="slidenum">
               <a:rPr lang="en-GB" smtClean="0"/>
-              <a:t>25</a:t>
+              <a:t>24</a:t>
             </a:fld>
             <a:endParaRPr lang="en-GB"/>
           </a:p>
@@ -2142,7 +2256,7 @@
     </p:spTree>
     <p:extLst>
       <p:ext uri="{BB962C8B-B14F-4D97-AF65-F5344CB8AC3E}">
-        <p14:creationId xmlns:p14="http://schemas.microsoft.com/office/powerpoint/2010/main" val="2446401870"/>
+        <p14:creationId xmlns:p14="http://schemas.microsoft.com/office/powerpoint/2010/main" val="2606786098"/>
       </p:ext>
     </p:extLst>
   </p:cSld>
@@ -2217,7 +2331,7 @@
           <a:p>
             <a:fld id="{1A605288-CA5B-244D-B0B9-7961E17E4827}" type="slidenum">
               <a:rPr lang="en-GB" smtClean="0"/>
-              <a:t>26</a:t>
+              <a:t>25</a:t>
             </a:fld>
             <a:endParaRPr lang="en-GB"/>
           </a:p>
@@ -2226,7 +2340,7 @@
     </p:spTree>
     <p:extLst>
       <p:ext uri="{BB962C8B-B14F-4D97-AF65-F5344CB8AC3E}">
-        <p14:creationId xmlns:p14="http://schemas.microsoft.com/office/powerpoint/2010/main" val="2683838289"/>
+        <p14:creationId xmlns:p14="http://schemas.microsoft.com/office/powerpoint/2010/main" val="2446401870"/>
       </p:ext>
     </p:extLst>
   </p:cSld>
@@ -2385,7 +2499,7 @@
           <a:p>
             <a:fld id="{C8494FE3-26F6-6640-AC96-4CB60564FF87}" type="datetimeFigureOut">
               <a:rPr lang="en-GB" smtClean="0"/>
-              <a:t>23/04/2022</a:t>
+              <a:t>29/04/2022</a:t>
             </a:fld>
             <a:endParaRPr lang="en-GB"/>
           </a:p>
@@ -2585,7 +2699,7 @@
           <a:p>
             <a:fld id="{C8494FE3-26F6-6640-AC96-4CB60564FF87}" type="datetimeFigureOut">
               <a:rPr lang="en-GB" smtClean="0"/>
-              <a:t>23/04/2022</a:t>
+              <a:t>29/04/2022</a:t>
             </a:fld>
             <a:endParaRPr lang="en-GB"/>
           </a:p>
@@ -2795,7 +2909,7 @@
           <a:p>
             <a:fld id="{C8494FE3-26F6-6640-AC96-4CB60564FF87}" type="datetimeFigureOut">
               <a:rPr lang="en-GB" smtClean="0"/>
-              <a:t>23/04/2022</a:t>
+              <a:t>29/04/2022</a:t>
             </a:fld>
             <a:endParaRPr lang="en-GB"/>
           </a:p>
@@ -2995,7 +3109,7 @@
           <a:p>
             <a:fld id="{C8494FE3-26F6-6640-AC96-4CB60564FF87}" type="datetimeFigureOut">
               <a:rPr lang="en-GB" smtClean="0"/>
-              <a:t>23/04/2022</a:t>
+              <a:t>29/04/2022</a:t>
             </a:fld>
             <a:endParaRPr lang="en-GB"/>
           </a:p>
@@ -3271,7 +3385,7 @@
           <a:p>
             <a:fld id="{C8494FE3-26F6-6640-AC96-4CB60564FF87}" type="datetimeFigureOut">
               <a:rPr lang="en-GB" smtClean="0"/>
-              <a:t>23/04/2022</a:t>
+              <a:t>29/04/2022</a:t>
             </a:fld>
             <a:endParaRPr lang="en-GB"/>
           </a:p>
@@ -3539,7 +3653,7 @@
           <a:p>
             <a:fld id="{C8494FE3-26F6-6640-AC96-4CB60564FF87}" type="datetimeFigureOut">
               <a:rPr lang="en-GB" smtClean="0"/>
-              <a:t>23/04/2022</a:t>
+              <a:t>29/04/2022</a:t>
             </a:fld>
             <a:endParaRPr lang="en-GB"/>
           </a:p>
@@ -3954,7 +4068,7 @@
           <a:p>
             <a:fld id="{C8494FE3-26F6-6640-AC96-4CB60564FF87}" type="datetimeFigureOut">
               <a:rPr lang="en-GB" smtClean="0"/>
-              <a:t>23/04/2022</a:t>
+              <a:t>29/04/2022</a:t>
             </a:fld>
             <a:endParaRPr lang="en-GB"/>
           </a:p>
@@ -4096,7 +4210,7 @@
           <a:p>
             <a:fld id="{C8494FE3-26F6-6640-AC96-4CB60564FF87}" type="datetimeFigureOut">
               <a:rPr lang="en-GB" smtClean="0"/>
-              <a:t>23/04/2022</a:t>
+              <a:t>29/04/2022</a:t>
             </a:fld>
             <a:endParaRPr lang="en-GB"/>
           </a:p>
@@ -4209,7 +4323,7 @@
           <a:p>
             <a:fld id="{C8494FE3-26F6-6640-AC96-4CB60564FF87}" type="datetimeFigureOut">
               <a:rPr lang="en-GB" smtClean="0"/>
-              <a:t>23/04/2022</a:t>
+              <a:t>29/04/2022</a:t>
             </a:fld>
             <a:endParaRPr lang="en-GB"/>
           </a:p>
@@ -4522,7 +4636,7 @@
           <a:p>
             <a:fld id="{C8494FE3-26F6-6640-AC96-4CB60564FF87}" type="datetimeFigureOut">
               <a:rPr lang="en-GB" smtClean="0"/>
-              <a:t>23/04/2022</a:t>
+              <a:t>29/04/2022</a:t>
             </a:fld>
             <a:endParaRPr lang="en-GB"/>
           </a:p>
@@ -4811,7 +4925,7 @@
           <a:p>
             <a:fld id="{C8494FE3-26F6-6640-AC96-4CB60564FF87}" type="datetimeFigureOut">
               <a:rPr lang="en-GB" smtClean="0"/>
-              <a:t>23/04/2022</a:t>
+              <a:t>29/04/2022</a:t>
             </a:fld>
             <a:endParaRPr lang="en-GB"/>
           </a:p>
@@ -5054,7 +5168,7 @@
           <a:p>
             <a:fld id="{C8494FE3-26F6-6640-AC96-4CB60564FF87}" type="datetimeFigureOut">
               <a:rPr lang="en-GB" smtClean="0"/>
-              <a:t>23/04/2022</a:t>
+              <a:t>29/04/2022</a:t>
             </a:fld>
             <a:endParaRPr lang="en-GB"/>
           </a:p>
@@ -5516,6 +5630,1280 @@
 </file>
 
 <file path=ppt/slides/slide10.xml><?xml version="1.0" encoding="utf-8"?>
+<p:sld xmlns:a="http://schemas.openxmlformats.org/drawingml/2006/main" xmlns:r="http://schemas.openxmlformats.org/officeDocument/2006/relationships" xmlns:p="http://schemas.openxmlformats.org/presentationml/2006/main">
+  <p:cSld>
+    <p:spTree>
+      <p:nvGrpSpPr>
+        <p:cNvPr id="1" name=""/>
+        <p:cNvGrpSpPr/>
+        <p:nvPr/>
+      </p:nvGrpSpPr>
+      <p:grpSpPr>
+        <a:xfrm>
+          <a:off x="0" y="0"/>
+          <a:ext cx="0" cy="0"/>
+          <a:chOff x="0" y="0"/>
+          <a:chExt cx="0" cy="0"/>
+        </a:xfrm>
+      </p:grpSpPr>
+      <p:pic>
+        <p:nvPicPr>
+          <p:cNvPr id="18" name="Grafik 17">
+            <a:extLst>
+              <a:ext uri="{FF2B5EF4-FFF2-40B4-BE49-F238E27FC236}">
+                <a16:creationId xmlns:a16="http://schemas.microsoft.com/office/drawing/2014/main" id="{25AC5228-9897-AB34-A1C5-22DF8EE8A487}"/>
+              </a:ext>
+            </a:extLst>
+          </p:cNvPr>
+          <p:cNvPicPr>
+            <a:picLocks noChangeAspect="1"/>
+          </p:cNvPicPr>
+          <p:nvPr/>
+        </p:nvPicPr>
+        <p:blipFill>
+          <a:blip r:embed="rId3"/>
+          <a:stretch>
+            <a:fillRect/>
+          </a:stretch>
+        </p:blipFill>
+        <p:spPr>
+          <a:xfrm>
+            <a:off x="5883867" y="904808"/>
+            <a:ext cx="5895639" cy="5215033"/>
+          </a:xfrm>
+          <a:prstGeom prst="rect">
+            <a:avLst/>
+          </a:prstGeom>
+        </p:spPr>
+      </p:pic>
+      <p:sp>
+        <p:nvSpPr>
+          <p:cNvPr id="25" name="Rechteck 24">
+            <a:extLst>
+              <a:ext uri="{FF2B5EF4-FFF2-40B4-BE49-F238E27FC236}">
+                <a16:creationId xmlns:a16="http://schemas.microsoft.com/office/drawing/2014/main" id="{2C979234-A153-1847-925D-3B66EA72114D}"/>
+              </a:ext>
+            </a:extLst>
+          </p:cNvPr>
+          <p:cNvSpPr/>
+          <p:nvPr/>
+        </p:nvSpPr>
+        <p:spPr>
+          <a:xfrm>
+            <a:off x="1984413" y="114778"/>
+            <a:ext cx="2303836" cy="338554"/>
+          </a:xfrm>
+          <a:prstGeom prst="rect">
+            <a:avLst/>
+          </a:prstGeom>
+        </p:spPr>
+        <p:txBody>
+          <a:bodyPr wrap="none">
+            <a:spAutoFit/>
+          </a:bodyPr>
+          <a:lstStyle/>
+          <a:p>
+            <a:r>
+              <a:rPr lang="de-DE" sz="1600" b="1" i="1" dirty="0">
+                <a:latin typeface="Times New Roman" panose="02020603050405020304" pitchFamily="18" charset="0"/>
+                <a:cs typeface="Times New Roman" panose="02020603050405020304" pitchFamily="18" charset="0"/>
+              </a:rPr>
+              <a:t>Y</a:t>
+            </a:r>
+            <a:r>
+              <a:rPr lang="de-DE" sz="1600" b="1" dirty="0">
+                <a:latin typeface="Times New Roman" panose="02020603050405020304" pitchFamily="18" charset="0"/>
+                <a:cs typeface="Times New Roman" panose="02020603050405020304" pitchFamily="18" charset="0"/>
+              </a:rPr>
+              <a:t>= </a:t>
+            </a:r>
+            <a:r>
+              <a:rPr lang="de-DE" sz="1600" b="1" i="1" dirty="0">
+                <a:latin typeface="Times New Roman" panose="02020603050405020304" pitchFamily="18" charset="0"/>
+                <a:cs typeface="Times New Roman" panose="02020603050405020304" pitchFamily="18" charset="0"/>
+              </a:rPr>
+              <a:t>b</a:t>
+            </a:r>
+            <a:r>
+              <a:rPr lang="de-DE" sz="1600" b="1" baseline="-25000" dirty="0">
+                <a:latin typeface="Times New Roman" panose="02020603050405020304" pitchFamily="18" charset="0"/>
+                <a:cs typeface="Times New Roman" panose="02020603050405020304" pitchFamily="18" charset="0"/>
+              </a:rPr>
+              <a:t>1</a:t>
+            </a:r>
+            <a:r>
+              <a:rPr lang="de-DE" sz="1600" b="1" i="1" dirty="0">
+                <a:latin typeface="Times New Roman" panose="02020603050405020304" pitchFamily="18" charset="0"/>
+                <a:cs typeface="Times New Roman" panose="02020603050405020304" pitchFamily="18" charset="0"/>
+              </a:rPr>
+              <a:t>X</a:t>
+            </a:r>
+            <a:r>
+              <a:rPr lang="de-DE" sz="1600" b="1" baseline="-25000" dirty="0">
+                <a:latin typeface="Times New Roman" panose="02020603050405020304" pitchFamily="18" charset="0"/>
+                <a:cs typeface="Times New Roman" panose="02020603050405020304" pitchFamily="18" charset="0"/>
+              </a:rPr>
+              <a:t>1</a:t>
+            </a:r>
+            <a:r>
+              <a:rPr lang="de-DE" sz="1600" b="1" dirty="0">
+                <a:latin typeface="Times New Roman" panose="02020603050405020304" pitchFamily="18" charset="0"/>
+                <a:cs typeface="Times New Roman" panose="02020603050405020304" pitchFamily="18" charset="0"/>
+              </a:rPr>
+              <a:t> + </a:t>
+            </a:r>
+            <a:r>
+              <a:rPr lang="de-DE" sz="1600" b="1" i="1" dirty="0">
+                <a:latin typeface="Times New Roman" panose="02020603050405020304" pitchFamily="18" charset="0"/>
+                <a:cs typeface="Times New Roman" panose="02020603050405020304" pitchFamily="18" charset="0"/>
+              </a:rPr>
+              <a:t>b</a:t>
+            </a:r>
+            <a:r>
+              <a:rPr lang="de-DE" sz="1600" b="1" baseline="-25000" dirty="0">
+                <a:latin typeface="Times New Roman" panose="02020603050405020304" pitchFamily="18" charset="0"/>
+                <a:cs typeface="Times New Roman" panose="02020603050405020304" pitchFamily="18" charset="0"/>
+              </a:rPr>
+              <a:t>2</a:t>
+            </a:r>
+            <a:r>
+              <a:rPr lang="de-DE" sz="1600" b="1" i="1" dirty="0">
+                <a:latin typeface="Times New Roman" panose="02020603050405020304" pitchFamily="18" charset="0"/>
+                <a:cs typeface="Times New Roman" panose="02020603050405020304" pitchFamily="18" charset="0"/>
+              </a:rPr>
+              <a:t>X</a:t>
+            </a:r>
+            <a:r>
+              <a:rPr lang="de-DE" sz="1600" b="1" baseline="-25000" dirty="0">
+                <a:latin typeface="Times New Roman" panose="02020603050405020304" pitchFamily="18" charset="0"/>
+                <a:cs typeface="Times New Roman" panose="02020603050405020304" pitchFamily="18" charset="0"/>
+              </a:rPr>
+              <a:t>2</a:t>
+            </a:r>
+            <a:r>
+              <a:rPr lang="de-DE" sz="1600" b="1" dirty="0">
+                <a:latin typeface="Times New Roman" panose="02020603050405020304" pitchFamily="18" charset="0"/>
+                <a:cs typeface="Times New Roman" panose="02020603050405020304" pitchFamily="18" charset="0"/>
+              </a:rPr>
+              <a:t> + </a:t>
+            </a:r>
+            <a:r>
+              <a:rPr lang="de-DE" sz="1600" b="1" i="1" dirty="0">
+                <a:latin typeface="Times New Roman" panose="02020603050405020304" pitchFamily="18" charset="0"/>
+                <a:cs typeface="Times New Roman" panose="02020603050405020304" pitchFamily="18" charset="0"/>
+              </a:rPr>
+              <a:t>b</a:t>
+            </a:r>
+            <a:r>
+              <a:rPr lang="de-DE" sz="1600" b="1" baseline="-25000" dirty="0">
+                <a:latin typeface="Times New Roman" panose="02020603050405020304" pitchFamily="18" charset="0"/>
+                <a:cs typeface="Times New Roman" panose="02020603050405020304" pitchFamily="18" charset="0"/>
+              </a:rPr>
+              <a:t>3</a:t>
+            </a:r>
+            <a:r>
+              <a:rPr lang="de-DE" sz="1600" b="1" i="1" dirty="0">
+                <a:latin typeface="Times New Roman" panose="02020603050405020304" pitchFamily="18" charset="0"/>
+                <a:cs typeface="Times New Roman" panose="02020603050405020304" pitchFamily="18" charset="0"/>
+              </a:rPr>
+              <a:t>X</a:t>
+            </a:r>
+            <a:r>
+              <a:rPr lang="de-DE" sz="1600" b="1" baseline="-25000" dirty="0">
+                <a:latin typeface="Times New Roman" panose="02020603050405020304" pitchFamily="18" charset="0"/>
+                <a:cs typeface="Times New Roman" panose="02020603050405020304" pitchFamily="18" charset="0"/>
+              </a:rPr>
+              <a:t>1</a:t>
+            </a:r>
+            <a:r>
+              <a:rPr lang="de-DE" sz="1600" b="1" i="1" dirty="0">
+                <a:latin typeface="Times New Roman" panose="02020603050405020304" pitchFamily="18" charset="0"/>
+                <a:cs typeface="Times New Roman" panose="02020603050405020304" pitchFamily="18" charset="0"/>
+              </a:rPr>
+              <a:t>X</a:t>
+            </a:r>
+            <a:r>
+              <a:rPr lang="de-DE" sz="1600" b="1" baseline="-25000" dirty="0">
+                <a:latin typeface="Times New Roman" panose="02020603050405020304" pitchFamily="18" charset="0"/>
+                <a:cs typeface="Times New Roman" panose="02020603050405020304" pitchFamily="18" charset="0"/>
+              </a:rPr>
+              <a:t>2</a:t>
+            </a:r>
+            <a:r>
+              <a:rPr lang="de-DE" sz="1600" b="1" dirty="0">
+                <a:latin typeface="Times New Roman" panose="02020603050405020304" pitchFamily="18" charset="0"/>
+                <a:cs typeface="Times New Roman" panose="02020603050405020304" pitchFamily="18" charset="0"/>
+              </a:rPr>
+              <a:t> </a:t>
+            </a:r>
+          </a:p>
+        </p:txBody>
+      </p:sp>
+      <p:grpSp>
+        <p:nvGrpSpPr>
+          <p:cNvPr id="9" name="Gruppieren 8">
+            <a:extLst>
+              <a:ext uri="{FF2B5EF4-FFF2-40B4-BE49-F238E27FC236}">
+                <a16:creationId xmlns:a16="http://schemas.microsoft.com/office/drawing/2014/main" id="{4D185A22-BA8E-4243-BA5A-3729395D751D}"/>
+              </a:ext>
+            </a:extLst>
+          </p:cNvPr>
+          <p:cNvGrpSpPr/>
+          <p:nvPr/>
+        </p:nvGrpSpPr>
+        <p:grpSpPr>
+          <a:xfrm>
+            <a:off x="299816" y="2367332"/>
+            <a:ext cx="5444335" cy="401594"/>
+            <a:chOff x="299816" y="2367332"/>
+            <a:chExt cx="5444335" cy="401594"/>
+          </a:xfrm>
+        </p:grpSpPr>
+        <p:sp>
+          <p:nvSpPr>
+            <p:cNvPr id="4" name="Rechteck 3">
+              <a:extLst>
+                <a:ext uri="{FF2B5EF4-FFF2-40B4-BE49-F238E27FC236}">
+                  <a16:creationId xmlns:a16="http://schemas.microsoft.com/office/drawing/2014/main" id="{D6AEEA40-3BBB-2248-97E3-BB930D18A1E8}"/>
+                </a:ext>
+              </a:extLst>
+            </p:cNvPr>
+            <p:cNvSpPr/>
+            <p:nvPr/>
+          </p:nvSpPr>
+          <p:spPr>
+            <a:xfrm>
+              <a:off x="299816" y="2367332"/>
+              <a:ext cx="1773044" cy="401594"/>
+            </a:xfrm>
+            <a:prstGeom prst="rect">
+              <a:avLst/>
+            </a:prstGeom>
+            <a:solidFill>
+              <a:schemeClr val="bg1"/>
+            </a:solidFill>
+            <a:ln>
+              <a:solidFill>
+                <a:schemeClr val="tx1"/>
+              </a:solidFill>
+            </a:ln>
+          </p:spPr>
+          <p:style>
+            <a:lnRef idx="2">
+              <a:schemeClr val="accent1">
+                <a:shade val="50000"/>
+              </a:schemeClr>
+            </a:lnRef>
+            <a:fillRef idx="1">
+              <a:schemeClr val="accent1"/>
+            </a:fillRef>
+            <a:effectRef idx="0">
+              <a:schemeClr val="accent1"/>
+            </a:effectRef>
+            <a:fontRef idx="minor">
+              <a:schemeClr val="lt1"/>
+            </a:fontRef>
+          </p:style>
+          <p:txBody>
+            <a:bodyPr rtlCol="0" anchor="ctr"/>
+            <a:lstStyle/>
+            <a:p>
+              <a:pPr algn="ctr"/>
+              <a:r>
+                <a:rPr lang="en-GB" sz="1200" dirty="0">
+                  <a:solidFill>
+                    <a:schemeClr val="tx1"/>
+                  </a:solidFill>
+                  <a:latin typeface="Times New Roman" panose="02020603050405020304" pitchFamily="18" charset="0"/>
+                  <a:cs typeface="Times New Roman" panose="02020603050405020304" pitchFamily="18" charset="0"/>
+                </a:rPr>
+                <a:t>Trust</a:t>
+              </a:r>
+            </a:p>
+          </p:txBody>
+        </p:sp>
+        <p:sp>
+          <p:nvSpPr>
+            <p:cNvPr id="5" name="Rechteck 4">
+              <a:extLst>
+                <a:ext uri="{FF2B5EF4-FFF2-40B4-BE49-F238E27FC236}">
+                  <a16:creationId xmlns:a16="http://schemas.microsoft.com/office/drawing/2014/main" id="{913C77EF-103A-7840-BADC-8CD0720DDFCB}"/>
+                </a:ext>
+              </a:extLst>
+            </p:cNvPr>
+            <p:cNvSpPr/>
+            <p:nvPr/>
+          </p:nvSpPr>
+          <p:spPr>
+            <a:xfrm>
+              <a:off x="3971107" y="2367332"/>
+              <a:ext cx="1773044" cy="401594"/>
+            </a:xfrm>
+            <a:prstGeom prst="rect">
+              <a:avLst/>
+            </a:prstGeom>
+            <a:solidFill>
+              <a:schemeClr val="bg1"/>
+            </a:solidFill>
+            <a:ln>
+              <a:solidFill>
+                <a:schemeClr val="tx1"/>
+              </a:solidFill>
+            </a:ln>
+          </p:spPr>
+          <p:style>
+            <a:lnRef idx="2">
+              <a:schemeClr val="accent1">
+                <a:shade val="50000"/>
+              </a:schemeClr>
+            </a:lnRef>
+            <a:fillRef idx="1">
+              <a:schemeClr val="accent1"/>
+            </a:fillRef>
+            <a:effectRef idx="0">
+              <a:schemeClr val="accent1"/>
+            </a:effectRef>
+            <a:fontRef idx="minor">
+              <a:schemeClr val="lt1"/>
+            </a:fontRef>
+          </p:style>
+          <p:txBody>
+            <a:bodyPr rtlCol="0" anchor="ctr"/>
+            <a:lstStyle/>
+            <a:p>
+              <a:pPr algn="ctr"/>
+              <a:r>
+                <a:rPr lang="en-GB" sz="1200" dirty="0">
+                  <a:solidFill>
+                    <a:schemeClr val="tx1"/>
+                  </a:solidFill>
+                  <a:latin typeface="Times New Roman" panose="02020603050405020304" pitchFamily="18" charset="0"/>
+                  <a:cs typeface="Times New Roman" panose="02020603050405020304" pitchFamily="18" charset="0"/>
+                </a:rPr>
+                <a:t>Usage Intention</a:t>
+              </a:r>
+            </a:p>
+          </p:txBody>
+        </p:sp>
+      </p:grpSp>
+      <p:sp>
+        <p:nvSpPr>
+          <p:cNvPr id="6" name="Rechteck 5">
+            <a:extLst>
+              <a:ext uri="{FF2B5EF4-FFF2-40B4-BE49-F238E27FC236}">
+                <a16:creationId xmlns:a16="http://schemas.microsoft.com/office/drawing/2014/main" id="{974ECC28-744A-924F-B44A-B94456A8684C}"/>
+              </a:ext>
+            </a:extLst>
+          </p:cNvPr>
+          <p:cNvSpPr/>
+          <p:nvPr/>
+        </p:nvSpPr>
+        <p:spPr>
+          <a:xfrm>
+            <a:off x="2135461" y="970637"/>
+            <a:ext cx="1773044" cy="401594"/>
+          </a:xfrm>
+          <a:prstGeom prst="rect">
+            <a:avLst/>
+          </a:prstGeom>
+          <a:solidFill>
+            <a:schemeClr val="bg1"/>
+          </a:solidFill>
+          <a:ln>
+            <a:solidFill>
+              <a:schemeClr val="tx1"/>
+            </a:solidFill>
+          </a:ln>
+        </p:spPr>
+        <p:style>
+          <a:lnRef idx="2">
+            <a:schemeClr val="accent1">
+              <a:shade val="50000"/>
+            </a:schemeClr>
+          </a:lnRef>
+          <a:fillRef idx="1">
+            <a:schemeClr val="accent1"/>
+          </a:fillRef>
+          <a:effectRef idx="0">
+            <a:schemeClr val="accent1"/>
+          </a:effectRef>
+          <a:fontRef idx="minor">
+            <a:schemeClr val="lt1"/>
+          </a:fontRef>
+        </p:style>
+        <p:txBody>
+          <a:bodyPr rtlCol="0" anchor="ctr"/>
+          <a:lstStyle/>
+          <a:p>
+            <a:pPr algn="ctr"/>
+            <a:r>
+              <a:rPr lang="en-GB" sz="1200" dirty="0">
+                <a:solidFill>
+                  <a:schemeClr val="tx1"/>
+                </a:solidFill>
+                <a:latin typeface="Times New Roman" panose="02020603050405020304" pitchFamily="18" charset="0"/>
+                <a:cs typeface="Times New Roman" panose="02020603050405020304" pitchFamily="18" charset="0"/>
+              </a:rPr>
+              <a:t>Experience</a:t>
+            </a:r>
+          </a:p>
+        </p:txBody>
+      </p:sp>
+      <p:cxnSp>
+        <p:nvCxnSpPr>
+          <p:cNvPr id="8" name="Gerade Verbindung mit Pfeil 7">
+            <a:extLst>
+              <a:ext uri="{FF2B5EF4-FFF2-40B4-BE49-F238E27FC236}">
+                <a16:creationId xmlns:a16="http://schemas.microsoft.com/office/drawing/2014/main" id="{2749827A-494C-D247-9C13-F813D9A5F563}"/>
+              </a:ext>
+            </a:extLst>
+          </p:cNvPr>
+          <p:cNvCxnSpPr>
+            <a:stCxn id="4" idx="3"/>
+            <a:endCxn id="5" idx="1"/>
+          </p:cNvCxnSpPr>
+          <p:nvPr/>
+        </p:nvCxnSpPr>
+        <p:spPr>
+          <a:xfrm>
+            <a:off x="2072860" y="2568129"/>
+            <a:ext cx="1898247" cy="0"/>
+          </a:xfrm>
+          <a:prstGeom prst="straightConnector1">
+            <a:avLst/>
+          </a:prstGeom>
+          <a:ln>
+            <a:tailEnd type="triangle"/>
+          </a:ln>
+        </p:spPr>
+        <p:style>
+          <a:lnRef idx="1">
+            <a:schemeClr val="dk1"/>
+          </a:lnRef>
+          <a:fillRef idx="0">
+            <a:schemeClr val="dk1"/>
+          </a:fillRef>
+          <a:effectRef idx="0">
+            <a:schemeClr val="dk1"/>
+          </a:effectRef>
+          <a:fontRef idx="minor">
+            <a:schemeClr val="tx1"/>
+          </a:fontRef>
+        </p:style>
+      </p:cxnSp>
+      <p:cxnSp>
+        <p:nvCxnSpPr>
+          <p:cNvPr id="10" name="Gerade Verbindung mit Pfeil 9">
+            <a:extLst>
+              <a:ext uri="{FF2B5EF4-FFF2-40B4-BE49-F238E27FC236}">
+                <a16:creationId xmlns:a16="http://schemas.microsoft.com/office/drawing/2014/main" id="{3820FB58-9EC2-9A49-92B5-503D79FBE215}"/>
+              </a:ext>
+            </a:extLst>
+          </p:cNvPr>
+          <p:cNvCxnSpPr>
+            <a:cxnSpLocks/>
+            <a:stCxn id="6" idx="2"/>
+          </p:cNvCxnSpPr>
+          <p:nvPr/>
+        </p:nvCxnSpPr>
+        <p:spPr>
+          <a:xfrm>
+            <a:off x="3021983" y="1372231"/>
+            <a:ext cx="0" cy="1195898"/>
+          </a:xfrm>
+          <a:prstGeom prst="straightConnector1">
+            <a:avLst/>
+          </a:prstGeom>
+          <a:ln>
+            <a:tailEnd type="triangle"/>
+          </a:ln>
+        </p:spPr>
+        <p:style>
+          <a:lnRef idx="1">
+            <a:schemeClr val="dk1"/>
+          </a:lnRef>
+          <a:fillRef idx="0">
+            <a:schemeClr val="dk1"/>
+          </a:fillRef>
+          <a:effectRef idx="0">
+            <a:schemeClr val="dk1"/>
+          </a:effectRef>
+          <a:fontRef idx="minor">
+            <a:schemeClr val="tx1"/>
+          </a:fontRef>
+        </p:style>
+      </p:cxnSp>
+      <p:sp>
+        <p:nvSpPr>
+          <p:cNvPr id="13" name="Rechteck 12">
+            <a:extLst>
+              <a:ext uri="{FF2B5EF4-FFF2-40B4-BE49-F238E27FC236}">
+                <a16:creationId xmlns:a16="http://schemas.microsoft.com/office/drawing/2014/main" id="{52775179-5B68-BE46-A322-7C8EB09211D3}"/>
+              </a:ext>
+            </a:extLst>
+          </p:cNvPr>
+          <p:cNvSpPr/>
+          <p:nvPr/>
+        </p:nvSpPr>
+        <p:spPr>
+          <a:xfrm>
+            <a:off x="3021983" y="1773825"/>
+            <a:ext cx="893899" cy="276999"/>
+          </a:xfrm>
+          <a:prstGeom prst="rect">
+            <a:avLst/>
+          </a:prstGeom>
+        </p:spPr>
+        <p:txBody>
+          <a:bodyPr wrap="none">
+            <a:spAutoFit/>
+          </a:bodyPr>
+          <a:lstStyle/>
+          <a:p>
+            <a:r>
+              <a:rPr lang="en-GB" sz="1200" dirty="0">
+                <a:latin typeface="Times New Roman" panose="02020603050405020304" pitchFamily="18" charset="0"/>
+                <a:cs typeface="Times New Roman" panose="02020603050405020304" pitchFamily="18" charset="0"/>
+              </a:rPr>
+              <a:t>b</a:t>
+            </a:r>
+            <a:r>
+              <a:rPr lang="en-GB" sz="1200" baseline="-25000" dirty="0">
+                <a:latin typeface="Times New Roman" panose="02020603050405020304" pitchFamily="18" charset="0"/>
+                <a:cs typeface="Times New Roman" panose="02020603050405020304" pitchFamily="18" charset="0"/>
+              </a:rPr>
+              <a:t>3</a:t>
+            </a:r>
+            <a:r>
+              <a:rPr lang="en-GB" sz="1200" dirty="0">
+                <a:latin typeface="Times New Roman" panose="02020603050405020304" pitchFamily="18" charset="0"/>
+                <a:cs typeface="Times New Roman" panose="02020603050405020304" pitchFamily="18" charset="0"/>
+              </a:rPr>
+              <a:t> = 0.11**</a:t>
+            </a:r>
+          </a:p>
+        </p:txBody>
+      </p:sp>
+      <p:sp>
+        <p:nvSpPr>
+          <p:cNvPr id="14" name="Rechteck 13">
+            <a:extLst>
+              <a:ext uri="{FF2B5EF4-FFF2-40B4-BE49-F238E27FC236}">
+                <a16:creationId xmlns:a16="http://schemas.microsoft.com/office/drawing/2014/main" id="{23921028-D6D4-5640-BEBE-6B58A756E582}"/>
+              </a:ext>
+            </a:extLst>
+          </p:cNvPr>
+          <p:cNvSpPr/>
+          <p:nvPr/>
+        </p:nvSpPr>
+        <p:spPr>
+          <a:xfrm>
+            <a:off x="2251978" y="2568129"/>
+            <a:ext cx="745717" cy="276999"/>
+          </a:xfrm>
+          <a:prstGeom prst="rect">
+            <a:avLst/>
+          </a:prstGeom>
+        </p:spPr>
+        <p:txBody>
+          <a:bodyPr wrap="none">
+            <a:spAutoFit/>
+          </a:bodyPr>
+          <a:lstStyle/>
+          <a:p>
+            <a:r>
+              <a:rPr lang="en-GB" sz="1200" dirty="0">
+                <a:latin typeface="Times New Roman" panose="02020603050405020304" pitchFamily="18" charset="0"/>
+                <a:cs typeface="Times New Roman" panose="02020603050405020304" pitchFamily="18" charset="0"/>
+              </a:rPr>
+              <a:t>b</a:t>
+            </a:r>
+            <a:r>
+              <a:rPr lang="en-GB" sz="1200" baseline="-25000" dirty="0">
+                <a:latin typeface="Times New Roman" panose="02020603050405020304" pitchFamily="18" charset="0"/>
+                <a:cs typeface="Times New Roman" panose="02020603050405020304" pitchFamily="18" charset="0"/>
+              </a:rPr>
+              <a:t>1</a:t>
+            </a:r>
+            <a:r>
+              <a:rPr lang="en-GB" sz="1200" dirty="0">
+                <a:latin typeface="Times New Roman" panose="02020603050405020304" pitchFamily="18" charset="0"/>
+                <a:cs typeface="Times New Roman" panose="02020603050405020304" pitchFamily="18" charset="0"/>
+              </a:rPr>
+              <a:t> = 0.02</a:t>
+            </a:r>
+          </a:p>
+        </p:txBody>
+      </p:sp>
+      <p:cxnSp>
+        <p:nvCxnSpPr>
+          <p:cNvPr id="26" name="Gerade Verbindung mit Pfeil 25">
+            <a:extLst>
+              <a:ext uri="{FF2B5EF4-FFF2-40B4-BE49-F238E27FC236}">
+                <a16:creationId xmlns:a16="http://schemas.microsoft.com/office/drawing/2014/main" id="{84CDADDD-36F5-814F-B2E5-51EF18AB808E}"/>
+              </a:ext>
+            </a:extLst>
+          </p:cNvPr>
+          <p:cNvCxnSpPr>
+            <a:cxnSpLocks/>
+            <a:stCxn id="6" idx="3"/>
+            <a:endCxn id="5" idx="0"/>
+          </p:cNvCxnSpPr>
+          <p:nvPr/>
+        </p:nvCxnSpPr>
+        <p:spPr>
+          <a:xfrm>
+            <a:off x="3908505" y="1171434"/>
+            <a:ext cx="949124" cy="1195898"/>
+          </a:xfrm>
+          <a:prstGeom prst="straightConnector1">
+            <a:avLst/>
+          </a:prstGeom>
+          <a:ln>
+            <a:tailEnd type="triangle"/>
+          </a:ln>
+        </p:spPr>
+        <p:style>
+          <a:lnRef idx="1">
+            <a:schemeClr val="dk1"/>
+          </a:lnRef>
+          <a:fillRef idx="0">
+            <a:schemeClr val="dk1"/>
+          </a:fillRef>
+          <a:effectRef idx="0">
+            <a:schemeClr val="dk1"/>
+          </a:effectRef>
+          <a:fontRef idx="minor">
+            <a:schemeClr val="tx1"/>
+          </a:fontRef>
+        </p:style>
+      </p:cxnSp>
+      <p:sp>
+        <p:nvSpPr>
+          <p:cNvPr id="29" name="Rechteck 28">
+            <a:extLst>
+              <a:ext uri="{FF2B5EF4-FFF2-40B4-BE49-F238E27FC236}">
+                <a16:creationId xmlns:a16="http://schemas.microsoft.com/office/drawing/2014/main" id="{D160E69B-03BD-2A46-9B86-B02B3A5D3A20}"/>
+              </a:ext>
+            </a:extLst>
+          </p:cNvPr>
+          <p:cNvSpPr/>
+          <p:nvPr/>
+        </p:nvSpPr>
+        <p:spPr>
+          <a:xfrm>
+            <a:off x="4422169" y="1476713"/>
+            <a:ext cx="797013" cy="276999"/>
+          </a:xfrm>
+          <a:prstGeom prst="rect">
+            <a:avLst/>
+          </a:prstGeom>
+        </p:spPr>
+        <p:txBody>
+          <a:bodyPr wrap="none">
+            <a:spAutoFit/>
+          </a:bodyPr>
+          <a:lstStyle/>
+          <a:p>
+            <a:r>
+              <a:rPr lang="en-GB" sz="1200" dirty="0">
+                <a:latin typeface="Times New Roman" panose="02020603050405020304" pitchFamily="18" charset="0"/>
+                <a:cs typeface="Times New Roman" panose="02020603050405020304" pitchFamily="18" charset="0"/>
+              </a:rPr>
+              <a:t>b</a:t>
+            </a:r>
+            <a:r>
+              <a:rPr lang="en-GB" sz="1200" baseline="-25000" dirty="0">
+                <a:latin typeface="Times New Roman" panose="02020603050405020304" pitchFamily="18" charset="0"/>
+                <a:cs typeface="Times New Roman" panose="02020603050405020304" pitchFamily="18" charset="0"/>
+              </a:rPr>
+              <a:t>2</a:t>
+            </a:r>
+            <a:r>
+              <a:rPr lang="en-GB" sz="1200" dirty="0">
+                <a:latin typeface="Times New Roman" panose="02020603050405020304" pitchFamily="18" charset="0"/>
+                <a:cs typeface="Times New Roman" panose="02020603050405020304" pitchFamily="18" charset="0"/>
+              </a:rPr>
+              <a:t> = -0.49</a:t>
+            </a:r>
+          </a:p>
+        </p:txBody>
+      </p:sp>
+      <p:sp>
+        <p:nvSpPr>
+          <p:cNvPr id="39" name="Rechteck 38">
+            <a:extLst>
+              <a:ext uri="{FF2B5EF4-FFF2-40B4-BE49-F238E27FC236}">
+                <a16:creationId xmlns:a16="http://schemas.microsoft.com/office/drawing/2014/main" id="{A02D483B-228E-A748-84A9-1D34DAE00E63}"/>
+              </a:ext>
+            </a:extLst>
+          </p:cNvPr>
+          <p:cNvSpPr/>
+          <p:nvPr/>
+        </p:nvSpPr>
+        <p:spPr>
+          <a:xfrm rot="21125072">
+            <a:off x="-523111" y="-80393"/>
+            <a:ext cx="1747778" cy="728896"/>
+          </a:xfrm>
+          <a:prstGeom prst="rect">
+            <a:avLst/>
+          </a:prstGeom>
+        </p:spPr>
+        <p:style>
+          <a:lnRef idx="2">
+            <a:schemeClr val="accent6">
+              <a:shade val="50000"/>
+            </a:schemeClr>
+          </a:lnRef>
+          <a:fillRef idx="1">
+            <a:schemeClr val="accent6"/>
+          </a:fillRef>
+          <a:effectRef idx="0">
+            <a:schemeClr val="accent6"/>
+          </a:effectRef>
+          <a:fontRef idx="minor">
+            <a:schemeClr val="lt1"/>
+          </a:fontRef>
+        </p:style>
+        <p:txBody>
+          <a:bodyPr rtlCol="0" anchor="ctr"/>
+          <a:lstStyle/>
+          <a:p>
+            <a:pPr algn="ctr"/>
+            <a:r>
+              <a:rPr lang="en-GB" dirty="0"/>
+              <a:t>Continuous</a:t>
+            </a:r>
+          </a:p>
+          <a:p>
+            <a:pPr algn="ctr"/>
+            <a:r>
+              <a:rPr lang="en-GB" dirty="0"/>
+              <a:t>moderator </a:t>
+            </a:r>
+          </a:p>
+        </p:txBody>
+      </p:sp>
+      <p:sp>
+        <p:nvSpPr>
+          <p:cNvPr id="40" name="Rechteck 39">
+            <a:extLst>
+              <a:ext uri="{FF2B5EF4-FFF2-40B4-BE49-F238E27FC236}">
+                <a16:creationId xmlns:a16="http://schemas.microsoft.com/office/drawing/2014/main" id="{A5125F07-AF18-5C41-9297-9FC5E4A7350B}"/>
+              </a:ext>
+            </a:extLst>
+          </p:cNvPr>
+          <p:cNvSpPr/>
+          <p:nvPr/>
+        </p:nvSpPr>
+        <p:spPr>
+          <a:xfrm>
+            <a:off x="335455" y="3512325"/>
+            <a:ext cx="5072474" cy="2739211"/>
+          </a:xfrm>
+          <a:prstGeom prst="rect">
+            <a:avLst/>
+          </a:prstGeom>
+        </p:spPr>
+        <p:txBody>
+          <a:bodyPr wrap="square">
+            <a:spAutoFit/>
+          </a:bodyPr>
+          <a:lstStyle/>
+          <a:p>
+            <a:r>
+              <a:rPr lang="en-GB" sz="1200" dirty="0">
+                <a:latin typeface="Times New Roman" panose="02020603050405020304" pitchFamily="18" charset="0"/>
+                <a:cs typeface="Times New Roman" panose="02020603050405020304" pitchFamily="18" charset="0"/>
+              </a:rPr>
+              <a:t>Total effect of </a:t>
+            </a:r>
+            <a:r>
+              <a:rPr lang="en-GB" sz="1200" b="1" dirty="0">
+                <a:latin typeface="Times New Roman" panose="02020603050405020304" pitchFamily="18" charset="0"/>
+                <a:cs typeface="Times New Roman" panose="02020603050405020304" pitchFamily="18" charset="0"/>
+              </a:rPr>
+              <a:t>trust</a:t>
+            </a:r>
+            <a:r>
+              <a:rPr lang="en-GB" sz="1200" dirty="0">
+                <a:latin typeface="Times New Roman" panose="02020603050405020304" pitchFamily="18" charset="0"/>
+                <a:cs typeface="Times New Roman" panose="02020603050405020304" pitchFamily="18" charset="0"/>
+              </a:rPr>
+              <a:t> on </a:t>
+            </a:r>
+            <a:r>
+              <a:rPr lang="en-GB" sz="1200" b="1" dirty="0">
+                <a:latin typeface="Times New Roman" panose="02020603050405020304" pitchFamily="18" charset="0"/>
+                <a:cs typeface="Times New Roman" panose="02020603050405020304" pitchFamily="18" charset="0"/>
+              </a:rPr>
+              <a:t>usage intention depends on experience</a:t>
+            </a:r>
+            <a:r>
+              <a:rPr lang="en-GB" sz="1200" dirty="0">
+                <a:latin typeface="Times New Roman" panose="02020603050405020304" pitchFamily="18" charset="0"/>
+                <a:cs typeface="Times New Roman" panose="02020603050405020304" pitchFamily="18" charset="0"/>
+              </a:rPr>
+              <a:t>:</a:t>
+            </a:r>
+          </a:p>
+          <a:p>
+            <a:endParaRPr lang="en-GB" sz="1200" dirty="0">
+              <a:latin typeface="Times New Roman" panose="02020603050405020304" pitchFamily="18" charset="0"/>
+              <a:cs typeface="Times New Roman" panose="02020603050405020304" pitchFamily="18" charset="0"/>
+            </a:endParaRPr>
+          </a:p>
+          <a:p>
+            <a:r>
+              <a:rPr lang="en-GB" sz="1200" dirty="0" err="1">
+                <a:latin typeface="Times New Roman" panose="02020603050405020304" pitchFamily="18" charset="0"/>
+                <a:cs typeface="Times New Roman" panose="02020603050405020304" pitchFamily="18" charset="0"/>
+              </a:rPr>
+              <a:t>b</a:t>
+            </a:r>
+            <a:r>
+              <a:rPr lang="en-GB" sz="1200" baseline="-25000" dirty="0" err="1">
+                <a:latin typeface="Times New Roman" panose="02020603050405020304" pitchFamily="18" charset="0"/>
+                <a:cs typeface="Times New Roman" panose="02020603050405020304" pitchFamily="18" charset="0"/>
+              </a:rPr>
+              <a:t>total</a:t>
+            </a:r>
+            <a:r>
+              <a:rPr lang="en-GB" sz="1200" baseline="-25000" dirty="0">
+                <a:latin typeface="Times New Roman" panose="02020603050405020304" pitchFamily="18" charset="0"/>
+                <a:cs typeface="Times New Roman" panose="02020603050405020304" pitchFamily="18" charset="0"/>
+              </a:rPr>
+              <a:t>  </a:t>
+            </a:r>
+            <a:r>
+              <a:rPr lang="en-GB" sz="1200" dirty="0">
+                <a:latin typeface="Times New Roman" panose="02020603050405020304" pitchFamily="18" charset="0"/>
+                <a:cs typeface="Times New Roman" panose="02020603050405020304" pitchFamily="18" charset="0"/>
+              </a:rPr>
+              <a:t> = 0.02 + experience * (0.11)</a:t>
+            </a:r>
+          </a:p>
+          <a:p>
+            <a:r>
+              <a:rPr lang="en-GB" sz="1200" dirty="0" err="1">
+                <a:latin typeface="Times New Roman" panose="02020603050405020304" pitchFamily="18" charset="0"/>
+                <a:cs typeface="Times New Roman" panose="02020603050405020304" pitchFamily="18" charset="0"/>
+              </a:rPr>
+              <a:t>b</a:t>
+            </a:r>
+            <a:r>
+              <a:rPr lang="en-GB" sz="1200" baseline="-25000" dirty="0" err="1">
+                <a:latin typeface="Times New Roman" panose="02020603050405020304" pitchFamily="18" charset="0"/>
+                <a:cs typeface="Times New Roman" panose="02020603050405020304" pitchFamily="18" charset="0"/>
+              </a:rPr>
+              <a:t>total</a:t>
+            </a:r>
+            <a:r>
+              <a:rPr lang="en-GB" sz="1200" baseline="-25000" dirty="0">
+                <a:latin typeface="Times New Roman" panose="02020603050405020304" pitchFamily="18" charset="0"/>
+                <a:cs typeface="Times New Roman" panose="02020603050405020304" pitchFamily="18" charset="0"/>
+              </a:rPr>
+              <a:t>  </a:t>
+            </a:r>
+            <a:r>
+              <a:rPr lang="en-GB" sz="1200" dirty="0">
+                <a:latin typeface="Times New Roman" panose="02020603050405020304" pitchFamily="18" charset="0"/>
+                <a:cs typeface="Times New Roman" panose="02020603050405020304" pitchFamily="18" charset="0"/>
+              </a:rPr>
+              <a:t>(higher experience) = 0.02 + 5 * (0.11)</a:t>
+            </a:r>
+          </a:p>
+          <a:p>
+            <a:r>
+              <a:rPr lang="en-GB" sz="1200" dirty="0" err="1">
+                <a:latin typeface="Times New Roman" panose="02020603050405020304" pitchFamily="18" charset="0"/>
+                <a:cs typeface="Times New Roman" panose="02020603050405020304" pitchFamily="18" charset="0"/>
+              </a:rPr>
+              <a:t>b</a:t>
+            </a:r>
+            <a:r>
+              <a:rPr lang="en-GB" sz="1200" baseline="-25000" dirty="0" err="1">
+                <a:latin typeface="Times New Roman" panose="02020603050405020304" pitchFamily="18" charset="0"/>
+                <a:cs typeface="Times New Roman" panose="02020603050405020304" pitchFamily="18" charset="0"/>
+              </a:rPr>
+              <a:t>total</a:t>
+            </a:r>
+            <a:r>
+              <a:rPr lang="en-GB" sz="1200" baseline="-25000" dirty="0">
+                <a:latin typeface="Times New Roman" panose="02020603050405020304" pitchFamily="18" charset="0"/>
+                <a:cs typeface="Times New Roman" panose="02020603050405020304" pitchFamily="18" charset="0"/>
+              </a:rPr>
+              <a:t>  </a:t>
+            </a:r>
+            <a:r>
+              <a:rPr lang="en-GB" sz="1200" dirty="0">
+                <a:latin typeface="Times New Roman" panose="02020603050405020304" pitchFamily="18" charset="0"/>
+                <a:cs typeface="Times New Roman" panose="02020603050405020304" pitchFamily="18" charset="0"/>
+              </a:rPr>
+              <a:t>(lower experience) = 0.02 + 1 * (0.11)</a:t>
+            </a:r>
+          </a:p>
+          <a:p>
+            <a:endParaRPr lang="en-GB" sz="1200" baseline="-25000" dirty="0">
+              <a:latin typeface="Times New Roman" panose="02020603050405020304" pitchFamily="18" charset="0"/>
+              <a:cs typeface="Times New Roman" panose="02020603050405020304" pitchFamily="18" charset="0"/>
+            </a:endParaRPr>
+          </a:p>
+          <a:p>
+            <a:r>
+              <a:rPr lang="en-GB" sz="1200" b="1" dirty="0">
+                <a:latin typeface="Times New Roman" panose="02020603050405020304" pitchFamily="18" charset="0"/>
+                <a:cs typeface="Times New Roman" panose="02020603050405020304" pitchFamily="18" charset="0"/>
+                <a:sym typeface="Wingdings" pitchFamily="2" charset="2"/>
+              </a:rPr>
+              <a:t>Result: </a:t>
+            </a:r>
+          </a:p>
+          <a:p>
+            <a:r>
+              <a:rPr lang="en-GB" sz="1200" i="1" dirty="0">
+                <a:latin typeface="Times New Roman" panose="02020603050405020304" pitchFamily="18" charset="0"/>
+                <a:cs typeface="Times New Roman" panose="02020603050405020304" pitchFamily="18" charset="0"/>
+              </a:rPr>
+              <a:t>The positive effect of trust on usage intention increases with experience</a:t>
+            </a:r>
+            <a:endParaRPr lang="en-GB" sz="1200" dirty="0">
+              <a:latin typeface="Times New Roman" panose="02020603050405020304" pitchFamily="18" charset="0"/>
+              <a:cs typeface="Times New Roman" panose="02020603050405020304" pitchFamily="18" charset="0"/>
+            </a:endParaRPr>
+          </a:p>
+          <a:p>
+            <a:endParaRPr lang="en-GB" sz="1200" i="1" dirty="0">
+              <a:latin typeface="Times New Roman" panose="02020603050405020304" pitchFamily="18" charset="0"/>
+              <a:cs typeface="Times New Roman" panose="02020603050405020304" pitchFamily="18" charset="0"/>
+            </a:endParaRPr>
+          </a:p>
+          <a:p>
+            <a:r>
+              <a:rPr lang="en-GB" sz="1200" b="1" dirty="0">
+                <a:latin typeface="Times New Roman" panose="02020603050405020304" pitchFamily="18" charset="0"/>
+                <a:cs typeface="Times New Roman" panose="02020603050405020304" pitchFamily="18" charset="0"/>
+              </a:rPr>
+              <a:t>Discussion:</a:t>
+            </a:r>
+          </a:p>
+          <a:p>
+            <a:pPr marL="171450" indent="-171450">
+              <a:buFont typeface="Arial" panose="020B0604020202020204" pitchFamily="34" charset="0"/>
+              <a:buChar char="•"/>
+            </a:pPr>
+            <a:r>
+              <a:rPr lang="en-GB" sz="1200" dirty="0">
+                <a:latin typeface="Times New Roman" panose="02020603050405020304" pitchFamily="18" charset="0"/>
+                <a:cs typeface="Times New Roman" panose="02020603050405020304" pitchFamily="18" charset="0"/>
+              </a:rPr>
+              <a:t>The more knowledge about and contact to BT people have, the more they trust BT which increases their usage intention</a:t>
+            </a:r>
+          </a:p>
+          <a:p>
+            <a:pPr marL="171450" indent="-171450">
+              <a:buFont typeface="Arial" panose="020B0604020202020204" pitchFamily="34" charset="0"/>
+              <a:buChar char="•"/>
+            </a:pPr>
+            <a:r>
+              <a:rPr lang="en-GB" sz="1200" dirty="0">
+                <a:latin typeface="Times New Roman" panose="02020603050405020304" pitchFamily="18" charset="0"/>
+                <a:cs typeface="Times New Roman" panose="02020603050405020304" pitchFamily="18" charset="0"/>
+              </a:rPr>
+              <a:t>Companies should increase knowledge of people through campaigns </a:t>
+            </a:r>
+          </a:p>
+          <a:p>
+            <a:pPr marL="171450" indent="-171450">
+              <a:buFont typeface="Arial" panose="020B0604020202020204" pitchFamily="34" charset="0"/>
+              <a:buChar char="•"/>
+            </a:pPr>
+            <a:r>
+              <a:rPr lang="en-GB" sz="1200" dirty="0">
+                <a:latin typeface="Times New Roman" panose="02020603050405020304" pitchFamily="18" charset="0"/>
+                <a:cs typeface="Times New Roman" panose="02020603050405020304" pitchFamily="18" charset="0"/>
+              </a:rPr>
+              <a:t>Give out free trials of their product for people to have more contact with BT</a:t>
+            </a:r>
+          </a:p>
+          <a:p>
+            <a:endParaRPr lang="en-GB" sz="1200" baseline="-25000" dirty="0">
+              <a:latin typeface="Times New Roman" panose="02020603050405020304" pitchFamily="18" charset="0"/>
+              <a:cs typeface="Times New Roman" panose="02020603050405020304" pitchFamily="18" charset="0"/>
+            </a:endParaRPr>
+          </a:p>
+        </p:txBody>
+      </p:sp>
+      <mc:AlternateContent xmlns:mc="http://schemas.openxmlformats.org/markup-compatibility/2006" xmlns:p14="http://schemas.microsoft.com/office/powerpoint/2010/main">
+        <mc:Choice Requires="p14">
+          <p:contentPart p14:bwMode="auto" r:id="rId4">
+            <p14:nvContentPartPr>
+              <p14:cNvPr id="19" name="Freihand 18">
+                <a:extLst>
+                  <a:ext uri="{FF2B5EF4-FFF2-40B4-BE49-F238E27FC236}">
+                    <a16:creationId xmlns:a16="http://schemas.microsoft.com/office/drawing/2014/main" id="{0392D194-3D80-22B4-02EC-CD8796D75628}"/>
+                  </a:ext>
+                </a:extLst>
+              </p14:cNvPr>
+              <p14:cNvContentPartPr/>
+              <p14:nvPr/>
+            </p14:nvContentPartPr>
+            <p14:xfrm>
+              <a:off x="11153140" y="5876700"/>
+              <a:ext cx="584280" cy="11520"/>
+            </p14:xfrm>
+          </p:contentPart>
+        </mc:Choice>
+        <mc:Fallback xmlns="">
+          <p:pic>
+            <p:nvPicPr>
+              <p:cNvPr id="19" name="Freihand 18">
+                <a:extLst>
+                  <a:ext uri="{FF2B5EF4-FFF2-40B4-BE49-F238E27FC236}">
+                    <a16:creationId xmlns:a16="http://schemas.microsoft.com/office/drawing/2014/main" id="{0392D194-3D80-22B4-02EC-CD8796D75628}"/>
+                  </a:ext>
+                </a:extLst>
+              </p:cNvPr>
+              <p:cNvPicPr/>
+              <p:nvPr/>
+            </p:nvPicPr>
+            <p:blipFill>
+              <a:blip r:embed="rId5"/>
+              <a:stretch>
+                <a:fillRect/>
+              </a:stretch>
+            </p:blipFill>
+            <p:spPr>
+              <a:xfrm>
+                <a:off x="11099500" y="5768700"/>
+                <a:ext cx="691920" cy="227160"/>
+              </a:xfrm>
+              <a:prstGeom prst="rect">
+                <a:avLst/>
+              </a:prstGeom>
+            </p:spPr>
+          </p:pic>
+        </mc:Fallback>
+      </mc:AlternateContent>
+      <mc:AlternateContent xmlns:mc="http://schemas.openxmlformats.org/markup-compatibility/2006" xmlns:p14="http://schemas.microsoft.com/office/powerpoint/2010/main">
+        <mc:Choice Requires="p14">
+          <p:contentPart p14:bwMode="auto" r:id="rId6">
+            <p14:nvContentPartPr>
+              <p14:cNvPr id="20" name="Freihand 19">
+                <a:extLst>
+                  <a:ext uri="{FF2B5EF4-FFF2-40B4-BE49-F238E27FC236}">
+                    <a16:creationId xmlns:a16="http://schemas.microsoft.com/office/drawing/2014/main" id="{20E6DDCC-02EC-D060-3782-BB0D81914DF9}"/>
+                  </a:ext>
+                </a:extLst>
+              </p14:cNvPr>
+              <p14:cNvContentPartPr/>
+              <p14:nvPr/>
+            </p14:nvContentPartPr>
+            <p14:xfrm>
+              <a:off x="8031220" y="5305740"/>
+              <a:ext cx="490680" cy="360"/>
+            </p14:xfrm>
+          </p:contentPart>
+        </mc:Choice>
+        <mc:Fallback xmlns="">
+          <p:pic>
+            <p:nvPicPr>
+              <p:cNvPr id="20" name="Freihand 19">
+                <a:extLst>
+                  <a:ext uri="{FF2B5EF4-FFF2-40B4-BE49-F238E27FC236}">
+                    <a16:creationId xmlns:a16="http://schemas.microsoft.com/office/drawing/2014/main" id="{20E6DDCC-02EC-D060-3782-BB0D81914DF9}"/>
+                  </a:ext>
+                </a:extLst>
+              </p:cNvPr>
+              <p:cNvPicPr/>
+              <p:nvPr/>
+            </p:nvPicPr>
+            <p:blipFill>
+              <a:blip r:embed="rId7"/>
+              <a:stretch>
+                <a:fillRect/>
+              </a:stretch>
+            </p:blipFill>
+            <p:spPr>
+              <a:xfrm>
+                <a:off x="7977580" y="5198100"/>
+                <a:ext cx="598320" cy="216000"/>
+              </a:xfrm>
+              <a:prstGeom prst="rect">
+                <a:avLst/>
+              </a:prstGeom>
+            </p:spPr>
+          </p:pic>
+        </mc:Fallback>
+      </mc:AlternateContent>
+      <mc:AlternateContent xmlns:mc="http://schemas.openxmlformats.org/markup-compatibility/2006" xmlns:p14="http://schemas.microsoft.com/office/powerpoint/2010/main">
+        <mc:Choice Requires="p14">
+          <p:contentPart p14:bwMode="auto" r:id="rId8">
+            <p14:nvContentPartPr>
+              <p14:cNvPr id="21" name="Freihand 20">
+                <a:extLst>
+                  <a:ext uri="{FF2B5EF4-FFF2-40B4-BE49-F238E27FC236}">
+                    <a16:creationId xmlns:a16="http://schemas.microsoft.com/office/drawing/2014/main" id="{007C9108-7DB1-0DDC-798E-ABB6DE7E4664}"/>
+                  </a:ext>
+                </a:extLst>
+              </p14:cNvPr>
+              <p14:cNvContentPartPr/>
+              <p14:nvPr/>
+            </p14:nvContentPartPr>
+            <p14:xfrm>
+              <a:off x="8143900" y="4067700"/>
+              <a:ext cx="480960" cy="360"/>
+            </p14:xfrm>
+          </p:contentPart>
+        </mc:Choice>
+        <mc:Fallback xmlns="">
+          <p:pic>
+            <p:nvPicPr>
+              <p:cNvPr id="21" name="Freihand 20">
+                <a:extLst>
+                  <a:ext uri="{FF2B5EF4-FFF2-40B4-BE49-F238E27FC236}">
+                    <a16:creationId xmlns:a16="http://schemas.microsoft.com/office/drawing/2014/main" id="{007C9108-7DB1-0DDC-798E-ABB6DE7E4664}"/>
+                  </a:ext>
+                </a:extLst>
+              </p:cNvPr>
+              <p:cNvPicPr/>
+              <p:nvPr/>
+            </p:nvPicPr>
+            <p:blipFill>
+              <a:blip r:embed="rId9"/>
+              <a:stretch>
+                <a:fillRect/>
+              </a:stretch>
+            </p:blipFill>
+            <p:spPr>
+              <a:xfrm>
+                <a:off x="8089900" y="3960060"/>
+                <a:ext cx="588600" cy="216000"/>
+              </a:xfrm>
+              <a:prstGeom prst="rect">
+                <a:avLst/>
+              </a:prstGeom>
+            </p:spPr>
+          </p:pic>
+        </mc:Fallback>
+      </mc:AlternateContent>
+      <mc:AlternateContent xmlns:mc="http://schemas.openxmlformats.org/markup-compatibility/2006" xmlns:p14="http://schemas.microsoft.com/office/powerpoint/2010/main">
+        <mc:Choice Requires="p14">
+          <p:contentPart p14:bwMode="auto" r:id="rId10">
+            <p14:nvContentPartPr>
+              <p14:cNvPr id="22" name="Freihand 21">
+                <a:extLst>
+                  <a:ext uri="{FF2B5EF4-FFF2-40B4-BE49-F238E27FC236}">
+                    <a16:creationId xmlns:a16="http://schemas.microsoft.com/office/drawing/2014/main" id="{1DD020FA-925B-8F97-3770-F6CBEC55E1BF}"/>
+                  </a:ext>
+                </a:extLst>
+              </p14:cNvPr>
+              <p14:cNvContentPartPr/>
+              <p14:nvPr/>
+            </p14:nvContentPartPr>
+            <p14:xfrm>
+              <a:off x="8103940" y="3355260"/>
+              <a:ext cx="364320" cy="11520"/>
+            </p14:xfrm>
+          </p:contentPart>
+        </mc:Choice>
+        <mc:Fallback xmlns="">
+          <p:pic>
+            <p:nvPicPr>
+              <p:cNvPr id="22" name="Freihand 21">
+                <a:extLst>
+                  <a:ext uri="{FF2B5EF4-FFF2-40B4-BE49-F238E27FC236}">
+                    <a16:creationId xmlns:a16="http://schemas.microsoft.com/office/drawing/2014/main" id="{1DD020FA-925B-8F97-3770-F6CBEC55E1BF}"/>
+                  </a:ext>
+                </a:extLst>
+              </p:cNvPr>
+              <p:cNvPicPr/>
+              <p:nvPr/>
+            </p:nvPicPr>
+            <p:blipFill>
+              <a:blip r:embed="rId11"/>
+              <a:stretch>
+                <a:fillRect/>
+              </a:stretch>
+            </p:blipFill>
+            <p:spPr>
+              <a:xfrm>
+                <a:off x="8050300" y="3247260"/>
+                <a:ext cx="471960" cy="227160"/>
+              </a:xfrm>
+              <a:prstGeom prst="rect">
+                <a:avLst/>
+              </a:prstGeom>
+            </p:spPr>
+          </p:pic>
+        </mc:Fallback>
+      </mc:AlternateContent>
+      <mc:AlternateContent xmlns:mc="http://schemas.openxmlformats.org/markup-compatibility/2006">
+        <mc:Choice xmlns:p14="http://schemas.microsoft.com/office/powerpoint/2010/main" Requires="p14">
+          <p:contentPart p14:bwMode="auto" r:id="rId12">
+            <p14:nvContentPartPr>
+              <p14:cNvPr id="2" name="Freihand 1">
+                <a:extLst>
+                  <a:ext uri="{FF2B5EF4-FFF2-40B4-BE49-F238E27FC236}">
+                    <a16:creationId xmlns:a16="http://schemas.microsoft.com/office/drawing/2014/main" id="{E20045A1-6B16-FD18-05AF-D297B8C827DA}"/>
+                  </a:ext>
+                </a:extLst>
+              </p14:cNvPr>
+              <p14:cNvContentPartPr/>
+              <p14:nvPr/>
+            </p14:nvContentPartPr>
+            <p14:xfrm>
+              <a:off x="8044303" y="5774486"/>
+              <a:ext cx="480600" cy="2520"/>
+            </p14:xfrm>
+          </p:contentPart>
+        </mc:Choice>
+        <mc:Fallback>
+          <p:pic>
+            <p:nvPicPr>
+              <p:cNvPr id="2" name="Freihand 1">
+                <a:extLst>
+                  <a:ext uri="{FF2B5EF4-FFF2-40B4-BE49-F238E27FC236}">
+                    <a16:creationId xmlns:a16="http://schemas.microsoft.com/office/drawing/2014/main" id="{E20045A1-6B16-FD18-05AF-D297B8C827DA}"/>
+                  </a:ext>
+                </a:extLst>
+              </p:cNvPr>
+              <p:cNvPicPr/>
+              <p:nvPr/>
+            </p:nvPicPr>
+            <p:blipFill>
+              <a:blip r:embed="rId13"/>
+              <a:stretch>
+                <a:fillRect/>
+              </a:stretch>
+            </p:blipFill>
+            <p:spPr>
+              <a:xfrm>
+                <a:off x="7990303" y="5666846"/>
+                <a:ext cx="588240" cy="218160"/>
+              </a:xfrm>
+              <a:prstGeom prst="rect">
+                <a:avLst/>
+              </a:prstGeom>
+            </p:spPr>
+          </p:pic>
+        </mc:Fallback>
+      </mc:AlternateContent>
+    </p:spTree>
+    <p:extLst>
+      <p:ext uri="{BB962C8B-B14F-4D97-AF65-F5344CB8AC3E}">
+        <p14:creationId xmlns:p14="http://schemas.microsoft.com/office/powerpoint/2010/main" val="618368012"/>
+      </p:ext>
+    </p:extLst>
+  </p:cSld>
+  <p:clrMapOvr>
+    <a:masterClrMapping/>
+  </p:clrMapOvr>
+</p:sld>
+</file>
+
+<file path=ppt/slides/slide11.xml><?xml version="1.0" encoding="utf-8"?>
 <p:sld xmlns:a="http://schemas.openxmlformats.org/drawingml/2006/main" xmlns:r="http://schemas.openxmlformats.org/officeDocument/2006/relationships" xmlns:p="http://schemas.openxmlformats.org/presentationml/2006/main">
   <p:cSld>
     <p:spTree>
@@ -6867,7 +8255,7 @@
 </p:sld>
 </file>
 
-<file path=ppt/slides/slide11.xml><?xml version="1.0" encoding="utf-8"?>
+<file path=ppt/slides/slide12.xml><?xml version="1.0" encoding="utf-8"?>
 <p:sld xmlns:a="http://schemas.openxmlformats.org/drawingml/2006/main" xmlns:r="http://schemas.openxmlformats.org/officeDocument/2006/relationships" xmlns:p="http://schemas.openxmlformats.org/presentationml/2006/main">
   <p:cSld>
     <p:spTree>
@@ -6884,205 +8272,12 @@
           <a:chExt cx="0" cy="0"/>
         </a:xfrm>
       </p:grpSpPr>
-      <p:pic>
-        <p:nvPicPr>
-          <p:cNvPr id="18" name="Grafik 17">
-            <a:extLst>
-              <a:ext uri="{FF2B5EF4-FFF2-40B4-BE49-F238E27FC236}">
-                <a16:creationId xmlns:a16="http://schemas.microsoft.com/office/drawing/2014/main" id="{25AC5228-9897-AB34-A1C5-22DF8EE8A487}"/>
-              </a:ext>
-            </a:extLst>
-          </p:cNvPr>
-          <p:cNvPicPr>
-            <a:picLocks noChangeAspect="1"/>
-          </p:cNvPicPr>
-          <p:nvPr/>
-        </p:nvPicPr>
-        <p:blipFill>
-          <a:blip r:embed="rId3"/>
-          <a:stretch>
-            <a:fillRect/>
-          </a:stretch>
-        </p:blipFill>
-        <p:spPr>
-          <a:xfrm>
-            <a:off x="5883867" y="904808"/>
-            <a:ext cx="5895639" cy="5215033"/>
-          </a:xfrm>
-          <a:prstGeom prst="rect">
-            <a:avLst/>
-          </a:prstGeom>
-        </p:spPr>
-      </p:pic>
-      <p:sp>
-        <p:nvSpPr>
-          <p:cNvPr id="25" name="Rechteck 24">
-            <a:extLst>
-              <a:ext uri="{FF2B5EF4-FFF2-40B4-BE49-F238E27FC236}">
-                <a16:creationId xmlns:a16="http://schemas.microsoft.com/office/drawing/2014/main" id="{2C979234-A153-1847-925D-3B66EA72114D}"/>
-              </a:ext>
-            </a:extLst>
-          </p:cNvPr>
-          <p:cNvSpPr/>
-          <p:nvPr/>
-        </p:nvSpPr>
-        <p:spPr>
-          <a:xfrm>
-            <a:off x="1984413" y="114778"/>
-            <a:ext cx="2303836" cy="338554"/>
-          </a:xfrm>
-          <a:prstGeom prst="rect">
-            <a:avLst/>
-          </a:prstGeom>
-        </p:spPr>
-        <p:txBody>
-          <a:bodyPr wrap="none">
-            <a:spAutoFit/>
-          </a:bodyPr>
-          <a:lstStyle/>
-          <a:p>
-            <a:r>
-              <a:rPr lang="de-DE" sz="1600" b="1" i="1" dirty="0">
-                <a:latin typeface="Times New Roman" panose="02020603050405020304" pitchFamily="18" charset="0"/>
-                <a:cs typeface="Times New Roman" panose="02020603050405020304" pitchFamily="18" charset="0"/>
-              </a:rPr>
-              <a:t>Y</a:t>
-            </a:r>
-            <a:r>
-              <a:rPr lang="de-DE" sz="1600" b="1" dirty="0">
-                <a:latin typeface="Times New Roman" panose="02020603050405020304" pitchFamily="18" charset="0"/>
-                <a:cs typeface="Times New Roman" panose="02020603050405020304" pitchFamily="18" charset="0"/>
-              </a:rPr>
-              <a:t>= </a:t>
-            </a:r>
-            <a:r>
-              <a:rPr lang="de-DE" sz="1600" b="1" i="1" dirty="0">
-                <a:latin typeface="Times New Roman" panose="02020603050405020304" pitchFamily="18" charset="0"/>
-                <a:cs typeface="Times New Roman" panose="02020603050405020304" pitchFamily="18" charset="0"/>
-              </a:rPr>
-              <a:t>b</a:t>
-            </a:r>
-            <a:r>
-              <a:rPr lang="de-DE" sz="1600" b="1" baseline="-25000" dirty="0">
-                <a:latin typeface="Times New Roman" panose="02020603050405020304" pitchFamily="18" charset="0"/>
-                <a:cs typeface="Times New Roman" panose="02020603050405020304" pitchFamily="18" charset="0"/>
-              </a:rPr>
-              <a:t>1</a:t>
-            </a:r>
-            <a:r>
-              <a:rPr lang="de-DE" sz="1600" b="1" i="1" dirty="0">
-                <a:latin typeface="Times New Roman" panose="02020603050405020304" pitchFamily="18" charset="0"/>
-                <a:cs typeface="Times New Roman" panose="02020603050405020304" pitchFamily="18" charset="0"/>
-              </a:rPr>
-              <a:t>X</a:t>
-            </a:r>
-            <a:r>
-              <a:rPr lang="de-DE" sz="1600" b="1" baseline="-25000" dirty="0">
-                <a:latin typeface="Times New Roman" panose="02020603050405020304" pitchFamily="18" charset="0"/>
-                <a:cs typeface="Times New Roman" panose="02020603050405020304" pitchFamily="18" charset="0"/>
-              </a:rPr>
-              <a:t>1</a:t>
-            </a:r>
-            <a:r>
-              <a:rPr lang="de-DE" sz="1600" b="1" dirty="0">
-                <a:latin typeface="Times New Roman" panose="02020603050405020304" pitchFamily="18" charset="0"/>
-                <a:cs typeface="Times New Roman" panose="02020603050405020304" pitchFamily="18" charset="0"/>
-              </a:rPr>
-              <a:t> + </a:t>
-            </a:r>
-            <a:r>
-              <a:rPr lang="de-DE" sz="1600" b="1" i="1" dirty="0">
-                <a:latin typeface="Times New Roman" panose="02020603050405020304" pitchFamily="18" charset="0"/>
-                <a:cs typeface="Times New Roman" panose="02020603050405020304" pitchFamily="18" charset="0"/>
-              </a:rPr>
-              <a:t>b</a:t>
-            </a:r>
-            <a:r>
-              <a:rPr lang="de-DE" sz="1600" b="1" baseline="-25000" dirty="0">
-                <a:latin typeface="Times New Roman" panose="02020603050405020304" pitchFamily="18" charset="0"/>
-                <a:cs typeface="Times New Roman" panose="02020603050405020304" pitchFamily="18" charset="0"/>
-              </a:rPr>
-              <a:t>2</a:t>
-            </a:r>
-            <a:r>
-              <a:rPr lang="de-DE" sz="1600" b="1" i="1" dirty="0">
-                <a:latin typeface="Times New Roman" panose="02020603050405020304" pitchFamily="18" charset="0"/>
-                <a:cs typeface="Times New Roman" panose="02020603050405020304" pitchFamily="18" charset="0"/>
-              </a:rPr>
-              <a:t>X</a:t>
-            </a:r>
-            <a:r>
-              <a:rPr lang="de-DE" sz="1600" b="1" baseline="-25000" dirty="0">
-                <a:latin typeface="Times New Roman" panose="02020603050405020304" pitchFamily="18" charset="0"/>
-                <a:cs typeface="Times New Roman" panose="02020603050405020304" pitchFamily="18" charset="0"/>
-              </a:rPr>
-              <a:t>2</a:t>
-            </a:r>
-            <a:r>
-              <a:rPr lang="de-DE" sz="1600" b="1" dirty="0">
-                <a:latin typeface="Times New Roman" panose="02020603050405020304" pitchFamily="18" charset="0"/>
-                <a:cs typeface="Times New Roman" panose="02020603050405020304" pitchFamily="18" charset="0"/>
-              </a:rPr>
-              <a:t> + </a:t>
-            </a:r>
-            <a:r>
-              <a:rPr lang="de-DE" sz="1600" b="1" i="1" dirty="0">
-                <a:latin typeface="Times New Roman" panose="02020603050405020304" pitchFamily="18" charset="0"/>
-                <a:cs typeface="Times New Roman" panose="02020603050405020304" pitchFamily="18" charset="0"/>
-              </a:rPr>
-              <a:t>b</a:t>
-            </a:r>
-            <a:r>
-              <a:rPr lang="de-DE" sz="1600" b="1" baseline="-25000" dirty="0">
-                <a:latin typeface="Times New Roman" panose="02020603050405020304" pitchFamily="18" charset="0"/>
-                <a:cs typeface="Times New Roman" panose="02020603050405020304" pitchFamily="18" charset="0"/>
-              </a:rPr>
-              <a:t>3</a:t>
-            </a:r>
-            <a:r>
-              <a:rPr lang="de-DE" sz="1600" b="1" i="1" dirty="0">
-                <a:latin typeface="Times New Roman" panose="02020603050405020304" pitchFamily="18" charset="0"/>
-                <a:cs typeface="Times New Roman" panose="02020603050405020304" pitchFamily="18" charset="0"/>
-              </a:rPr>
-              <a:t>X</a:t>
-            </a:r>
-            <a:r>
-              <a:rPr lang="de-DE" sz="1600" b="1" baseline="-25000" dirty="0">
-                <a:latin typeface="Times New Roman" panose="02020603050405020304" pitchFamily="18" charset="0"/>
-                <a:cs typeface="Times New Roman" panose="02020603050405020304" pitchFamily="18" charset="0"/>
-              </a:rPr>
-              <a:t>1</a:t>
-            </a:r>
-            <a:r>
-              <a:rPr lang="de-DE" sz="1600" b="1" i="1" dirty="0">
-                <a:latin typeface="Times New Roman" panose="02020603050405020304" pitchFamily="18" charset="0"/>
-                <a:cs typeface="Times New Roman" panose="02020603050405020304" pitchFamily="18" charset="0"/>
-              </a:rPr>
-              <a:t>X</a:t>
-            </a:r>
-            <a:r>
-              <a:rPr lang="de-DE" sz="1600" b="1" baseline="-25000" dirty="0">
-                <a:latin typeface="Times New Roman" panose="02020603050405020304" pitchFamily="18" charset="0"/>
-                <a:cs typeface="Times New Roman" panose="02020603050405020304" pitchFamily="18" charset="0"/>
-              </a:rPr>
-              <a:t>2</a:t>
-            </a:r>
-            <a:r>
-              <a:rPr lang="de-DE" sz="1600" b="1" dirty="0">
-                <a:latin typeface="Times New Roman" panose="02020603050405020304" pitchFamily="18" charset="0"/>
-                <a:cs typeface="Times New Roman" panose="02020603050405020304" pitchFamily="18" charset="0"/>
-              </a:rPr>
-              <a:t> </a:t>
-            </a:r>
-          </a:p>
-        </p:txBody>
-      </p:sp>
       <p:grpSp>
         <p:nvGrpSpPr>
-          <p:cNvPr id="9" name="Gruppieren 8">
-            <a:extLst>
-              <a:ext uri="{FF2B5EF4-FFF2-40B4-BE49-F238E27FC236}">
-                <a16:creationId xmlns:a16="http://schemas.microsoft.com/office/drawing/2014/main" id="{4D185A22-BA8E-4243-BA5A-3729395D751D}"/>
+          <p:cNvPr id="3" name="Gruppieren 2">
+            <a:extLst>
+              <a:ext uri="{FF2B5EF4-FFF2-40B4-BE49-F238E27FC236}">
+                <a16:creationId xmlns:a16="http://schemas.microsoft.com/office/drawing/2014/main" id="{CF6BE0A8-AA9F-1B46-AC03-48C332B5EEB8}"/>
               </a:ext>
             </a:extLst>
           </p:cNvPr>
@@ -7091,18 +8286,420 @@
         </p:nvGrpSpPr>
         <p:grpSpPr>
           <a:xfrm>
-            <a:off x="299816" y="2367332"/>
-            <a:ext cx="5444335" cy="401594"/>
-            <a:chOff x="299816" y="2367332"/>
-            <a:chExt cx="5444335" cy="401594"/>
+            <a:off x="4794217" y="865871"/>
+            <a:ext cx="7336361" cy="5871641"/>
+            <a:chOff x="6132514" y="576504"/>
+            <a:chExt cx="7336361" cy="5871641"/>
           </a:xfrm>
         </p:grpSpPr>
+        <p:pic>
+          <p:nvPicPr>
+            <p:cNvPr id="8" name="Grafik 7" descr="Ein Bild, das Tisch enthält.&#10;&#10;Automatisch generierte Beschreibung">
+              <a:extLst>
+                <a:ext uri="{FF2B5EF4-FFF2-40B4-BE49-F238E27FC236}">
+                  <a16:creationId xmlns:a16="http://schemas.microsoft.com/office/drawing/2014/main" id="{015BFA35-1958-F249-8129-E256549FE569}"/>
+                </a:ext>
+              </a:extLst>
+            </p:cNvPr>
+            <p:cNvPicPr>
+              <a:picLocks noChangeAspect="1"/>
+            </p:cNvPicPr>
+            <p:nvPr/>
+          </p:nvPicPr>
+          <p:blipFill>
+            <a:blip r:embed="rId2"/>
+            <a:stretch>
+              <a:fillRect/>
+            </a:stretch>
+          </p:blipFill>
+          <p:spPr>
+            <a:xfrm>
+              <a:off x="6132514" y="576504"/>
+              <a:ext cx="7336361" cy="5871641"/>
+            </a:xfrm>
+            <a:prstGeom prst="rect">
+              <a:avLst/>
+            </a:prstGeom>
+          </p:spPr>
+        </p:pic>
+        <mc:AlternateContent xmlns:mc="http://schemas.openxmlformats.org/markup-compatibility/2006" xmlns:p14="http://schemas.microsoft.com/office/powerpoint/2010/main">
+          <mc:Choice Requires="p14">
+            <p:contentPart p14:bwMode="auto" r:id="rId3">
+              <p14:nvContentPartPr>
+                <p14:cNvPr id="9" name="Freihand 8">
+                  <a:extLst>
+                    <a:ext uri="{FF2B5EF4-FFF2-40B4-BE49-F238E27FC236}">
+                      <a16:creationId xmlns:a16="http://schemas.microsoft.com/office/drawing/2014/main" id="{B6B432C6-C75E-6542-9E25-51FAC62718E8}"/>
+                    </a:ext>
+                  </a:extLst>
+                </p14:cNvPr>
+                <p14:cNvContentPartPr/>
+                <p14:nvPr/>
+              </p14:nvContentPartPr>
+              <p14:xfrm>
+                <a:off x="12915159" y="6203657"/>
+                <a:ext cx="476640" cy="32760"/>
+              </p14:xfrm>
+            </p:contentPart>
+          </mc:Choice>
+          <mc:Fallback xmlns="">
+            <p:pic>
+              <p:nvPicPr>
+                <p:cNvPr id="9" name="Freihand 8">
+                  <a:extLst>
+                    <a:ext uri="{FF2B5EF4-FFF2-40B4-BE49-F238E27FC236}">
+                      <a16:creationId xmlns:a16="http://schemas.microsoft.com/office/drawing/2014/main" id="{B6B432C6-C75E-6542-9E25-51FAC62718E8}"/>
+                    </a:ext>
+                  </a:extLst>
+                </p:cNvPr>
+                <p:cNvPicPr/>
+                <p:nvPr/>
+              </p:nvPicPr>
+              <p:blipFill>
+                <a:blip r:embed="rId4"/>
+                <a:stretch>
+                  <a:fillRect/>
+                </a:stretch>
+              </p:blipFill>
+              <p:spPr>
+                <a:xfrm>
+                  <a:off x="12861519" y="6096017"/>
+                  <a:ext cx="584280" cy="248400"/>
+                </a:xfrm>
+                <a:prstGeom prst="rect">
+                  <a:avLst/>
+                </a:prstGeom>
+              </p:spPr>
+            </p:pic>
+          </mc:Fallback>
+        </mc:AlternateContent>
+        <mc:AlternateContent xmlns:mc="http://schemas.openxmlformats.org/markup-compatibility/2006" xmlns:p14="http://schemas.microsoft.com/office/powerpoint/2010/main">
+          <mc:Choice Requires="p14">
+            <p:contentPart p14:bwMode="auto" r:id="rId5">
+              <p14:nvContentPartPr>
+                <p14:cNvPr id="10" name="Freihand 9">
+                  <a:extLst>
+                    <a:ext uri="{FF2B5EF4-FFF2-40B4-BE49-F238E27FC236}">
+                      <a16:creationId xmlns:a16="http://schemas.microsoft.com/office/drawing/2014/main" id="{0AAA291C-83B7-3647-84AB-232ADED7B532}"/>
+                    </a:ext>
+                  </a:extLst>
+                </p14:cNvPr>
+                <p14:cNvContentPartPr/>
+                <p14:nvPr/>
+              </p14:nvContentPartPr>
+              <p14:xfrm>
+                <a:off x="7064454" y="5513491"/>
+                <a:ext cx="2909160" cy="43920"/>
+              </p14:xfrm>
+            </p:contentPart>
+          </mc:Choice>
+          <mc:Fallback xmlns="">
+            <p:pic>
+              <p:nvPicPr>
+                <p:cNvPr id="10" name="Freihand 9">
+                  <a:extLst>
+                    <a:ext uri="{FF2B5EF4-FFF2-40B4-BE49-F238E27FC236}">
+                      <a16:creationId xmlns:a16="http://schemas.microsoft.com/office/drawing/2014/main" id="{0AAA291C-83B7-3647-84AB-232ADED7B532}"/>
+                    </a:ext>
+                  </a:extLst>
+                </p:cNvPr>
+                <p:cNvPicPr/>
+                <p:nvPr/>
+              </p:nvPicPr>
+              <p:blipFill>
+                <a:blip r:embed="rId6"/>
+                <a:stretch>
+                  <a:fillRect/>
+                </a:stretch>
+              </p:blipFill>
+              <p:spPr>
+                <a:xfrm>
+                  <a:off x="7010454" y="5405851"/>
+                  <a:ext cx="3016800" cy="259560"/>
+                </a:xfrm>
+                <a:prstGeom prst="rect">
+                  <a:avLst/>
+                </a:prstGeom>
+              </p:spPr>
+            </p:pic>
+          </mc:Fallback>
+        </mc:AlternateContent>
+        <mc:AlternateContent xmlns:mc="http://schemas.openxmlformats.org/markup-compatibility/2006" xmlns:p14="http://schemas.microsoft.com/office/powerpoint/2010/main">
+          <mc:Choice Requires="p14">
+            <p:contentPart p14:bwMode="auto" r:id="rId7">
+              <p14:nvContentPartPr>
+                <p14:cNvPr id="11" name="Freihand 10">
+                  <a:extLst>
+                    <a:ext uri="{FF2B5EF4-FFF2-40B4-BE49-F238E27FC236}">
+                      <a16:creationId xmlns:a16="http://schemas.microsoft.com/office/drawing/2014/main" id="{673DE446-6B5C-9F41-AB77-72E375DFE936}"/>
+                    </a:ext>
+                  </a:extLst>
+                </p14:cNvPr>
+                <p14:cNvContentPartPr/>
+                <p14:nvPr/>
+              </p14:nvContentPartPr>
+              <p14:xfrm>
+                <a:off x="8594079" y="4133262"/>
+                <a:ext cx="1316160" cy="29160"/>
+              </p14:xfrm>
+            </p:contentPart>
+          </mc:Choice>
+          <mc:Fallback xmlns="">
+            <p:pic>
+              <p:nvPicPr>
+                <p:cNvPr id="11" name="Freihand 10">
+                  <a:extLst>
+                    <a:ext uri="{FF2B5EF4-FFF2-40B4-BE49-F238E27FC236}">
+                      <a16:creationId xmlns:a16="http://schemas.microsoft.com/office/drawing/2014/main" id="{673DE446-6B5C-9F41-AB77-72E375DFE936}"/>
+                    </a:ext>
+                  </a:extLst>
+                </p:cNvPr>
+                <p:cNvPicPr/>
+                <p:nvPr/>
+              </p:nvPicPr>
+              <p:blipFill>
+                <a:blip r:embed="rId8"/>
+                <a:stretch>
+                  <a:fillRect/>
+                </a:stretch>
+              </p:blipFill>
+              <p:spPr>
+                <a:xfrm>
+                  <a:off x="8540079" y="4025262"/>
+                  <a:ext cx="1423800" cy="244800"/>
+                </a:xfrm>
+                <a:prstGeom prst="rect">
+                  <a:avLst/>
+                </a:prstGeom>
+              </p:spPr>
+            </p:pic>
+          </mc:Fallback>
+        </mc:AlternateContent>
+        <mc:AlternateContent xmlns:mc="http://schemas.openxmlformats.org/markup-compatibility/2006" xmlns:p14="http://schemas.microsoft.com/office/powerpoint/2010/main">
+          <mc:Choice Requires="p14">
+            <p:contentPart p14:bwMode="auto" r:id="rId9">
+              <p14:nvContentPartPr>
+                <p14:cNvPr id="12" name="Freihand 11">
+                  <a:extLst>
+                    <a:ext uri="{FF2B5EF4-FFF2-40B4-BE49-F238E27FC236}">
+                      <a16:creationId xmlns:a16="http://schemas.microsoft.com/office/drawing/2014/main" id="{B08D67E0-5C78-3341-A395-B47BBA1A4D3C}"/>
+                    </a:ext>
+                  </a:extLst>
+                </p14:cNvPr>
+                <p14:cNvContentPartPr/>
+                <p14:nvPr/>
+              </p14:nvContentPartPr>
+              <p14:xfrm>
+                <a:off x="7879479" y="3362966"/>
+                <a:ext cx="2030760" cy="53280"/>
+              </p14:xfrm>
+            </p:contentPart>
+          </mc:Choice>
+          <mc:Fallback xmlns="">
+            <p:pic>
+              <p:nvPicPr>
+                <p:cNvPr id="12" name="Freihand 11">
+                  <a:extLst>
+                    <a:ext uri="{FF2B5EF4-FFF2-40B4-BE49-F238E27FC236}">
+                      <a16:creationId xmlns:a16="http://schemas.microsoft.com/office/drawing/2014/main" id="{B08D67E0-5C78-3341-A395-B47BBA1A4D3C}"/>
+                    </a:ext>
+                  </a:extLst>
+                </p:cNvPr>
+                <p:cNvPicPr/>
+                <p:nvPr/>
+              </p:nvPicPr>
+              <p:blipFill>
+                <a:blip r:embed="rId10"/>
+                <a:stretch>
+                  <a:fillRect/>
+                </a:stretch>
+              </p:blipFill>
+              <p:spPr>
+                <a:xfrm>
+                  <a:off x="7825839" y="3255326"/>
+                  <a:ext cx="2138400" cy="268920"/>
+                </a:xfrm>
+                <a:prstGeom prst="rect">
+                  <a:avLst/>
+                </a:prstGeom>
+              </p:spPr>
+            </p:pic>
+          </mc:Fallback>
+        </mc:AlternateContent>
+      </p:grpSp>
+      <p:grpSp>
+        <p:nvGrpSpPr>
+          <p:cNvPr id="2" name="Gruppieren 1">
+            <a:extLst>
+              <a:ext uri="{FF2B5EF4-FFF2-40B4-BE49-F238E27FC236}">
+                <a16:creationId xmlns:a16="http://schemas.microsoft.com/office/drawing/2014/main" id="{EE0BC5A1-332A-B345-B198-4B0786B7726D}"/>
+              </a:ext>
+            </a:extLst>
+          </p:cNvPr>
+          <p:cNvGrpSpPr/>
+          <p:nvPr/>
+        </p:nvGrpSpPr>
+        <p:grpSpPr>
+          <a:xfrm>
+            <a:off x="388515" y="1083684"/>
+            <a:ext cx="5444335" cy="1874491"/>
+            <a:chOff x="299815" y="4289871"/>
+            <a:chExt cx="5444335" cy="1874491"/>
+          </a:xfrm>
+        </p:grpSpPr>
+        <p:grpSp>
+          <p:nvGrpSpPr>
+            <p:cNvPr id="15" name="Gruppieren 14">
+              <a:extLst>
+                <a:ext uri="{FF2B5EF4-FFF2-40B4-BE49-F238E27FC236}">
+                  <a16:creationId xmlns:a16="http://schemas.microsoft.com/office/drawing/2014/main" id="{D3830E72-A849-E646-B211-9B7E55715868}"/>
+                </a:ext>
+              </a:extLst>
+            </p:cNvPr>
+            <p:cNvGrpSpPr/>
+            <p:nvPr/>
+          </p:nvGrpSpPr>
+          <p:grpSpPr>
+            <a:xfrm>
+              <a:off x="299815" y="5686566"/>
+              <a:ext cx="5444335" cy="401594"/>
+              <a:chOff x="299816" y="2367332"/>
+              <a:chExt cx="5444335" cy="401594"/>
+            </a:xfrm>
+          </p:grpSpPr>
+          <p:sp>
+            <p:nvSpPr>
+              <p:cNvPr id="16" name="Rechteck 15">
+                <a:extLst>
+                  <a:ext uri="{FF2B5EF4-FFF2-40B4-BE49-F238E27FC236}">
+                    <a16:creationId xmlns:a16="http://schemas.microsoft.com/office/drawing/2014/main" id="{64781E77-BA79-3544-B45B-2718E5D3A088}"/>
+                  </a:ext>
+                </a:extLst>
+              </p:cNvPr>
+              <p:cNvSpPr/>
+              <p:nvPr/>
+            </p:nvSpPr>
+            <p:spPr>
+              <a:xfrm>
+                <a:off x="299816" y="2367332"/>
+                <a:ext cx="1773044" cy="401594"/>
+              </a:xfrm>
+              <a:prstGeom prst="rect">
+                <a:avLst/>
+              </a:prstGeom>
+              <a:solidFill>
+                <a:schemeClr val="bg1"/>
+              </a:solidFill>
+              <a:ln>
+                <a:solidFill>
+                  <a:schemeClr val="tx1"/>
+                </a:solidFill>
+              </a:ln>
+            </p:spPr>
+            <p:style>
+              <a:lnRef idx="2">
+                <a:schemeClr val="accent1">
+                  <a:shade val="50000"/>
+                </a:schemeClr>
+              </a:lnRef>
+              <a:fillRef idx="1">
+                <a:schemeClr val="accent1"/>
+              </a:fillRef>
+              <a:effectRef idx="0">
+                <a:schemeClr val="accent1"/>
+              </a:effectRef>
+              <a:fontRef idx="minor">
+                <a:schemeClr val="lt1"/>
+              </a:fontRef>
+            </p:style>
+            <p:txBody>
+              <a:bodyPr rtlCol="0" anchor="ctr"/>
+              <a:lstStyle/>
+              <a:p>
+                <a:pPr algn="ctr"/>
+                <a:r>
+                  <a:rPr lang="en-GB" sz="1200" dirty="0">
+                    <a:solidFill>
+                      <a:schemeClr val="tx1"/>
+                    </a:solidFill>
+                    <a:latin typeface="Times New Roman" panose="02020603050405020304" pitchFamily="18" charset="0"/>
+                    <a:cs typeface="Times New Roman" panose="02020603050405020304" pitchFamily="18" charset="0"/>
+                  </a:rPr>
+                  <a:t>Trust</a:t>
+                </a:r>
+              </a:p>
+            </p:txBody>
+          </p:sp>
+          <p:sp>
+            <p:nvSpPr>
+              <p:cNvPr id="17" name="Rechteck 16">
+                <a:extLst>
+                  <a:ext uri="{FF2B5EF4-FFF2-40B4-BE49-F238E27FC236}">
+                    <a16:creationId xmlns:a16="http://schemas.microsoft.com/office/drawing/2014/main" id="{1179D7D3-7AC9-E240-8B0F-A7B9D0D047C3}"/>
+                  </a:ext>
+                </a:extLst>
+              </p:cNvPr>
+              <p:cNvSpPr/>
+              <p:nvPr/>
+            </p:nvSpPr>
+            <p:spPr>
+              <a:xfrm>
+                <a:off x="3971107" y="2367332"/>
+                <a:ext cx="1773044" cy="401594"/>
+              </a:xfrm>
+              <a:prstGeom prst="rect">
+                <a:avLst/>
+              </a:prstGeom>
+              <a:solidFill>
+                <a:schemeClr val="bg1"/>
+              </a:solidFill>
+              <a:ln>
+                <a:solidFill>
+                  <a:schemeClr val="tx1"/>
+                </a:solidFill>
+              </a:ln>
+            </p:spPr>
+            <p:style>
+              <a:lnRef idx="2">
+                <a:schemeClr val="accent1">
+                  <a:shade val="50000"/>
+                </a:schemeClr>
+              </a:lnRef>
+              <a:fillRef idx="1">
+                <a:schemeClr val="accent1"/>
+              </a:fillRef>
+              <a:effectRef idx="0">
+                <a:schemeClr val="accent1"/>
+              </a:effectRef>
+              <a:fontRef idx="minor">
+                <a:schemeClr val="lt1"/>
+              </a:fontRef>
+            </p:style>
+            <p:txBody>
+              <a:bodyPr rtlCol="0" anchor="ctr"/>
+              <a:lstStyle/>
+              <a:p>
+                <a:pPr algn="ctr"/>
+                <a:r>
+                  <a:rPr lang="en-GB" sz="1200" dirty="0">
+                    <a:solidFill>
+                      <a:schemeClr val="tx1"/>
+                    </a:solidFill>
+                    <a:latin typeface="Times New Roman" panose="02020603050405020304" pitchFamily="18" charset="0"/>
+                    <a:cs typeface="Times New Roman" panose="02020603050405020304" pitchFamily="18" charset="0"/>
+                  </a:rPr>
+                  <a:t>Usage Intention</a:t>
+                </a:r>
+              </a:p>
+            </p:txBody>
+          </p:sp>
+        </p:grpSp>
         <p:sp>
           <p:nvSpPr>
-            <p:cNvPr id="4" name="Rechteck 3">
+            <p:cNvPr id="18" name="Rechteck 17">
               <a:extLst>
                 <a:ext uri="{FF2B5EF4-FFF2-40B4-BE49-F238E27FC236}">
-                  <a16:creationId xmlns:a16="http://schemas.microsoft.com/office/drawing/2014/main" id="{D6AEEA40-3BBB-2248-97E3-BB930D18A1E8}"/>
+                  <a16:creationId xmlns:a16="http://schemas.microsoft.com/office/drawing/2014/main" id="{E350611B-6A59-7941-B220-D860D302670B}"/>
                 </a:ext>
               </a:extLst>
             </p:cNvPr>
@@ -7111,7 +8708,7 @@
           </p:nvSpPr>
           <p:spPr>
             <a:xfrm>
-              <a:off x="299816" y="2367332"/>
+              <a:off x="2135460" y="4289871"/>
               <a:ext cx="1773044" cy="401594"/>
             </a:xfrm>
             <a:prstGeom prst="rect">
@@ -7155,17 +8752,101 @@
                   <a:latin typeface="Times New Roman" panose="02020603050405020304" pitchFamily="18" charset="0"/>
                   <a:cs typeface="Times New Roman" panose="02020603050405020304" pitchFamily="18" charset="0"/>
                 </a:rPr>
-                <a:t>Trust</a:t>
+                <a:t>Possession of Crypto</a:t>
               </a:r>
             </a:p>
           </p:txBody>
         </p:sp>
+        <p:cxnSp>
+          <p:nvCxnSpPr>
+            <p:cNvPr id="19" name="Gerade Verbindung mit Pfeil 18">
+              <a:extLst>
+                <a:ext uri="{FF2B5EF4-FFF2-40B4-BE49-F238E27FC236}">
+                  <a16:creationId xmlns:a16="http://schemas.microsoft.com/office/drawing/2014/main" id="{1BB55447-4EB6-5F41-992E-BF074A60105D}"/>
+                </a:ext>
+              </a:extLst>
+            </p:cNvPr>
+            <p:cNvCxnSpPr>
+              <a:stCxn id="16" idx="3"/>
+              <a:endCxn id="17" idx="1"/>
+            </p:cNvCxnSpPr>
+            <p:nvPr/>
+          </p:nvCxnSpPr>
+          <p:spPr>
+            <a:xfrm>
+              <a:off x="2072859" y="5887363"/>
+              <a:ext cx="1898247" cy="0"/>
+            </a:xfrm>
+            <a:prstGeom prst="straightConnector1">
+              <a:avLst/>
+            </a:prstGeom>
+            <a:ln>
+              <a:tailEnd type="triangle"/>
+            </a:ln>
+          </p:spPr>
+          <p:style>
+            <a:lnRef idx="1">
+              <a:schemeClr val="dk1"/>
+            </a:lnRef>
+            <a:fillRef idx="0">
+              <a:schemeClr val="dk1"/>
+            </a:fillRef>
+            <a:effectRef idx="0">
+              <a:schemeClr val="dk1"/>
+            </a:effectRef>
+            <a:fontRef idx="minor">
+              <a:schemeClr val="tx1"/>
+            </a:fontRef>
+          </p:style>
+        </p:cxnSp>
+        <p:cxnSp>
+          <p:nvCxnSpPr>
+            <p:cNvPr id="20" name="Gerade Verbindung mit Pfeil 19">
+              <a:extLst>
+                <a:ext uri="{FF2B5EF4-FFF2-40B4-BE49-F238E27FC236}">
+                  <a16:creationId xmlns:a16="http://schemas.microsoft.com/office/drawing/2014/main" id="{BEE6155C-EA02-2C48-B1CF-B39F9DA01DE6}"/>
+                </a:ext>
+              </a:extLst>
+            </p:cNvPr>
+            <p:cNvCxnSpPr>
+              <a:cxnSpLocks/>
+              <a:stCxn id="18" idx="2"/>
+            </p:cNvCxnSpPr>
+            <p:nvPr/>
+          </p:nvCxnSpPr>
+          <p:spPr>
+            <a:xfrm>
+              <a:off x="3021982" y="4691465"/>
+              <a:ext cx="0" cy="1195898"/>
+            </a:xfrm>
+            <a:prstGeom prst="straightConnector1">
+              <a:avLst/>
+            </a:prstGeom>
+            <a:ln>
+              <a:tailEnd type="triangle"/>
+            </a:ln>
+          </p:spPr>
+          <p:style>
+            <a:lnRef idx="1">
+              <a:schemeClr val="dk1"/>
+            </a:lnRef>
+            <a:fillRef idx="0">
+              <a:schemeClr val="dk1"/>
+            </a:fillRef>
+            <a:effectRef idx="0">
+              <a:schemeClr val="dk1"/>
+            </a:effectRef>
+            <a:fontRef idx="minor">
+              <a:schemeClr val="tx1"/>
+            </a:fontRef>
+          </p:style>
+        </p:cxnSp>
         <p:sp>
           <p:nvSpPr>
-            <p:cNvPr id="5" name="Rechteck 4">
+            <p:cNvPr id="21" name="Rechteck 20">
               <a:extLst>
                 <a:ext uri="{FF2B5EF4-FFF2-40B4-BE49-F238E27FC236}">
-                  <a16:creationId xmlns:a16="http://schemas.microsoft.com/office/drawing/2014/main" id="{913C77EF-103A-7840-BADC-8CD0720DDFCB}"/>
+                  <a16:creationId xmlns:a16="http://schemas.microsoft.com/office/drawing/2014/main" id="{0507AD46-86A0-B443-9A7B-F56B9502B534}"/>
                 </a:ext>
               </a:extLst>
             </p:cNvPr>
@@ -7174,51 +8855,90 @@
           </p:nvSpPr>
           <p:spPr>
             <a:xfrm>
-              <a:off x="3971107" y="2367332"/>
-              <a:ext cx="1773044" cy="401594"/>
+              <a:off x="3021982" y="5093059"/>
+              <a:ext cx="779381" cy="276999"/>
             </a:xfrm>
             <a:prstGeom prst="rect">
               <a:avLst/>
             </a:prstGeom>
-            <a:solidFill>
-              <a:schemeClr val="bg1"/>
-            </a:solidFill>
-            <a:ln>
-              <a:solidFill>
-                <a:schemeClr val="tx1"/>
-              </a:solidFill>
-            </a:ln>
           </p:spPr>
-          <p:style>
-            <a:lnRef idx="2">
-              <a:schemeClr val="accent1">
-                <a:shade val="50000"/>
-              </a:schemeClr>
-            </a:lnRef>
-            <a:fillRef idx="1">
-              <a:schemeClr val="accent1"/>
-            </a:fillRef>
-            <a:effectRef idx="0">
-              <a:schemeClr val="accent1"/>
-            </a:effectRef>
-            <a:fontRef idx="minor">
-              <a:schemeClr val="lt1"/>
-            </a:fontRef>
-          </p:style>
           <p:txBody>
-            <a:bodyPr rtlCol="0" anchor="ctr"/>
+            <a:bodyPr wrap="none">
+              <a:spAutoFit/>
+            </a:bodyPr>
             <a:lstStyle/>
             <a:p>
-              <a:pPr algn="ctr"/>
               <a:r>
                 <a:rPr lang="en-GB" sz="1200" dirty="0">
-                  <a:solidFill>
-                    <a:schemeClr val="tx1"/>
-                  </a:solidFill>
                   <a:latin typeface="Times New Roman" panose="02020603050405020304" pitchFamily="18" charset="0"/>
                   <a:cs typeface="Times New Roman" panose="02020603050405020304" pitchFamily="18" charset="0"/>
                 </a:rPr>
-                <a:t>Usage Intention</a:t>
+                <a:t>b</a:t>
+              </a:r>
+              <a:r>
+                <a:rPr lang="en-GB" sz="1200" baseline="-25000" dirty="0">
+                  <a:latin typeface="Times New Roman" panose="02020603050405020304" pitchFamily="18" charset="0"/>
+                  <a:cs typeface="Times New Roman" panose="02020603050405020304" pitchFamily="18" charset="0"/>
+                </a:rPr>
+                <a:t>3</a:t>
+              </a:r>
+              <a:r>
+                <a:rPr lang="en-GB" sz="1200" dirty="0">
+                  <a:latin typeface="Times New Roman" panose="02020603050405020304" pitchFamily="18" charset="0"/>
+                  <a:cs typeface="Times New Roman" panose="02020603050405020304" pitchFamily="18" charset="0"/>
+                </a:rPr>
+                <a:t>: 0.33* </a:t>
+              </a:r>
+            </a:p>
+          </p:txBody>
+        </p:sp>
+        <p:sp>
+          <p:nvSpPr>
+            <p:cNvPr id="22" name="Rechteck 21">
+              <a:extLst>
+                <a:ext uri="{FF2B5EF4-FFF2-40B4-BE49-F238E27FC236}">
+                  <a16:creationId xmlns:a16="http://schemas.microsoft.com/office/drawing/2014/main" id="{EB4D17AA-828C-3045-AA02-700FA659E531}"/>
+                </a:ext>
+              </a:extLst>
+            </p:cNvPr>
+            <p:cNvSpPr/>
+            <p:nvPr/>
+          </p:nvSpPr>
+          <p:spPr>
+            <a:xfrm>
+              <a:off x="2251977" y="5887363"/>
+              <a:ext cx="856325" cy="276999"/>
+            </a:xfrm>
+            <a:prstGeom prst="rect">
+              <a:avLst/>
+            </a:prstGeom>
+          </p:spPr>
+          <p:txBody>
+            <a:bodyPr wrap="none">
+              <a:spAutoFit/>
+            </a:bodyPr>
+            <a:lstStyle/>
+            <a:p>
+              <a:r>
+                <a:rPr lang="en-GB" sz="1200" dirty="0">
+                  <a:latin typeface="Times New Roman" panose="02020603050405020304" pitchFamily="18" charset="0"/>
+                  <a:cs typeface="Times New Roman" panose="02020603050405020304" pitchFamily="18" charset="0"/>
+                </a:rPr>
+                <a:t>b</a:t>
+              </a:r>
+              <a:r>
+                <a:rPr lang="en-GB" sz="1200" baseline="-25000" dirty="0">
+                  <a:latin typeface="Times New Roman" panose="02020603050405020304" pitchFamily="18" charset="0"/>
+                  <a:cs typeface="Times New Roman" panose="02020603050405020304" pitchFamily="18" charset="0"/>
+                </a:rPr>
+                <a:t>1</a:t>
+              </a:r>
+              <a:r>
+                <a:rPr lang="en-GB" sz="1200" dirty="0">
+                  <a:latin typeface="Times New Roman" panose="02020603050405020304" pitchFamily="18" charset="0"/>
+                  <a:cs typeface="Times New Roman" panose="02020603050405020304" pitchFamily="18" charset="0"/>
+                </a:rPr>
+                <a:t>: 0.17** </a:t>
               </a:r>
             </a:p>
           </p:txBody>
@@ -7226,10 +8946,10 @@
       </p:grpSp>
       <p:sp>
         <p:nvSpPr>
-          <p:cNvPr id="6" name="Rechteck 5">
-            <a:extLst>
-              <a:ext uri="{FF2B5EF4-FFF2-40B4-BE49-F238E27FC236}">
-                <a16:creationId xmlns:a16="http://schemas.microsoft.com/office/drawing/2014/main" id="{974ECC28-744A-924F-B44A-B94456A8684C}"/>
+          <p:cNvPr id="25" name="Rechteck 24">
+            <a:extLst>
+              <a:ext uri="{FF2B5EF4-FFF2-40B4-BE49-F238E27FC236}">
+                <a16:creationId xmlns:a16="http://schemas.microsoft.com/office/drawing/2014/main" id="{2C979234-A153-1847-925D-3B66EA72114D}"/>
               </a:ext>
             </a:extLst>
           </p:cNvPr>
@@ -7238,155 +8958,8 @@
         </p:nvSpPr>
         <p:spPr>
           <a:xfrm>
-            <a:off x="2135461" y="970637"/>
-            <a:ext cx="1773044" cy="401594"/>
-          </a:xfrm>
-          <a:prstGeom prst="rect">
-            <a:avLst/>
-          </a:prstGeom>
-          <a:solidFill>
-            <a:schemeClr val="bg1"/>
-          </a:solidFill>
-          <a:ln>
-            <a:solidFill>
-              <a:schemeClr val="tx1"/>
-            </a:solidFill>
-          </a:ln>
-        </p:spPr>
-        <p:style>
-          <a:lnRef idx="2">
-            <a:schemeClr val="accent1">
-              <a:shade val="50000"/>
-            </a:schemeClr>
-          </a:lnRef>
-          <a:fillRef idx="1">
-            <a:schemeClr val="accent1"/>
-          </a:fillRef>
-          <a:effectRef idx="0">
-            <a:schemeClr val="accent1"/>
-          </a:effectRef>
-          <a:fontRef idx="minor">
-            <a:schemeClr val="lt1"/>
-          </a:fontRef>
-        </p:style>
-        <p:txBody>
-          <a:bodyPr rtlCol="0" anchor="ctr"/>
-          <a:lstStyle/>
-          <a:p>
-            <a:pPr algn="ctr"/>
-            <a:r>
-              <a:rPr lang="en-GB" sz="1200" dirty="0">
-                <a:solidFill>
-                  <a:schemeClr val="tx1"/>
-                </a:solidFill>
-                <a:latin typeface="Times New Roman" panose="02020603050405020304" pitchFamily="18" charset="0"/>
-                <a:cs typeface="Times New Roman" panose="02020603050405020304" pitchFamily="18" charset="0"/>
-              </a:rPr>
-              <a:t>Experience</a:t>
-            </a:r>
-          </a:p>
-        </p:txBody>
-      </p:sp>
-      <p:cxnSp>
-        <p:nvCxnSpPr>
-          <p:cNvPr id="8" name="Gerade Verbindung mit Pfeil 7">
-            <a:extLst>
-              <a:ext uri="{FF2B5EF4-FFF2-40B4-BE49-F238E27FC236}">
-                <a16:creationId xmlns:a16="http://schemas.microsoft.com/office/drawing/2014/main" id="{2749827A-494C-D247-9C13-F813D9A5F563}"/>
-              </a:ext>
-            </a:extLst>
-          </p:cNvPr>
-          <p:cNvCxnSpPr>
-            <a:stCxn id="4" idx="3"/>
-            <a:endCxn id="5" idx="1"/>
-          </p:cNvCxnSpPr>
-          <p:nvPr/>
-        </p:nvCxnSpPr>
-        <p:spPr>
-          <a:xfrm>
-            <a:off x="2072860" y="2568129"/>
-            <a:ext cx="1898247" cy="0"/>
-          </a:xfrm>
-          <a:prstGeom prst="straightConnector1">
-            <a:avLst/>
-          </a:prstGeom>
-          <a:ln>
-            <a:tailEnd type="triangle"/>
-          </a:ln>
-        </p:spPr>
-        <p:style>
-          <a:lnRef idx="1">
-            <a:schemeClr val="dk1"/>
-          </a:lnRef>
-          <a:fillRef idx="0">
-            <a:schemeClr val="dk1"/>
-          </a:fillRef>
-          <a:effectRef idx="0">
-            <a:schemeClr val="dk1"/>
-          </a:effectRef>
-          <a:fontRef idx="minor">
-            <a:schemeClr val="tx1"/>
-          </a:fontRef>
-        </p:style>
-      </p:cxnSp>
-      <p:cxnSp>
-        <p:nvCxnSpPr>
-          <p:cNvPr id="10" name="Gerade Verbindung mit Pfeil 9">
-            <a:extLst>
-              <a:ext uri="{FF2B5EF4-FFF2-40B4-BE49-F238E27FC236}">
-                <a16:creationId xmlns:a16="http://schemas.microsoft.com/office/drawing/2014/main" id="{3820FB58-9EC2-9A49-92B5-503D79FBE215}"/>
-              </a:ext>
-            </a:extLst>
-          </p:cNvPr>
-          <p:cNvCxnSpPr>
-            <a:cxnSpLocks/>
-            <a:stCxn id="6" idx="2"/>
-          </p:cNvCxnSpPr>
-          <p:nvPr/>
-        </p:nvCxnSpPr>
-        <p:spPr>
-          <a:xfrm>
-            <a:off x="3021983" y="1372231"/>
-            <a:ext cx="0" cy="1195898"/>
-          </a:xfrm>
-          <a:prstGeom prst="straightConnector1">
-            <a:avLst/>
-          </a:prstGeom>
-          <a:ln>
-            <a:tailEnd type="triangle"/>
-          </a:ln>
-        </p:spPr>
-        <p:style>
-          <a:lnRef idx="1">
-            <a:schemeClr val="dk1"/>
-          </a:lnRef>
-          <a:fillRef idx="0">
-            <a:schemeClr val="dk1"/>
-          </a:fillRef>
-          <a:effectRef idx="0">
-            <a:schemeClr val="dk1"/>
-          </a:effectRef>
-          <a:fontRef idx="minor">
-            <a:schemeClr val="tx1"/>
-          </a:fontRef>
-        </p:style>
-      </p:cxnSp>
-      <p:sp>
-        <p:nvSpPr>
-          <p:cNvPr id="13" name="Rechteck 12">
-            <a:extLst>
-              <a:ext uri="{FF2B5EF4-FFF2-40B4-BE49-F238E27FC236}">
-                <a16:creationId xmlns:a16="http://schemas.microsoft.com/office/drawing/2014/main" id="{52775179-5B68-BE46-A322-7C8EB09211D3}"/>
-              </a:ext>
-            </a:extLst>
-          </p:cNvPr>
-          <p:cNvSpPr/>
-          <p:nvPr/>
-        </p:nvSpPr>
-        <p:spPr>
-          <a:xfrm>
-            <a:off x="3021983" y="1773825"/>
-            <a:ext cx="893899" cy="276999"/>
+            <a:off x="1984413" y="114778"/>
+            <a:ext cx="2303836" cy="338554"/>
           </a:xfrm>
           <a:prstGeom prst="rect">
             <a:avLst/>
@@ -7399,99 +8972,160 @@
           <a:lstStyle/>
           <a:p>
             <a:r>
-              <a:rPr lang="en-GB" sz="1200" dirty="0">
+              <a:rPr lang="de-DE" sz="1600" b="1" i="1" dirty="0">
+                <a:latin typeface="Times New Roman" panose="02020603050405020304" pitchFamily="18" charset="0"/>
+                <a:cs typeface="Times New Roman" panose="02020603050405020304" pitchFamily="18" charset="0"/>
+              </a:rPr>
+              <a:t>Y</a:t>
+            </a:r>
+            <a:r>
+              <a:rPr lang="de-DE" sz="1600" b="1" dirty="0">
+                <a:latin typeface="Times New Roman" panose="02020603050405020304" pitchFamily="18" charset="0"/>
+                <a:cs typeface="Times New Roman" panose="02020603050405020304" pitchFamily="18" charset="0"/>
+              </a:rPr>
+              <a:t>= </a:t>
+            </a:r>
+            <a:r>
+              <a:rPr lang="de-DE" sz="1600" b="1" i="1" dirty="0">
                 <a:latin typeface="Times New Roman" panose="02020603050405020304" pitchFamily="18" charset="0"/>
                 <a:cs typeface="Times New Roman" panose="02020603050405020304" pitchFamily="18" charset="0"/>
               </a:rPr>
               <a:t>b</a:t>
             </a:r>
             <a:r>
-              <a:rPr lang="en-GB" sz="1200" baseline="-25000" dirty="0">
+              <a:rPr lang="de-DE" sz="1600" b="1" baseline="-25000" dirty="0">
+                <a:latin typeface="Times New Roman" panose="02020603050405020304" pitchFamily="18" charset="0"/>
+                <a:cs typeface="Times New Roman" panose="02020603050405020304" pitchFamily="18" charset="0"/>
+              </a:rPr>
+              <a:t>1</a:t>
+            </a:r>
+            <a:r>
+              <a:rPr lang="de-DE" sz="1600" b="1" i="1" dirty="0">
+                <a:latin typeface="Times New Roman" panose="02020603050405020304" pitchFamily="18" charset="0"/>
+                <a:cs typeface="Times New Roman" panose="02020603050405020304" pitchFamily="18" charset="0"/>
+              </a:rPr>
+              <a:t>X</a:t>
+            </a:r>
+            <a:r>
+              <a:rPr lang="de-DE" sz="1600" b="1" baseline="-25000" dirty="0">
+                <a:latin typeface="Times New Roman" panose="02020603050405020304" pitchFamily="18" charset="0"/>
+                <a:cs typeface="Times New Roman" panose="02020603050405020304" pitchFamily="18" charset="0"/>
+              </a:rPr>
+              <a:t>1</a:t>
+            </a:r>
+            <a:r>
+              <a:rPr lang="de-DE" sz="1600" b="1" dirty="0">
+                <a:latin typeface="Times New Roman" panose="02020603050405020304" pitchFamily="18" charset="0"/>
+                <a:cs typeface="Times New Roman" panose="02020603050405020304" pitchFamily="18" charset="0"/>
+              </a:rPr>
+              <a:t> + </a:t>
+            </a:r>
+            <a:r>
+              <a:rPr lang="de-DE" sz="1600" b="1" i="1" dirty="0">
+                <a:latin typeface="Times New Roman" panose="02020603050405020304" pitchFamily="18" charset="0"/>
+                <a:cs typeface="Times New Roman" panose="02020603050405020304" pitchFamily="18" charset="0"/>
+              </a:rPr>
+              <a:t>b</a:t>
+            </a:r>
+            <a:r>
+              <a:rPr lang="de-DE" sz="1600" b="1" baseline="-25000" dirty="0">
+                <a:latin typeface="Times New Roman" panose="02020603050405020304" pitchFamily="18" charset="0"/>
+                <a:cs typeface="Times New Roman" panose="02020603050405020304" pitchFamily="18" charset="0"/>
+              </a:rPr>
+              <a:t>2</a:t>
+            </a:r>
+            <a:r>
+              <a:rPr lang="de-DE" sz="1600" b="1" i="1" dirty="0">
+                <a:latin typeface="Times New Roman" panose="02020603050405020304" pitchFamily="18" charset="0"/>
+                <a:cs typeface="Times New Roman" panose="02020603050405020304" pitchFamily="18" charset="0"/>
+              </a:rPr>
+              <a:t>X</a:t>
+            </a:r>
+            <a:r>
+              <a:rPr lang="de-DE" sz="1600" b="1" baseline="-25000" dirty="0">
+                <a:latin typeface="Times New Roman" panose="02020603050405020304" pitchFamily="18" charset="0"/>
+                <a:cs typeface="Times New Roman" panose="02020603050405020304" pitchFamily="18" charset="0"/>
+              </a:rPr>
+              <a:t>2</a:t>
+            </a:r>
+            <a:r>
+              <a:rPr lang="de-DE" sz="1600" b="1" dirty="0">
+                <a:latin typeface="Times New Roman" panose="02020603050405020304" pitchFamily="18" charset="0"/>
+                <a:cs typeface="Times New Roman" panose="02020603050405020304" pitchFamily="18" charset="0"/>
+              </a:rPr>
+              <a:t> + </a:t>
+            </a:r>
+            <a:r>
+              <a:rPr lang="de-DE" sz="1600" b="1" i="1" dirty="0">
+                <a:latin typeface="Times New Roman" panose="02020603050405020304" pitchFamily="18" charset="0"/>
+                <a:cs typeface="Times New Roman" panose="02020603050405020304" pitchFamily="18" charset="0"/>
+              </a:rPr>
+              <a:t>b</a:t>
+            </a:r>
+            <a:r>
+              <a:rPr lang="de-DE" sz="1600" b="1" baseline="-25000" dirty="0">
                 <a:latin typeface="Times New Roman" panose="02020603050405020304" pitchFamily="18" charset="0"/>
                 <a:cs typeface="Times New Roman" panose="02020603050405020304" pitchFamily="18" charset="0"/>
               </a:rPr>
               <a:t>3</a:t>
             </a:r>
             <a:r>
-              <a:rPr lang="en-GB" sz="1200" dirty="0">
-                <a:latin typeface="Times New Roman" panose="02020603050405020304" pitchFamily="18" charset="0"/>
-                <a:cs typeface="Times New Roman" panose="02020603050405020304" pitchFamily="18" charset="0"/>
-              </a:rPr>
-              <a:t> = 0.11**</a:t>
-            </a:r>
-          </a:p>
-        </p:txBody>
-      </p:sp>
-      <p:sp>
-        <p:nvSpPr>
-          <p:cNvPr id="14" name="Rechteck 13">
-            <a:extLst>
-              <a:ext uri="{FF2B5EF4-FFF2-40B4-BE49-F238E27FC236}">
-                <a16:creationId xmlns:a16="http://schemas.microsoft.com/office/drawing/2014/main" id="{23921028-D6D4-5640-BEBE-6B58A756E582}"/>
-              </a:ext>
-            </a:extLst>
-          </p:cNvPr>
-          <p:cNvSpPr/>
-          <p:nvPr/>
-        </p:nvSpPr>
-        <p:spPr>
-          <a:xfrm>
-            <a:off x="2251978" y="2568129"/>
-            <a:ext cx="745717" cy="276999"/>
-          </a:xfrm>
-          <a:prstGeom prst="rect">
-            <a:avLst/>
-          </a:prstGeom>
-        </p:spPr>
-        <p:txBody>
-          <a:bodyPr wrap="none">
-            <a:spAutoFit/>
-          </a:bodyPr>
-          <a:lstStyle/>
-          <a:p>
-            <a:r>
-              <a:rPr lang="en-GB" sz="1200" dirty="0">
-                <a:latin typeface="Times New Roman" panose="02020603050405020304" pitchFamily="18" charset="0"/>
-                <a:cs typeface="Times New Roman" panose="02020603050405020304" pitchFamily="18" charset="0"/>
-              </a:rPr>
-              <a:t>b</a:t>
-            </a:r>
-            <a:r>
-              <a:rPr lang="en-GB" sz="1200" baseline="-25000" dirty="0">
+              <a:rPr lang="de-DE" sz="1600" b="1" i="1" dirty="0">
+                <a:latin typeface="Times New Roman" panose="02020603050405020304" pitchFamily="18" charset="0"/>
+                <a:cs typeface="Times New Roman" panose="02020603050405020304" pitchFamily="18" charset="0"/>
+              </a:rPr>
+              <a:t>X</a:t>
+            </a:r>
+            <a:r>
+              <a:rPr lang="de-DE" sz="1600" b="1" baseline="-25000" dirty="0">
                 <a:latin typeface="Times New Roman" panose="02020603050405020304" pitchFamily="18" charset="0"/>
                 <a:cs typeface="Times New Roman" panose="02020603050405020304" pitchFamily="18" charset="0"/>
               </a:rPr>
               <a:t>1</a:t>
             </a:r>
             <a:r>
-              <a:rPr lang="en-GB" sz="1200" dirty="0">
-                <a:latin typeface="Times New Roman" panose="02020603050405020304" pitchFamily="18" charset="0"/>
-                <a:cs typeface="Times New Roman" panose="02020603050405020304" pitchFamily="18" charset="0"/>
-              </a:rPr>
-              <a:t> = 0.02</a:t>
+              <a:rPr lang="de-DE" sz="1600" b="1" i="1" dirty="0">
+                <a:latin typeface="Times New Roman" panose="02020603050405020304" pitchFamily="18" charset="0"/>
+                <a:cs typeface="Times New Roman" panose="02020603050405020304" pitchFamily="18" charset="0"/>
+              </a:rPr>
+              <a:t>X</a:t>
+            </a:r>
+            <a:r>
+              <a:rPr lang="de-DE" sz="1600" b="1" baseline="-25000" dirty="0">
+                <a:latin typeface="Times New Roman" panose="02020603050405020304" pitchFamily="18" charset="0"/>
+                <a:cs typeface="Times New Roman" panose="02020603050405020304" pitchFamily="18" charset="0"/>
+              </a:rPr>
+              <a:t>2</a:t>
+            </a:r>
+            <a:r>
+              <a:rPr lang="de-DE" sz="1600" b="1" dirty="0">
+                <a:latin typeface="Times New Roman" panose="02020603050405020304" pitchFamily="18" charset="0"/>
+                <a:cs typeface="Times New Roman" panose="02020603050405020304" pitchFamily="18" charset="0"/>
+              </a:rPr>
+              <a:t> </a:t>
             </a:r>
           </a:p>
         </p:txBody>
       </p:sp>
       <p:cxnSp>
         <p:nvCxnSpPr>
-          <p:cNvPr id="26" name="Gerade Verbindung mit Pfeil 25">
-            <a:extLst>
-              <a:ext uri="{FF2B5EF4-FFF2-40B4-BE49-F238E27FC236}">
-                <a16:creationId xmlns:a16="http://schemas.microsoft.com/office/drawing/2014/main" id="{84CDADDD-36F5-814F-B2E5-51EF18AB808E}"/>
+          <p:cNvPr id="27" name="Gerade Verbindung mit Pfeil 26">
+            <a:extLst>
+              <a:ext uri="{FF2B5EF4-FFF2-40B4-BE49-F238E27FC236}">
+                <a16:creationId xmlns:a16="http://schemas.microsoft.com/office/drawing/2014/main" id="{7631E4B8-B3C4-584E-967F-FB631D8E9C50}"/>
               </a:ext>
             </a:extLst>
           </p:cNvPr>
           <p:cNvCxnSpPr>
             <a:cxnSpLocks/>
-            <a:stCxn id="6" idx="3"/>
-            <a:endCxn id="5" idx="0"/>
+            <a:stCxn id="18" idx="3"/>
+            <a:endCxn id="17" idx="0"/>
           </p:cNvCxnSpPr>
           <p:nvPr/>
         </p:nvCxnSpPr>
         <p:spPr>
           <a:xfrm>
-            <a:off x="3908505" y="1171434"/>
+            <a:off x="3997204" y="1284481"/>
             <a:ext cx="949124" cy="1195898"/>
           </a:xfrm>
           <a:prstGeom prst="straightConnector1">
@@ -7518,10 +9152,10 @@
       </p:cxnSp>
       <p:sp>
         <p:nvSpPr>
-          <p:cNvPr id="29" name="Rechteck 28">
-            <a:extLst>
-              <a:ext uri="{FF2B5EF4-FFF2-40B4-BE49-F238E27FC236}">
-                <a16:creationId xmlns:a16="http://schemas.microsoft.com/office/drawing/2014/main" id="{D160E69B-03BD-2A46-9B86-B02B3A5D3A20}"/>
+          <p:cNvPr id="28" name="Rechteck 27">
+            <a:extLst>
+              <a:ext uri="{FF2B5EF4-FFF2-40B4-BE49-F238E27FC236}">
+                <a16:creationId xmlns:a16="http://schemas.microsoft.com/office/drawing/2014/main" id="{84CAE9A7-CB64-F743-9FF1-91BA263EB584}"/>
               </a:ext>
             </a:extLst>
           </p:cNvPr>
@@ -7530,7 +9164,7 @@
         </p:nvSpPr>
         <p:spPr>
           <a:xfrm>
-            <a:off x="4422169" y="1476713"/>
+            <a:off x="4471766" y="1605431"/>
             <a:ext cx="797013" cy="276999"/>
           </a:xfrm>
           <a:prstGeom prst="rect">
@@ -7562,17 +9196,17 @@
                 <a:latin typeface="Times New Roman" panose="02020603050405020304" pitchFamily="18" charset="0"/>
                 <a:cs typeface="Times New Roman" panose="02020603050405020304" pitchFamily="18" charset="0"/>
               </a:rPr>
-              <a:t> = -0.49</a:t>
+              <a:t> = -2.30</a:t>
             </a:r>
           </a:p>
         </p:txBody>
       </p:sp>
       <p:sp>
         <p:nvSpPr>
-          <p:cNvPr id="39" name="Rechteck 38">
-            <a:extLst>
-              <a:ext uri="{FF2B5EF4-FFF2-40B4-BE49-F238E27FC236}">
-                <a16:creationId xmlns:a16="http://schemas.microsoft.com/office/drawing/2014/main" id="{A02D483B-228E-A748-84A9-1D34DAE00E63}"/>
+          <p:cNvPr id="30" name="Rechteck 29">
+            <a:extLst>
+              <a:ext uri="{FF2B5EF4-FFF2-40B4-BE49-F238E27FC236}">
+                <a16:creationId xmlns:a16="http://schemas.microsoft.com/office/drawing/2014/main" id="{74AF9C39-379D-F84C-95B6-D6546B362C90}"/>
               </a:ext>
             </a:extLst>
           </p:cNvPr>
@@ -7610,9 +9244,10 @@
           <a:p>
             <a:pPr algn="ctr"/>
             <a:r>
-              <a:rPr lang="en-GB" dirty="0"/>
-              <a:t>Continuous</a:t>
-            </a:r>
+              <a:rPr lang="de-DE" dirty="0" err="1"/>
+              <a:t>Dichotomous</a:t>
+            </a:r>
+            <a:endParaRPr lang="en-GB" dirty="0"/>
           </a:p>
           <a:p>
             <a:pPr algn="ctr"/>
@@ -7625,10 +9260,10 @@
       </p:sp>
       <p:sp>
         <p:nvSpPr>
-          <p:cNvPr id="40" name="Rechteck 39">
-            <a:extLst>
-              <a:ext uri="{FF2B5EF4-FFF2-40B4-BE49-F238E27FC236}">
-                <a16:creationId xmlns:a16="http://schemas.microsoft.com/office/drawing/2014/main" id="{A5125F07-AF18-5C41-9297-9FC5E4A7350B}"/>
+          <p:cNvPr id="31" name="Rechteck 30">
+            <a:extLst>
+              <a:ext uri="{FF2B5EF4-FFF2-40B4-BE49-F238E27FC236}">
+                <a16:creationId xmlns:a16="http://schemas.microsoft.com/office/drawing/2014/main" id="{8B05613A-D0FC-C646-80A2-72CA004EBBC6}"/>
               </a:ext>
             </a:extLst>
           </p:cNvPr>
@@ -7637,8 +9272,8 @@
         </p:nvSpPr>
         <p:spPr>
           <a:xfrm>
-            <a:off x="335455" y="3512325"/>
-            <a:ext cx="5072474" cy="2739211"/>
+            <a:off x="335456" y="3512325"/>
+            <a:ext cx="4458762" cy="3046988"/>
           </a:xfrm>
           <a:prstGeom prst="rect">
             <a:avLst/>
@@ -7655,13 +9290,27 @@
                 <a:latin typeface="Times New Roman" panose="02020603050405020304" pitchFamily="18" charset="0"/>
                 <a:cs typeface="Times New Roman" panose="02020603050405020304" pitchFamily="18" charset="0"/>
               </a:rPr>
-              <a:t>Total effect of </a:t>
+              <a:t>Total effect of people </a:t>
             </a:r>
             <a:r>
               <a:rPr lang="en-GB" sz="1200" b="1" dirty="0">
                 <a:latin typeface="Times New Roman" panose="02020603050405020304" pitchFamily="18" charset="0"/>
                 <a:cs typeface="Times New Roman" panose="02020603050405020304" pitchFamily="18" charset="0"/>
               </a:rPr>
+              <a:t>possessing cryptocurrencies </a:t>
+            </a:r>
+            <a:r>
+              <a:rPr lang="en-GB" sz="1200" dirty="0">
+                <a:latin typeface="Times New Roman" panose="02020603050405020304" pitchFamily="18" charset="0"/>
+                <a:cs typeface="Times New Roman" panose="02020603050405020304" pitchFamily="18" charset="0"/>
+              </a:rPr>
+              <a:t>on the relationship between </a:t>
+            </a:r>
+            <a:r>
+              <a:rPr lang="en-GB" sz="1200" b="1" dirty="0">
+                <a:latin typeface="Times New Roman" panose="02020603050405020304" pitchFamily="18" charset="0"/>
+                <a:cs typeface="Times New Roman" panose="02020603050405020304" pitchFamily="18" charset="0"/>
+              </a:rPr>
               <a:t>trust</a:t>
             </a:r>
             <a:r>
@@ -7669,14 +9318,14 @@
                 <a:latin typeface="Times New Roman" panose="02020603050405020304" pitchFamily="18" charset="0"/>
                 <a:cs typeface="Times New Roman" panose="02020603050405020304" pitchFamily="18" charset="0"/>
               </a:rPr>
-              <a:t> on </a:t>
+              <a:t> and </a:t>
             </a:r>
             <a:r>
               <a:rPr lang="en-GB" sz="1200" b="1" dirty="0">
                 <a:latin typeface="Times New Roman" panose="02020603050405020304" pitchFamily="18" charset="0"/>
                 <a:cs typeface="Times New Roman" panose="02020603050405020304" pitchFamily="18" charset="0"/>
               </a:rPr>
-              <a:t>usage intention depends on experience</a:t>
+              <a:t>usage intention</a:t>
             </a:r>
             <a:r>
               <a:rPr lang="en-GB" sz="1200" dirty="0">
@@ -7719,7 +9368,7 @@
                 <a:latin typeface="Times New Roman" panose="02020603050405020304" pitchFamily="18" charset="0"/>
                 <a:cs typeface="Times New Roman" panose="02020603050405020304" pitchFamily="18" charset="0"/>
               </a:rPr>
-              <a:t> = 0.02 + experience * (0.11)</a:t>
+              <a:t>(crypto) = 0.17 + 0.33 = 0.5 	</a:t>
             </a:r>
           </a:p>
           <a:p>
@@ -7749,75 +9398,46 @@
                 <a:latin typeface="Times New Roman" panose="02020603050405020304" pitchFamily="18" charset="0"/>
                 <a:cs typeface="Times New Roman" panose="02020603050405020304" pitchFamily="18" charset="0"/>
               </a:rPr>
-              <a:t>(higher experience) = 0.02 + 5 * (0.11)</a:t>
-            </a:r>
-          </a:p>
-          <a:p>
-            <a:r>
-              <a:rPr lang="en-GB" sz="1200" dirty="0" err="1">
-                <a:latin typeface="Times New Roman" panose="02020603050405020304" pitchFamily="18" charset="0"/>
-                <a:cs typeface="Times New Roman" panose="02020603050405020304" pitchFamily="18" charset="0"/>
-              </a:rPr>
-              <a:t>b</a:t>
-            </a:r>
-            <a:r>
-              <a:rPr lang="en-GB" sz="1200" baseline="-25000" dirty="0" err="1">
-                <a:latin typeface="Times New Roman" panose="02020603050405020304" pitchFamily="18" charset="0"/>
-                <a:cs typeface="Times New Roman" panose="02020603050405020304" pitchFamily="18" charset="0"/>
-              </a:rPr>
-              <a:t>total</a:t>
-            </a:r>
-            <a:r>
-              <a:rPr lang="en-GB" sz="1200" baseline="-25000" dirty="0">
-                <a:latin typeface="Times New Roman" panose="02020603050405020304" pitchFamily="18" charset="0"/>
-                <a:cs typeface="Times New Roman" panose="02020603050405020304" pitchFamily="18" charset="0"/>
-              </a:rPr>
-              <a:t>  </a:t>
-            </a:r>
-            <a:r>
-              <a:rPr lang="en-GB" sz="1200" dirty="0">
-                <a:latin typeface="Times New Roman" panose="02020603050405020304" pitchFamily="18" charset="0"/>
-                <a:cs typeface="Times New Roman" panose="02020603050405020304" pitchFamily="18" charset="0"/>
-              </a:rPr>
-              <a:t>(lower experience) = 0.02 + 1 * (0.11)</a:t>
-            </a:r>
-          </a:p>
-          <a:p>
-            <a:endParaRPr lang="en-GB" sz="1200" baseline="-25000" dirty="0">
-              <a:latin typeface="Times New Roman" panose="02020603050405020304" pitchFamily="18" charset="0"/>
-              <a:cs typeface="Times New Roman" panose="02020603050405020304" pitchFamily="18" charset="0"/>
-            </a:endParaRPr>
-          </a:p>
-          <a:p>
-            <a:r>
-              <a:rPr lang="en-GB" sz="1200" b="1" dirty="0">
-                <a:latin typeface="Times New Roman" panose="02020603050405020304" pitchFamily="18" charset="0"/>
-                <a:cs typeface="Times New Roman" panose="02020603050405020304" pitchFamily="18" charset="0"/>
-                <a:sym typeface="Wingdings" pitchFamily="2" charset="2"/>
-              </a:rPr>
-              <a:t>Result: </a:t>
-            </a:r>
-          </a:p>
-          <a:p>
-            <a:r>
-              <a:rPr lang="en-GB" sz="1200" i="1" dirty="0">
-                <a:latin typeface="Times New Roman" panose="02020603050405020304" pitchFamily="18" charset="0"/>
-                <a:cs typeface="Times New Roman" panose="02020603050405020304" pitchFamily="18" charset="0"/>
-              </a:rPr>
-              <a:t>The positive effect of trust on usage intention increases with experience</a:t>
-            </a:r>
+              <a:t>(no crypto) = 0.17	</a:t>
+            </a:r>
+          </a:p>
+          <a:p>
             <a:endParaRPr lang="en-GB" sz="1200" dirty="0">
               <a:latin typeface="Times New Roman" panose="02020603050405020304" pitchFamily="18" charset="0"/>
               <a:cs typeface="Times New Roman" panose="02020603050405020304" pitchFamily="18" charset="0"/>
             </a:endParaRPr>
           </a:p>
           <a:p>
+            <a:r>
+              <a:rPr lang="en-GB" sz="1200" b="1" dirty="0">
+                <a:latin typeface="Times New Roman" panose="02020603050405020304" pitchFamily="18" charset="0"/>
+                <a:cs typeface="Times New Roman" panose="02020603050405020304" pitchFamily="18" charset="0"/>
+                <a:sym typeface="Wingdings" pitchFamily="2" charset="2"/>
+              </a:rPr>
+              <a:t>Result: </a:t>
+            </a:r>
+          </a:p>
+          <a:p>
+            <a:r>
+              <a:rPr lang="en-GB" sz="1200" i="1" dirty="0">
+                <a:latin typeface="Times New Roman" panose="02020603050405020304" pitchFamily="18" charset="0"/>
+                <a:cs typeface="Times New Roman" panose="02020603050405020304" pitchFamily="18" charset="0"/>
+                <a:sym typeface="Wingdings" pitchFamily="2" charset="2"/>
+              </a:rPr>
+              <a:t>The positive effect of trust on usage intention increases for people possessing cryptocurrency</a:t>
+            </a:r>
             <a:endParaRPr lang="en-GB" sz="1200" i="1" dirty="0">
               <a:latin typeface="Times New Roman" panose="02020603050405020304" pitchFamily="18" charset="0"/>
               <a:cs typeface="Times New Roman" panose="02020603050405020304" pitchFamily="18" charset="0"/>
             </a:endParaRPr>
           </a:p>
           <a:p>
+            <a:endParaRPr lang="en-GB" sz="1200" i="1" dirty="0">
+              <a:latin typeface="Times New Roman" panose="02020603050405020304" pitchFamily="18" charset="0"/>
+              <a:cs typeface="Times New Roman" panose="02020603050405020304" pitchFamily="18" charset="0"/>
+            </a:endParaRPr>
+          </a:p>
+          <a:p>
             <a:r>
               <a:rPr lang="en-GB" sz="1200" b="1" dirty="0">
                 <a:latin typeface="Times New Roman" panose="02020603050405020304" pitchFamily="18" charset="0"/>
@@ -7836,7 +9456,7 @@
                 <a:latin typeface="Times New Roman" panose="02020603050405020304" pitchFamily="18" charset="0"/>
                 <a:cs typeface="Times New Roman" panose="02020603050405020304" pitchFamily="18" charset="0"/>
               </a:rPr>
-              <a:t>The more knowledge about and contact to BT people have, the more they trust BT which increases their usage intention</a:t>
+              <a:t>People possessing cryptocurrency increases their trust in BT which makes them more likely to use BT </a:t>
             </a:r>
           </a:p>
           <a:p>
@@ -7849,7 +9469,7 @@
                 <a:latin typeface="Times New Roman" panose="02020603050405020304" pitchFamily="18" charset="0"/>
                 <a:cs typeface="Times New Roman" panose="02020603050405020304" pitchFamily="18" charset="0"/>
               </a:rPr>
-              <a:t>Companies should increase knowledge of people through campaigns </a:t>
+              <a:t>Giving out cryptocurrency increases trust and reduces risk perception </a:t>
             </a:r>
           </a:p>
           <a:p>
@@ -7862,25 +9482,19 @@
                 <a:latin typeface="Times New Roman" panose="02020603050405020304" pitchFamily="18" charset="0"/>
                 <a:cs typeface="Times New Roman" panose="02020603050405020304" pitchFamily="18" charset="0"/>
               </a:rPr>
-              <a:t>Give out free trials of their product for people to have more contact with BT</a:t>
-            </a:r>
-          </a:p>
-          <a:p>
-            <a:endParaRPr lang="en-GB" sz="1200" baseline="-25000" dirty="0">
-              <a:latin typeface="Times New Roman" panose="02020603050405020304" pitchFamily="18" charset="0"/>
-              <a:cs typeface="Times New Roman" panose="02020603050405020304" pitchFamily="18" charset="0"/>
-            </a:endParaRPr>
+              <a:t>Companies should give out cryptocurrency </a:t>
+            </a:r>
           </a:p>
         </p:txBody>
       </p:sp>
       <mc:AlternateContent xmlns:mc="http://schemas.openxmlformats.org/markup-compatibility/2006" xmlns:p14="http://schemas.microsoft.com/office/powerpoint/2010/main">
         <mc:Choice Requires="p14">
-          <p:contentPart p14:bwMode="auto" r:id="rId4">
+          <p:contentPart p14:bwMode="auto" r:id="rId11">
             <p14:nvContentPartPr>
-              <p14:cNvPr id="19" name="Freihand 18">
+              <p14:cNvPr id="4" name="Freihand 3">
                 <a:extLst>
                   <a:ext uri="{FF2B5EF4-FFF2-40B4-BE49-F238E27FC236}">
-                    <a16:creationId xmlns:a16="http://schemas.microsoft.com/office/drawing/2014/main" id="{0392D194-3D80-22B4-02EC-CD8796D75628}"/>
+                    <a16:creationId xmlns:a16="http://schemas.microsoft.com/office/drawing/2014/main" id="{12591F26-4B9A-8048-BFE4-2F31325F7BB8}"/>
                   </a:ext>
                 </a:extLst>
               </p14:cNvPr>
@@ -7888,18 +9502,18 @@
               <p14:nvPr/>
             </p14:nvContentPartPr>
             <p14:xfrm>
-              <a:off x="11153140" y="5876700"/>
-              <a:ext cx="584280" cy="11520"/>
+              <a:off x="7698117" y="2421857"/>
+              <a:ext cx="907560" cy="3240"/>
             </p14:xfrm>
           </p:contentPart>
         </mc:Choice>
         <mc:Fallback xmlns="">
           <p:pic>
             <p:nvPicPr>
-              <p:cNvPr id="19" name="Freihand 18">
+              <p:cNvPr id="4" name="Freihand 3">
                 <a:extLst>
                   <a:ext uri="{FF2B5EF4-FFF2-40B4-BE49-F238E27FC236}">
-                    <a16:creationId xmlns:a16="http://schemas.microsoft.com/office/drawing/2014/main" id="{0392D194-3D80-22B4-02EC-CD8796D75628}"/>
+                    <a16:creationId xmlns:a16="http://schemas.microsoft.com/office/drawing/2014/main" id="{12591F26-4B9A-8048-BFE4-2F31325F7BB8}"/>
                   </a:ext>
                 </a:extLst>
               </p:cNvPr>
@@ -7907,168 +9521,15 @@
               <p:nvPr/>
             </p:nvPicPr>
             <p:blipFill>
-              <a:blip r:embed="rId5"/>
+              <a:blip r:embed="rId12"/>
               <a:stretch>
                 <a:fillRect/>
               </a:stretch>
             </p:blipFill>
             <p:spPr>
               <a:xfrm>
-                <a:off x="11099500" y="5768700"/>
-                <a:ext cx="691920" cy="227160"/>
-              </a:xfrm>
-              <a:prstGeom prst="rect">
-                <a:avLst/>
-              </a:prstGeom>
-            </p:spPr>
-          </p:pic>
-        </mc:Fallback>
-      </mc:AlternateContent>
-      <mc:AlternateContent xmlns:mc="http://schemas.openxmlformats.org/markup-compatibility/2006" xmlns:p14="http://schemas.microsoft.com/office/powerpoint/2010/main">
-        <mc:Choice Requires="p14">
-          <p:contentPart p14:bwMode="auto" r:id="rId6">
-            <p14:nvContentPartPr>
-              <p14:cNvPr id="20" name="Freihand 19">
-                <a:extLst>
-                  <a:ext uri="{FF2B5EF4-FFF2-40B4-BE49-F238E27FC236}">
-                    <a16:creationId xmlns:a16="http://schemas.microsoft.com/office/drawing/2014/main" id="{20E6DDCC-02EC-D060-3782-BB0D81914DF9}"/>
-                  </a:ext>
-                </a:extLst>
-              </p14:cNvPr>
-              <p14:cNvContentPartPr/>
-              <p14:nvPr/>
-            </p14:nvContentPartPr>
-            <p14:xfrm>
-              <a:off x="8031220" y="5305740"/>
-              <a:ext cx="490680" cy="360"/>
-            </p14:xfrm>
-          </p:contentPart>
-        </mc:Choice>
-        <mc:Fallback xmlns="">
-          <p:pic>
-            <p:nvPicPr>
-              <p:cNvPr id="20" name="Freihand 19">
-                <a:extLst>
-                  <a:ext uri="{FF2B5EF4-FFF2-40B4-BE49-F238E27FC236}">
-                    <a16:creationId xmlns:a16="http://schemas.microsoft.com/office/drawing/2014/main" id="{20E6DDCC-02EC-D060-3782-BB0D81914DF9}"/>
-                  </a:ext>
-                </a:extLst>
-              </p:cNvPr>
-              <p:cNvPicPr/>
-              <p:nvPr/>
-            </p:nvPicPr>
-            <p:blipFill>
-              <a:blip r:embed="rId7"/>
-              <a:stretch>
-                <a:fillRect/>
-              </a:stretch>
-            </p:blipFill>
-            <p:spPr>
-              <a:xfrm>
-                <a:off x="7977580" y="5198100"/>
-                <a:ext cx="598320" cy="216000"/>
-              </a:xfrm>
-              <a:prstGeom prst="rect">
-                <a:avLst/>
-              </a:prstGeom>
-            </p:spPr>
-          </p:pic>
-        </mc:Fallback>
-      </mc:AlternateContent>
-      <mc:AlternateContent xmlns:mc="http://schemas.openxmlformats.org/markup-compatibility/2006" xmlns:p14="http://schemas.microsoft.com/office/powerpoint/2010/main">
-        <mc:Choice Requires="p14">
-          <p:contentPart p14:bwMode="auto" r:id="rId8">
-            <p14:nvContentPartPr>
-              <p14:cNvPr id="21" name="Freihand 20">
-                <a:extLst>
-                  <a:ext uri="{FF2B5EF4-FFF2-40B4-BE49-F238E27FC236}">
-                    <a16:creationId xmlns:a16="http://schemas.microsoft.com/office/drawing/2014/main" id="{007C9108-7DB1-0DDC-798E-ABB6DE7E4664}"/>
-                  </a:ext>
-                </a:extLst>
-              </p14:cNvPr>
-              <p14:cNvContentPartPr/>
-              <p14:nvPr/>
-            </p14:nvContentPartPr>
-            <p14:xfrm>
-              <a:off x="8143900" y="4067700"/>
-              <a:ext cx="480960" cy="360"/>
-            </p14:xfrm>
-          </p:contentPart>
-        </mc:Choice>
-        <mc:Fallback xmlns="">
-          <p:pic>
-            <p:nvPicPr>
-              <p:cNvPr id="21" name="Freihand 20">
-                <a:extLst>
-                  <a:ext uri="{FF2B5EF4-FFF2-40B4-BE49-F238E27FC236}">
-                    <a16:creationId xmlns:a16="http://schemas.microsoft.com/office/drawing/2014/main" id="{007C9108-7DB1-0DDC-798E-ABB6DE7E4664}"/>
-                  </a:ext>
-                </a:extLst>
-              </p:cNvPr>
-              <p:cNvPicPr/>
-              <p:nvPr/>
-            </p:nvPicPr>
-            <p:blipFill>
-              <a:blip r:embed="rId9"/>
-              <a:stretch>
-                <a:fillRect/>
-              </a:stretch>
-            </p:blipFill>
-            <p:spPr>
-              <a:xfrm>
-                <a:off x="8089900" y="3960060"/>
-                <a:ext cx="588600" cy="216000"/>
-              </a:xfrm>
-              <a:prstGeom prst="rect">
-                <a:avLst/>
-              </a:prstGeom>
-            </p:spPr>
-          </p:pic>
-        </mc:Fallback>
-      </mc:AlternateContent>
-      <mc:AlternateContent xmlns:mc="http://schemas.openxmlformats.org/markup-compatibility/2006" xmlns:p14="http://schemas.microsoft.com/office/powerpoint/2010/main">
-        <mc:Choice Requires="p14">
-          <p:contentPart p14:bwMode="auto" r:id="rId10">
-            <p14:nvContentPartPr>
-              <p14:cNvPr id="22" name="Freihand 21">
-                <a:extLst>
-                  <a:ext uri="{FF2B5EF4-FFF2-40B4-BE49-F238E27FC236}">
-                    <a16:creationId xmlns:a16="http://schemas.microsoft.com/office/drawing/2014/main" id="{1DD020FA-925B-8F97-3770-F6CBEC55E1BF}"/>
-                  </a:ext>
-                </a:extLst>
-              </p14:cNvPr>
-              <p14:cNvContentPartPr/>
-              <p14:nvPr/>
-            </p14:nvContentPartPr>
-            <p14:xfrm>
-              <a:off x="8103940" y="3355260"/>
-              <a:ext cx="364320" cy="11520"/>
-            </p14:xfrm>
-          </p:contentPart>
-        </mc:Choice>
-        <mc:Fallback xmlns="">
-          <p:pic>
-            <p:nvPicPr>
-              <p:cNvPr id="22" name="Freihand 21">
-                <a:extLst>
-                  <a:ext uri="{FF2B5EF4-FFF2-40B4-BE49-F238E27FC236}">
-                    <a16:creationId xmlns:a16="http://schemas.microsoft.com/office/drawing/2014/main" id="{1DD020FA-925B-8F97-3770-F6CBEC55E1BF}"/>
-                  </a:ext>
-                </a:extLst>
-              </p:cNvPr>
-              <p:cNvPicPr/>
-              <p:nvPr/>
-            </p:nvPicPr>
-            <p:blipFill>
-              <a:blip r:embed="rId11"/>
-              <a:stretch>
-                <a:fillRect/>
-              </a:stretch>
-            </p:blipFill>
-            <p:spPr>
-              <a:xfrm>
-                <a:off x="8050300" y="3247260"/>
-                <a:ext cx="471960" cy="227160"/>
+                <a:off x="7644477" y="2313857"/>
+                <a:ext cx="1015200" cy="218880"/>
               </a:xfrm>
               <a:prstGeom prst="rect">
                 <a:avLst/>
@@ -8080,7 +9541,7 @@
     </p:spTree>
     <p:extLst>
       <p:ext uri="{BB962C8B-B14F-4D97-AF65-F5344CB8AC3E}">
-        <p14:creationId xmlns:p14="http://schemas.microsoft.com/office/powerpoint/2010/main" val="618368012"/>
+        <p14:creationId xmlns:p14="http://schemas.microsoft.com/office/powerpoint/2010/main" val="656318588"/>
       </p:ext>
     </p:extLst>
   </p:cSld>
@@ -8090,7 +9551,7 @@
 </p:sld>
 </file>
 
-<file path=ppt/slides/slide12.xml><?xml version="1.0" encoding="utf-8"?>
+<file path=ppt/slides/slide13.xml><?xml version="1.0" encoding="utf-8"?>
 <p:sld xmlns:a="http://schemas.openxmlformats.org/drawingml/2006/main" xmlns:r="http://schemas.openxmlformats.org/officeDocument/2006/relationships" xmlns:p="http://schemas.openxmlformats.org/presentationml/2006/main">
   <p:cSld>
     <p:spTree>
@@ -9428,1302 +10889,6 @@
 </p:sld>
 </file>
 
-<file path=ppt/slides/slide13.xml><?xml version="1.0" encoding="utf-8"?>
-<p:sld xmlns:a="http://schemas.openxmlformats.org/drawingml/2006/main" xmlns:r="http://schemas.openxmlformats.org/officeDocument/2006/relationships" xmlns:p="http://schemas.openxmlformats.org/presentationml/2006/main">
-  <p:cSld>
-    <p:spTree>
-      <p:nvGrpSpPr>
-        <p:cNvPr id="1" name=""/>
-        <p:cNvGrpSpPr/>
-        <p:nvPr/>
-      </p:nvGrpSpPr>
-      <p:grpSpPr>
-        <a:xfrm>
-          <a:off x="0" y="0"/>
-          <a:ext cx="0" cy="0"/>
-          <a:chOff x="0" y="0"/>
-          <a:chExt cx="0" cy="0"/>
-        </a:xfrm>
-      </p:grpSpPr>
-      <p:grpSp>
-        <p:nvGrpSpPr>
-          <p:cNvPr id="3" name="Gruppieren 2">
-            <a:extLst>
-              <a:ext uri="{FF2B5EF4-FFF2-40B4-BE49-F238E27FC236}">
-                <a16:creationId xmlns:a16="http://schemas.microsoft.com/office/drawing/2014/main" id="{CF6BE0A8-AA9F-1B46-AC03-48C332B5EEB8}"/>
-              </a:ext>
-            </a:extLst>
-          </p:cNvPr>
-          <p:cNvGrpSpPr/>
-          <p:nvPr/>
-        </p:nvGrpSpPr>
-        <p:grpSpPr>
-          <a:xfrm>
-            <a:off x="4794217" y="865871"/>
-            <a:ext cx="7336361" cy="5871641"/>
-            <a:chOff x="6132514" y="576504"/>
-            <a:chExt cx="7336361" cy="5871641"/>
-          </a:xfrm>
-        </p:grpSpPr>
-        <p:pic>
-          <p:nvPicPr>
-            <p:cNvPr id="8" name="Grafik 7" descr="Ein Bild, das Tisch enthält.&#10;&#10;Automatisch generierte Beschreibung">
-              <a:extLst>
-                <a:ext uri="{FF2B5EF4-FFF2-40B4-BE49-F238E27FC236}">
-                  <a16:creationId xmlns:a16="http://schemas.microsoft.com/office/drawing/2014/main" id="{015BFA35-1958-F249-8129-E256549FE569}"/>
-                </a:ext>
-              </a:extLst>
-            </p:cNvPr>
-            <p:cNvPicPr>
-              <a:picLocks noChangeAspect="1"/>
-            </p:cNvPicPr>
-            <p:nvPr/>
-          </p:nvPicPr>
-          <p:blipFill>
-            <a:blip r:embed="rId2"/>
-            <a:stretch>
-              <a:fillRect/>
-            </a:stretch>
-          </p:blipFill>
-          <p:spPr>
-            <a:xfrm>
-              <a:off x="6132514" y="576504"/>
-              <a:ext cx="7336361" cy="5871641"/>
-            </a:xfrm>
-            <a:prstGeom prst="rect">
-              <a:avLst/>
-            </a:prstGeom>
-          </p:spPr>
-        </p:pic>
-        <mc:AlternateContent xmlns:mc="http://schemas.openxmlformats.org/markup-compatibility/2006" xmlns:p14="http://schemas.microsoft.com/office/powerpoint/2010/main">
-          <mc:Choice Requires="p14">
-            <p:contentPart p14:bwMode="auto" r:id="rId3">
-              <p14:nvContentPartPr>
-                <p14:cNvPr id="9" name="Freihand 8">
-                  <a:extLst>
-                    <a:ext uri="{FF2B5EF4-FFF2-40B4-BE49-F238E27FC236}">
-                      <a16:creationId xmlns:a16="http://schemas.microsoft.com/office/drawing/2014/main" id="{B6B432C6-C75E-6542-9E25-51FAC62718E8}"/>
-                    </a:ext>
-                  </a:extLst>
-                </p14:cNvPr>
-                <p14:cNvContentPartPr/>
-                <p14:nvPr/>
-              </p14:nvContentPartPr>
-              <p14:xfrm>
-                <a:off x="12915159" y="6203657"/>
-                <a:ext cx="476640" cy="32760"/>
-              </p14:xfrm>
-            </p:contentPart>
-          </mc:Choice>
-          <mc:Fallback xmlns="">
-            <p:pic>
-              <p:nvPicPr>
-                <p:cNvPr id="9" name="Freihand 8">
-                  <a:extLst>
-                    <a:ext uri="{FF2B5EF4-FFF2-40B4-BE49-F238E27FC236}">
-                      <a16:creationId xmlns:a16="http://schemas.microsoft.com/office/drawing/2014/main" id="{B6B432C6-C75E-6542-9E25-51FAC62718E8}"/>
-                    </a:ext>
-                  </a:extLst>
-                </p:cNvPr>
-                <p:cNvPicPr/>
-                <p:nvPr/>
-              </p:nvPicPr>
-              <p:blipFill>
-                <a:blip r:embed="rId4"/>
-                <a:stretch>
-                  <a:fillRect/>
-                </a:stretch>
-              </p:blipFill>
-              <p:spPr>
-                <a:xfrm>
-                  <a:off x="12861519" y="6096017"/>
-                  <a:ext cx="584280" cy="248400"/>
-                </a:xfrm>
-                <a:prstGeom prst="rect">
-                  <a:avLst/>
-                </a:prstGeom>
-              </p:spPr>
-            </p:pic>
-          </mc:Fallback>
-        </mc:AlternateContent>
-        <mc:AlternateContent xmlns:mc="http://schemas.openxmlformats.org/markup-compatibility/2006" xmlns:p14="http://schemas.microsoft.com/office/powerpoint/2010/main">
-          <mc:Choice Requires="p14">
-            <p:contentPart p14:bwMode="auto" r:id="rId5">
-              <p14:nvContentPartPr>
-                <p14:cNvPr id="10" name="Freihand 9">
-                  <a:extLst>
-                    <a:ext uri="{FF2B5EF4-FFF2-40B4-BE49-F238E27FC236}">
-                      <a16:creationId xmlns:a16="http://schemas.microsoft.com/office/drawing/2014/main" id="{0AAA291C-83B7-3647-84AB-232ADED7B532}"/>
-                    </a:ext>
-                  </a:extLst>
-                </p14:cNvPr>
-                <p14:cNvContentPartPr/>
-                <p14:nvPr/>
-              </p14:nvContentPartPr>
-              <p14:xfrm>
-                <a:off x="7064454" y="5513491"/>
-                <a:ext cx="2909160" cy="43920"/>
-              </p14:xfrm>
-            </p:contentPart>
-          </mc:Choice>
-          <mc:Fallback xmlns="">
-            <p:pic>
-              <p:nvPicPr>
-                <p:cNvPr id="10" name="Freihand 9">
-                  <a:extLst>
-                    <a:ext uri="{FF2B5EF4-FFF2-40B4-BE49-F238E27FC236}">
-                      <a16:creationId xmlns:a16="http://schemas.microsoft.com/office/drawing/2014/main" id="{0AAA291C-83B7-3647-84AB-232ADED7B532}"/>
-                    </a:ext>
-                  </a:extLst>
-                </p:cNvPr>
-                <p:cNvPicPr/>
-                <p:nvPr/>
-              </p:nvPicPr>
-              <p:blipFill>
-                <a:blip r:embed="rId6"/>
-                <a:stretch>
-                  <a:fillRect/>
-                </a:stretch>
-              </p:blipFill>
-              <p:spPr>
-                <a:xfrm>
-                  <a:off x="7010454" y="5405851"/>
-                  <a:ext cx="3016800" cy="259560"/>
-                </a:xfrm>
-                <a:prstGeom prst="rect">
-                  <a:avLst/>
-                </a:prstGeom>
-              </p:spPr>
-            </p:pic>
-          </mc:Fallback>
-        </mc:AlternateContent>
-        <mc:AlternateContent xmlns:mc="http://schemas.openxmlformats.org/markup-compatibility/2006" xmlns:p14="http://schemas.microsoft.com/office/powerpoint/2010/main">
-          <mc:Choice Requires="p14">
-            <p:contentPart p14:bwMode="auto" r:id="rId7">
-              <p14:nvContentPartPr>
-                <p14:cNvPr id="11" name="Freihand 10">
-                  <a:extLst>
-                    <a:ext uri="{FF2B5EF4-FFF2-40B4-BE49-F238E27FC236}">
-                      <a16:creationId xmlns:a16="http://schemas.microsoft.com/office/drawing/2014/main" id="{673DE446-6B5C-9F41-AB77-72E375DFE936}"/>
-                    </a:ext>
-                  </a:extLst>
-                </p14:cNvPr>
-                <p14:cNvContentPartPr/>
-                <p14:nvPr/>
-              </p14:nvContentPartPr>
-              <p14:xfrm>
-                <a:off x="8594079" y="4133262"/>
-                <a:ext cx="1316160" cy="29160"/>
-              </p14:xfrm>
-            </p:contentPart>
-          </mc:Choice>
-          <mc:Fallback xmlns="">
-            <p:pic>
-              <p:nvPicPr>
-                <p:cNvPr id="11" name="Freihand 10">
-                  <a:extLst>
-                    <a:ext uri="{FF2B5EF4-FFF2-40B4-BE49-F238E27FC236}">
-                      <a16:creationId xmlns:a16="http://schemas.microsoft.com/office/drawing/2014/main" id="{673DE446-6B5C-9F41-AB77-72E375DFE936}"/>
-                    </a:ext>
-                  </a:extLst>
-                </p:cNvPr>
-                <p:cNvPicPr/>
-                <p:nvPr/>
-              </p:nvPicPr>
-              <p:blipFill>
-                <a:blip r:embed="rId8"/>
-                <a:stretch>
-                  <a:fillRect/>
-                </a:stretch>
-              </p:blipFill>
-              <p:spPr>
-                <a:xfrm>
-                  <a:off x="8540079" y="4025262"/>
-                  <a:ext cx="1423800" cy="244800"/>
-                </a:xfrm>
-                <a:prstGeom prst="rect">
-                  <a:avLst/>
-                </a:prstGeom>
-              </p:spPr>
-            </p:pic>
-          </mc:Fallback>
-        </mc:AlternateContent>
-        <mc:AlternateContent xmlns:mc="http://schemas.openxmlformats.org/markup-compatibility/2006" xmlns:p14="http://schemas.microsoft.com/office/powerpoint/2010/main">
-          <mc:Choice Requires="p14">
-            <p:contentPart p14:bwMode="auto" r:id="rId9">
-              <p14:nvContentPartPr>
-                <p14:cNvPr id="12" name="Freihand 11">
-                  <a:extLst>
-                    <a:ext uri="{FF2B5EF4-FFF2-40B4-BE49-F238E27FC236}">
-                      <a16:creationId xmlns:a16="http://schemas.microsoft.com/office/drawing/2014/main" id="{B08D67E0-5C78-3341-A395-B47BBA1A4D3C}"/>
-                    </a:ext>
-                  </a:extLst>
-                </p14:cNvPr>
-                <p14:cNvContentPartPr/>
-                <p14:nvPr/>
-              </p14:nvContentPartPr>
-              <p14:xfrm>
-                <a:off x="7879479" y="3362966"/>
-                <a:ext cx="2030760" cy="53280"/>
-              </p14:xfrm>
-            </p:contentPart>
-          </mc:Choice>
-          <mc:Fallback xmlns="">
-            <p:pic>
-              <p:nvPicPr>
-                <p:cNvPr id="12" name="Freihand 11">
-                  <a:extLst>
-                    <a:ext uri="{FF2B5EF4-FFF2-40B4-BE49-F238E27FC236}">
-                      <a16:creationId xmlns:a16="http://schemas.microsoft.com/office/drawing/2014/main" id="{B08D67E0-5C78-3341-A395-B47BBA1A4D3C}"/>
-                    </a:ext>
-                  </a:extLst>
-                </p:cNvPr>
-                <p:cNvPicPr/>
-                <p:nvPr/>
-              </p:nvPicPr>
-              <p:blipFill>
-                <a:blip r:embed="rId10"/>
-                <a:stretch>
-                  <a:fillRect/>
-                </a:stretch>
-              </p:blipFill>
-              <p:spPr>
-                <a:xfrm>
-                  <a:off x="7825839" y="3255326"/>
-                  <a:ext cx="2138400" cy="268920"/>
-                </a:xfrm>
-                <a:prstGeom prst="rect">
-                  <a:avLst/>
-                </a:prstGeom>
-              </p:spPr>
-            </p:pic>
-          </mc:Fallback>
-        </mc:AlternateContent>
-      </p:grpSp>
-      <p:grpSp>
-        <p:nvGrpSpPr>
-          <p:cNvPr id="2" name="Gruppieren 1">
-            <a:extLst>
-              <a:ext uri="{FF2B5EF4-FFF2-40B4-BE49-F238E27FC236}">
-                <a16:creationId xmlns:a16="http://schemas.microsoft.com/office/drawing/2014/main" id="{EE0BC5A1-332A-B345-B198-4B0786B7726D}"/>
-              </a:ext>
-            </a:extLst>
-          </p:cNvPr>
-          <p:cNvGrpSpPr/>
-          <p:nvPr/>
-        </p:nvGrpSpPr>
-        <p:grpSpPr>
-          <a:xfrm>
-            <a:off x="388515" y="1083684"/>
-            <a:ext cx="5444335" cy="1874491"/>
-            <a:chOff x="299815" y="4289871"/>
-            <a:chExt cx="5444335" cy="1874491"/>
-          </a:xfrm>
-        </p:grpSpPr>
-        <p:grpSp>
-          <p:nvGrpSpPr>
-            <p:cNvPr id="15" name="Gruppieren 14">
-              <a:extLst>
-                <a:ext uri="{FF2B5EF4-FFF2-40B4-BE49-F238E27FC236}">
-                  <a16:creationId xmlns:a16="http://schemas.microsoft.com/office/drawing/2014/main" id="{D3830E72-A849-E646-B211-9B7E55715868}"/>
-                </a:ext>
-              </a:extLst>
-            </p:cNvPr>
-            <p:cNvGrpSpPr/>
-            <p:nvPr/>
-          </p:nvGrpSpPr>
-          <p:grpSpPr>
-            <a:xfrm>
-              <a:off x="299815" y="5686566"/>
-              <a:ext cx="5444335" cy="401594"/>
-              <a:chOff x="299816" y="2367332"/>
-              <a:chExt cx="5444335" cy="401594"/>
-            </a:xfrm>
-          </p:grpSpPr>
-          <p:sp>
-            <p:nvSpPr>
-              <p:cNvPr id="16" name="Rechteck 15">
-                <a:extLst>
-                  <a:ext uri="{FF2B5EF4-FFF2-40B4-BE49-F238E27FC236}">
-                    <a16:creationId xmlns:a16="http://schemas.microsoft.com/office/drawing/2014/main" id="{64781E77-BA79-3544-B45B-2718E5D3A088}"/>
-                  </a:ext>
-                </a:extLst>
-              </p:cNvPr>
-              <p:cNvSpPr/>
-              <p:nvPr/>
-            </p:nvSpPr>
-            <p:spPr>
-              <a:xfrm>
-                <a:off x="299816" y="2367332"/>
-                <a:ext cx="1773044" cy="401594"/>
-              </a:xfrm>
-              <a:prstGeom prst="rect">
-                <a:avLst/>
-              </a:prstGeom>
-              <a:solidFill>
-                <a:schemeClr val="bg1"/>
-              </a:solidFill>
-              <a:ln>
-                <a:solidFill>
-                  <a:schemeClr val="tx1"/>
-                </a:solidFill>
-              </a:ln>
-            </p:spPr>
-            <p:style>
-              <a:lnRef idx="2">
-                <a:schemeClr val="accent1">
-                  <a:shade val="50000"/>
-                </a:schemeClr>
-              </a:lnRef>
-              <a:fillRef idx="1">
-                <a:schemeClr val="accent1"/>
-              </a:fillRef>
-              <a:effectRef idx="0">
-                <a:schemeClr val="accent1"/>
-              </a:effectRef>
-              <a:fontRef idx="minor">
-                <a:schemeClr val="lt1"/>
-              </a:fontRef>
-            </p:style>
-            <p:txBody>
-              <a:bodyPr rtlCol="0" anchor="ctr"/>
-              <a:lstStyle/>
-              <a:p>
-                <a:pPr algn="ctr"/>
-                <a:r>
-                  <a:rPr lang="en-GB" sz="1200" dirty="0">
-                    <a:solidFill>
-                      <a:schemeClr val="tx1"/>
-                    </a:solidFill>
-                    <a:latin typeface="Times New Roman" panose="02020603050405020304" pitchFamily="18" charset="0"/>
-                    <a:cs typeface="Times New Roman" panose="02020603050405020304" pitchFamily="18" charset="0"/>
-                  </a:rPr>
-                  <a:t>Trust</a:t>
-                </a:r>
-              </a:p>
-            </p:txBody>
-          </p:sp>
-          <p:sp>
-            <p:nvSpPr>
-              <p:cNvPr id="17" name="Rechteck 16">
-                <a:extLst>
-                  <a:ext uri="{FF2B5EF4-FFF2-40B4-BE49-F238E27FC236}">
-                    <a16:creationId xmlns:a16="http://schemas.microsoft.com/office/drawing/2014/main" id="{1179D7D3-7AC9-E240-8B0F-A7B9D0D047C3}"/>
-                  </a:ext>
-                </a:extLst>
-              </p:cNvPr>
-              <p:cNvSpPr/>
-              <p:nvPr/>
-            </p:nvSpPr>
-            <p:spPr>
-              <a:xfrm>
-                <a:off x="3971107" y="2367332"/>
-                <a:ext cx="1773044" cy="401594"/>
-              </a:xfrm>
-              <a:prstGeom prst="rect">
-                <a:avLst/>
-              </a:prstGeom>
-              <a:solidFill>
-                <a:schemeClr val="bg1"/>
-              </a:solidFill>
-              <a:ln>
-                <a:solidFill>
-                  <a:schemeClr val="tx1"/>
-                </a:solidFill>
-              </a:ln>
-            </p:spPr>
-            <p:style>
-              <a:lnRef idx="2">
-                <a:schemeClr val="accent1">
-                  <a:shade val="50000"/>
-                </a:schemeClr>
-              </a:lnRef>
-              <a:fillRef idx="1">
-                <a:schemeClr val="accent1"/>
-              </a:fillRef>
-              <a:effectRef idx="0">
-                <a:schemeClr val="accent1"/>
-              </a:effectRef>
-              <a:fontRef idx="minor">
-                <a:schemeClr val="lt1"/>
-              </a:fontRef>
-            </p:style>
-            <p:txBody>
-              <a:bodyPr rtlCol="0" anchor="ctr"/>
-              <a:lstStyle/>
-              <a:p>
-                <a:pPr algn="ctr"/>
-                <a:r>
-                  <a:rPr lang="en-GB" sz="1200" dirty="0">
-                    <a:solidFill>
-                      <a:schemeClr val="tx1"/>
-                    </a:solidFill>
-                    <a:latin typeface="Times New Roman" panose="02020603050405020304" pitchFamily="18" charset="0"/>
-                    <a:cs typeface="Times New Roman" panose="02020603050405020304" pitchFamily="18" charset="0"/>
-                  </a:rPr>
-                  <a:t>Usage Intention</a:t>
-                </a:r>
-              </a:p>
-            </p:txBody>
-          </p:sp>
-        </p:grpSp>
-        <p:sp>
-          <p:nvSpPr>
-            <p:cNvPr id="18" name="Rechteck 17">
-              <a:extLst>
-                <a:ext uri="{FF2B5EF4-FFF2-40B4-BE49-F238E27FC236}">
-                  <a16:creationId xmlns:a16="http://schemas.microsoft.com/office/drawing/2014/main" id="{E350611B-6A59-7941-B220-D860D302670B}"/>
-                </a:ext>
-              </a:extLst>
-            </p:cNvPr>
-            <p:cNvSpPr/>
-            <p:nvPr/>
-          </p:nvSpPr>
-          <p:spPr>
-            <a:xfrm>
-              <a:off x="2135460" y="4289871"/>
-              <a:ext cx="1773044" cy="401594"/>
-            </a:xfrm>
-            <a:prstGeom prst="rect">
-              <a:avLst/>
-            </a:prstGeom>
-            <a:solidFill>
-              <a:schemeClr val="bg1"/>
-            </a:solidFill>
-            <a:ln>
-              <a:solidFill>
-                <a:schemeClr val="tx1"/>
-              </a:solidFill>
-            </a:ln>
-          </p:spPr>
-          <p:style>
-            <a:lnRef idx="2">
-              <a:schemeClr val="accent1">
-                <a:shade val="50000"/>
-              </a:schemeClr>
-            </a:lnRef>
-            <a:fillRef idx="1">
-              <a:schemeClr val="accent1"/>
-            </a:fillRef>
-            <a:effectRef idx="0">
-              <a:schemeClr val="accent1"/>
-            </a:effectRef>
-            <a:fontRef idx="minor">
-              <a:schemeClr val="lt1"/>
-            </a:fontRef>
-          </p:style>
-          <p:txBody>
-            <a:bodyPr rtlCol="0" anchor="ctr"/>
-            <a:lstStyle/>
-            <a:p>
-              <a:pPr algn="ctr"/>
-              <a:r>
-                <a:rPr lang="en-GB" sz="1200" dirty="0">
-                  <a:solidFill>
-                    <a:schemeClr val="tx1"/>
-                  </a:solidFill>
-                  <a:latin typeface="Times New Roman" panose="02020603050405020304" pitchFamily="18" charset="0"/>
-                  <a:cs typeface="Times New Roman" panose="02020603050405020304" pitchFamily="18" charset="0"/>
-                </a:rPr>
-                <a:t>Possession of Crypto</a:t>
-              </a:r>
-            </a:p>
-          </p:txBody>
-        </p:sp>
-        <p:cxnSp>
-          <p:nvCxnSpPr>
-            <p:cNvPr id="19" name="Gerade Verbindung mit Pfeil 18">
-              <a:extLst>
-                <a:ext uri="{FF2B5EF4-FFF2-40B4-BE49-F238E27FC236}">
-                  <a16:creationId xmlns:a16="http://schemas.microsoft.com/office/drawing/2014/main" id="{1BB55447-4EB6-5F41-992E-BF074A60105D}"/>
-                </a:ext>
-              </a:extLst>
-            </p:cNvPr>
-            <p:cNvCxnSpPr>
-              <a:stCxn id="16" idx="3"/>
-              <a:endCxn id="17" idx="1"/>
-            </p:cNvCxnSpPr>
-            <p:nvPr/>
-          </p:nvCxnSpPr>
-          <p:spPr>
-            <a:xfrm>
-              <a:off x="2072859" y="5887363"/>
-              <a:ext cx="1898247" cy="0"/>
-            </a:xfrm>
-            <a:prstGeom prst="straightConnector1">
-              <a:avLst/>
-            </a:prstGeom>
-            <a:ln>
-              <a:tailEnd type="triangle"/>
-            </a:ln>
-          </p:spPr>
-          <p:style>
-            <a:lnRef idx="1">
-              <a:schemeClr val="dk1"/>
-            </a:lnRef>
-            <a:fillRef idx="0">
-              <a:schemeClr val="dk1"/>
-            </a:fillRef>
-            <a:effectRef idx="0">
-              <a:schemeClr val="dk1"/>
-            </a:effectRef>
-            <a:fontRef idx="minor">
-              <a:schemeClr val="tx1"/>
-            </a:fontRef>
-          </p:style>
-        </p:cxnSp>
-        <p:cxnSp>
-          <p:nvCxnSpPr>
-            <p:cNvPr id="20" name="Gerade Verbindung mit Pfeil 19">
-              <a:extLst>
-                <a:ext uri="{FF2B5EF4-FFF2-40B4-BE49-F238E27FC236}">
-                  <a16:creationId xmlns:a16="http://schemas.microsoft.com/office/drawing/2014/main" id="{BEE6155C-EA02-2C48-B1CF-B39F9DA01DE6}"/>
-                </a:ext>
-              </a:extLst>
-            </p:cNvPr>
-            <p:cNvCxnSpPr>
-              <a:cxnSpLocks/>
-              <a:stCxn id="18" idx="2"/>
-            </p:cNvCxnSpPr>
-            <p:nvPr/>
-          </p:nvCxnSpPr>
-          <p:spPr>
-            <a:xfrm>
-              <a:off x="3021982" y="4691465"/>
-              <a:ext cx="0" cy="1195898"/>
-            </a:xfrm>
-            <a:prstGeom prst="straightConnector1">
-              <a:avLst/>
-            </a:prstGeom>
-            <a:ln>
-              <a:tailEnd type="triangle"/>
-            </a:ln>
-          </p:spPr>
-          <p:style>
-            <a:lnRef idx="1">
-              <a:schemeClr val="dk1"/>
-            </a:lnRef>
-            <a:fillRef idx="0">
-              <a:schemeClr val="dk1"/>
-            </a:fillRef>
-            <a:effectRef idx="0">
-              <a:schemeClr val="dk1"/>
-            </a:effectRef>
-            <a:fontRef idx="minor">
-              <a:schemeClr val="tx1"/>
-            </a:fontRef>
-          </p:style>
-        </p:cxnSp>
-        <p:sp>
-          <p:nvSpPr>
-            <p:cNvPr id="21" name="Rechteck 20">
-              <a:extLst>
-                <a:ext uri="{FF2B5EF4-FFF2-40B4-BE49-F238E27FC236}">
-                  <a16:creationId xmlns:a16="http://schemas.microsoft.com/office/drawing/2014/main" id="{0507AD46-86A0-B443-9A7B-F56B9502B534}"/>
-                </a:ext>
-              </a:extLst>
-            </p:cNvPr>
-            <p:cNvSpPr/>
-            <p:nvPr/>
-          </p:nvSpPr>
-          <p:spPr>
-            <a:xfrm>
-              <a:off x="3021982" y="5093059"/>
-              <a:ext cx="779381" cy="276999"/>
-            </a:xfrm>
-            <a:prstGeom prst="rect">
-              <a:avLst/>
-            </a:prstGeom>
-          </p:spPr>
-          <p:txBody>
-            <a:bodyPr wrap="none">
-              <a:spAutoFit/>
-            </a:bodyPr>
-            <a:lstStyle/>
-            <a:p>
-              <a:r>
-                <a:rPr lang="en-GB" sz="1200" dirty="0">
-                  <a:latin typeface="Times New Roman" panose="02020603050405020304" pitchFamily="18" charset="0"/>
-                  <a:cs typeface="Times New Roman" panose="02020603050405020304" pitchFamily="18" charset="0"/>
-                </a:rPr>
-                <a:t>b</a:t>
-              </a:r>
-              <a:r>
-                <a:rPr lang="en-GB" sz="1200" baseline="-25000" dirty="0">
-                  <a:latin typeface="Times New Roman" panose="02020603050405020304" pitchFamily="18" charset="0"/>
-                  <a:cs typeface="Times New Roman" panose="02020603050405020304" pitchFamily="18" charset="0"/>
-                </a:rPr>
-                <a:t>3</a:t>
-              </a:r>
-              <a:r>
-                <a:rPr lang="en-GB" sz="1200" dirty="0">
-                  <a:latin typeface="Times New Roman" panose="02020603050405020304" pitchFamily="18" charset="0"/>
-                  <a:cs typeface="Times New Roman" panose="02020603050405020304" pitchFamily="18" charset="0"/>
-                </a:rPr>
-                <a:t>: 0.33* </a:t>
-              </a:r>
-            </a:p>
-          </p:txBody>
-        </p:sp>
-        <p:sp>
-          <p:nvSpPr>
-            <p:cNvPr id="22" name="Rechteck 21">
-              <a:extLst>
-                <a:ext uri="{FF2B5EF4-FFF2-40B4-BE49-F238E27FC236}">
-                  <a16:creationId xmlns:a16="http://schemas.microsoft.com/office/drawing/2014/main" id="{EB4D17AA-828C-3045-AA02-700FA659E531}"/>
-                </a:ext>
-              </a:extLst>
-            </p:cNvPr>
-            <p:cNvSpPr/>
-            <p:nvPr/>
-          </p:nvSpPr>
-          <p:spPr>
-            <a:xfrm>
-              <a:off x="2251977" y="5887363"/>
-              <a:ext cx="856325" cy="276999"/>
-            </a:xfrm>
-            <a:prstGeom prst="rect">
-              <a:avLst/>
-            </a:prstGeom>
-          </p:spPr>
-          <p:txBody>
-            <a:bodyPr wrap="none">
-              <a:spAutoFit/>
-            </a:bodyPr>
-            <a:lstStyle/>
-            <a:p>
-              <a:r>
-                <a:rPr lang="en-GB" sz="1200" dirty="0">
-                  <a:latin typeface="Times New Roman" panose="02020603050405020304" pitchFamily="18" charset="0"/>
-                  <a:cs typeface="Times New Roman" panose="02020603050405020304" pitchFamily="18" charset="0"/>
-                </a:rPr>
-                <a:t>b</a:t>
-              </a:r>
-              <a:r>
-                <a:rPr lang="en-GB" sz="1200" baseline="-25000" dirty="0">
-                  <a:latin typeface="Times New Roman" panose="02020603050405020304" pitchFamily="18" charset="0"/>
-                  <a:cs typeface="Times New Roman" panose="02020603050405020304" pitchFamily="18" charset="0"/>
-                </a:rPr>
-                <a:t>1</a:t>
-              </a:r>
-              <a:r>
-                <a:rPr lang="en-GB" sz="1200" dirty="0">
-                  <a:latin typeface="Times New Roman" panose="02020603050405020304" pitchFamily="18" charset="0"/>
-                  <a:cs typeface="Times New Roman" panose="02020603050405020304" pitchFamily="18" charset="0"/>
-                </a:rPr>
-                <a:t>: 0.17** </a:t>
-              </a:r>
-            </a:p>
-          </p:txBody>
-        </p:sp>
-      </p:grpSp>
-      <p:sp>
-        <p:nvSpPr>
-          <p:cNvPr id="25" name="Rechteck 24">
-            <a:extLst>
-              <a:ext uri="{FF2B5EF4-FFF2-40B4-BE49-F238E27FC236}">
-                <a16:creationId xmlns:a16="http://schemas.microsoft.com/office/drawing/2014/main" id="{2C979234-A153-1847-925D-3B66EA72114D}"/>
-              </a:ext>
-            </a:extLst>
-          </p:cNvPr>
-          <p:cNvSpPr/>
-          <p:nvPr/>
-        </p:nvSpPr>
-        <p:spPr>
-          <a:xfrm>
-            <a:off x="1984413" y="114778"/>
-            <a:ext cx="2303836" cy="338554"/>
-          </a:xfrm>
-          <a:prstGeom prst="rect">
-            <a:avLst/>
-          </a:prstGeom>
-        </p:spPr>
-        <p:txBody>
-          <a:bodyPr wrap="none">
-            <a:spAutoFit/>
-          </a:bodyPr>
-          <a:lstStyle/>
-          <a:p>
-            <a:r>
-              <a:rPr lang="de-DE" sz="1600" b="1" i="1" dirty="0">
-                <a:latin typeface="Times New Roman" panose="02020603050405020304" pitchFamily="18" charset="0"/>
-                <a:cs typeface="Times New Roman" panose="02020603050405020304" pitchFamily="18" charset="0"/>
-              </a:rPr>
-              <a:t>Y</a:t>
-            </a:r>
-            <a:r>
-              <a:rPr lang="de-DE" sz="1600" b="1" dirty="0">
-                <a:latin typeface="Times New Roman" panose="02020603050405020304" pitchFamily="18" charset="0"/>
-                <a:cs typeface="Times New Roman" panose="02020603050405020304" pitchFamily="18" charset="0"/>
-              </a:rPr>
-              <a:t>= </a:t>
-            </a:r>
-            <a:r>
-              <a:rPr lang="de-DE" sz="1600" b="1" i="1" dirty="0">
-                <a:latin typeface="Times New Roman" panose="02020603050405020304" pitchFamily="18" charset="0"/>
-                <a:cs typeface="Times New Roman" panose="02020603050405020304" pitchFamily="18" charset="0"/>
-              </a:rPr>
-              <a:t>b</a:t>
-            </a:r>
-            <a:r>
-              <a:rPr lang="de-DE" sz="1600" b="1" baseline="-25000" dirty="0">
-                <a:latin typeface="Times New Roman" panose="02020603050405020304" pitchFamily="18" charset="0"/>
-                <a:cs typeface="Times New Roman" panose="02020603050405020304" pitchFamily="18" charset="0"/>
-              </a:rPr>
-              <a:t>1</a:t>
-            </a:r>
-            <a:r>
-              <a:rPr lang="de-DE" sz="1600" b="1" i="1" dirty="0">
-                <a:latin typeface="Times New Roman" panose="02020603050405020304" pitchFamily="18" charset="0"/>
-                <a:cs typeface="Times New Roman" panose="02020603050405020304" pitchFamily="18" charset="0"/>
-              </a:rPr>
-              <a:t>X</a:t>
-            </a:r>
-            <a:r>
-              <a:rPr lang="de-DE" sz="1600" b="1" baseline="-25000" dirty="0">
-                <a:latin typeface="Times New Roman" panose="02020603050405020304" pitchFamily="18" charset="0"/>
-                <a:cs typeface="Times New Roman" panose="02020603050405020304" pitchFamily="18" charset="0"/>
-              </a:rPr>
-              <a:t>1</a:t>
-            </a:r>
-            <a:r>
-              <a:rPr lang="de-DE" sz="1600" b="1" dirty="0">
-                <a:latin typeface="Times New Roman" panose="02020603050405020304" pitchFamily="18" charset="0"/>
-                <a:cs typeface="Times New Roman" panose="02020603050405020304" pitchFamily="18" charset="0"/>
-              </a:rPr>
-              <a:t> + </a:t>
-            </a:r>
-            <a:r>
-              <a:rPr lang="de-DE" sz="1600" b="1" i="1" dirty="0">
-                <a:latin typeface="Times New Roman" panose="02020603050405020304" pitchFamily="18" charset="0"/>
-                <a:cs typeface="Times New Roman" panose="02020603050405020304" pitchFamily="18" charset="0"/>
-              </a:rPr>
-              <a:t>b</a:t>
-            </a:r>
-            <a:r>
-              <a:rPr lang="de-DE" sz="1600" b="1" baseline="-25000" dirty="0">
-                <a:latin typeface="Times New Roman" panose="02020603050405020304" pitchFamily="18" charset="0"/>
-                <a:cs typeface="Times New Roman" panose="02020603050405020304" pitchFamily="18" charset="0"/>
-              </a:rPr>
-              <a:t>2</a:t>
-            </a:r>
-            <a:r>
-              <a:rPr lang="de-DE" sz="1600" b="1" i="1" dirty="0">
-                <a:latin typeface="Times New Roman" panose="02020603050405020304" pitchFamily="18" charset="0"/>
-                <a:cs typeface="Times New Roman" panose="02020603050405020304" pitchFamily="18" charset="0"/>
-              </a:rPr>
-              <a:t>X</a:t>
-            </a:r>
-            <a:r>
-              <a:rPr lang="de-DE" sz="1600" b="1" baseline="-25000" dirty="0">
-                <a:latin typeface="Times New Roman" panose="02020603050405020304" pitchFamily="18" charset="0"/>
-                <a:cs typeface="Times New Roman" panose="02020603050405020304" pitchFamily="18" charset="0"/>
-              </a:rPr>
-              <a:t>2</a:t>
-            </a:r>
-            <a:r>
-              <a:rPr lang="de-DE" sz="1600" b="1" dirty="0">
-                <a:latin typeface="Times New Roman" panose="02020603050405020304" pitchFamily="18" charset="0"/>
-                <a:cs typeface="Times New Roman" panose="02020603050405020304" pitchFamily="18" charset="0"/>
-              </a:rPr>
-              <a:t> + </a:t>
-            </a:r>
-            <a:r>
-              <a:rPr lang="de-DE" sz="1600" b="1" i="1" dirty="0">
-                <a:latin typeface="Times New Roman" panose="02020603050405020304" pitchFamily="18" charset="0"/>
-                <a:cs typeface="Times New Roman" panose="02020603050405020304" pitchFamily="18" charset="0"/>
-              </a:rPr>
-              <a:t>b</a:t>
-            </a:r>
-            <a:r>
-              <a:rPr lang="de-DE" sz="1600" b="1" baseline="-25000" dirty="0">
-                <a:latin typeface="Times New Roman" panose="02020603050405020304" pitchFamily="18" charset="0"/>
-                <a:cs typeface="Times New Roman" panose="02020603050405020304" pitchFamily="18" charset="0"/>
-              </a:rPr>
-              <a:t>3</a:t>
-            </a:r>
-            <a:r>
-              <a:rPr lang="de-DE" sz="1600" b="1" i="1" dirty="0">
-                <a:latin typeface="Times New Roman" panose="02020603050405020304" pitchFamily="18" charset="0"/>
-                <a:cs typeface="Times New Roman" panose="02020603050405020304" pitchFamily="18" charset="0"/>
-              </a:rPr>
-              <a:t>X</a:t>
-            </a:r>
-            <a:r>
-              <a:rPr lang="de-DE" sz="1600" b="1" baseline="-25000" dirty="0">
-                <a:latin typeface="Times New Roman" panose="02020603050405020304" pitchFamily="18" charset="0"/>
-                <a:cs typeface="Times New Roman" panose="02020603050405020304" pitchFamily="18" charset="0"/>
-              </a:rPr>
-              <a:t>1</a:t>
-            </a:r>
-            <a:r>
-              <a:rPr lang="de-DE" sz="1600" b="1" i="1" dirty="0">
-                <a:latin typeface="Times New Roman" panose="02020603050405020304" pitchFamily="18" charset="0"/>
-                <a:cs typeface="Times New Roman" panose="02020603050405020304" pitchFamily="18" charset="0"/>
-              </a:rPr>
-              <a:t>X</a:t>
-            </a:r>
-            <a:r>
-              <a:rPr lang="de-DE" sz="1600" b="1" baseline="-25000" dirty="0">
-                <a:latin typeface="Times New Roman" panose="02020603050405020304" pitchFamily="18" charset="0"/>
-                <a:cs typeface="Times New Roman" panose="02020603050405020304" pitchFamily="18" charset="0"/>
-              </a:rPr>
-              <a:t>2</a:t>
-            </a:r>
-            <a:r>
-              <a:rPr lang="de-DE" sz="1600" b="1" dirty="0">
-                <a:latin typeface="Times New Roman" panose="02020603050405020304" pitchFamily="18" charset="0"/>
-                <a:cs typeface="Times New Roman" panose="02020603050405020304" pitchFamily="18" charset="0"/>
-              </a:rPr>
-              <a:t> </a:t>
-            </a:r>
-          </a:p>
-        </p:txBody>
-      </p:sp>
-      <p:cxnSp>
-        <p:nvCxnSpPr>
-          <p:cNvPr id="27" name="Gerade Verbindung mit Pfeil 26">
-            <a:extLst>
-              <a:ext uri="{FF2B5EF4-FFF2-40B4-BE49-F238E27FC236}">
-                <a16:creationId xmlns:a16="http://schemas.microsoft.com/office/drawing/2014/main" id="{7631E4B8-B3C4-584E-967F-FB631D8E9C50}"/>
-              </a:ext>
-            </a:extLst>
-          </p:cNvPr>
-          <p:cNvCxnSpPr>
-            <a:cxnSpLocks/>
-            <a:stCxn id="18" idx="3"/>
-            <a:endCxn id="17" idx="0"/>
-          </p:cNvCxnSpPr>
-          <p:nvPr/>
-        </p:nvCxnSpPr>
-        <p:spPr>
-          <a:xfrm>
-            <a:off x="3997204" y="1284481"/>
-            <a:ext cx="949124" cy="1195898"/>
-          </a:xfrm>
-          <a:prstGeom prst="straightConnector1">
-            <a:avLst/>
-          </a:prstGeom>
-          <a:ln>
-            <a:tailEnd type="triangle"/>
-          </a:ln>
-        </p:spPr>
-        <p:style>
-          <a:lnRef idx="1">
-            <a:schemeClr val="dk1"/>
-          </a:lnRef>
-          <a:fillRef idx="0">
-            <a:schemeClr val="dk1"/>
-          </a:fillRef>
-          <a:effectRef idx="0">
-            <a:schemeClr val="dk1"/>
-          </a:effectRef>
-          <a:fontRef idx="minor">
-            <a:schemeClr val="tx1"/>
-          </a:fontRef>
-        </p:style>
-      </p:cxnSp>
-      <p:sp>
-        <p:nvSpPr>
-          <p:cNvPr id="28" name="Rechteck 27">
-            <a:extLst>
-              <a:ext uri="{FF2B5EF4-FFF2-40B4-BE49-F238E27FC236}">
-                <a16:creationId xmlns:a16="http://schemas.microsoft.com/office/drawing/2014/main" id="{84CAE9A7-CB64-F743-9FF1-91BA263EB584}"/>
-              </a:ext>
-            </a:extLst>
-          </p:cNvPr>
-          <p:cNvSpPr/>
-          <p:nvPr/>
-        </p:nvSpPr>
-        <p:spPr>
-          <a:xfrm>
-            <a:off x="4471766" y="1605431"/>
-            <a:ext cx="797013" cy="276999"/>
-          </a:xfrm>
-          <a:prstGeom prst="rect">
-            <a:avLst/>
-          </a:prstGeom>
-        </p:spPr>
-        <p:txBody>
-          <a:bodyPr wrap="none">
-            <a:spAutoFit/>
-          </a:bodyPr>
-          <a:lstStyle/>
-          <a:p>
-            <a:r>
-              <a:rPr lang="en-GB" sz="1200" dirty="0">
-                <a:latin typeface="Times New Roman" panose="02020603050405020304" pitchFamily="18" charset="0"/>
-                <a:cs typeface="Times New Roman" panose="02020603050405020304" pitchFamily="18" charset="0"/>
-              </a:rPr>
-              <a:t>b</a:t>
-            </a:r>
-            <a:r>
-              <a:rPr lang="en-GB" sz="1200" baseline="-25000" dirty="0">
-                <a:latin typeface="Times New Roman" panose="02020603050405020304" pitchFamily="18" charset="0"/>
-                <a:cs typeface="Times New Roman" panose="02020603050405020304" pitchFamily="18" charset="0"/>
-              </a:rPr>
-              <a:t>2</a:t>
-            </a:r>
-            <a:r>
-              <a:rPr lang="en-GB" sz="1200" dirty="0">
-                <a:latin typeface="Times New Roman" panose="02020603050405020304" pitchFamily="18" charset="0"/>
-                <a:cs typeface="Times New Roman" panose="02020603050405020304" pitchFamily="18" charset="0"/>
-              </a:rPr>
-              <a:t> = -2.30</a:t>
-            </a:r>
-          </a:p>
-        </p:txBody>
-      </p:sp>
-      <p:sp>
-        <p:nvSpPr>
-          <p:cNvPr id="30" name="Rechteck 29">
-            <a:extLst>
-              <a:ext uri="{FF2B5EF4-FFF2-40B4-BE49-F238E27FC236}">
-                <a16:creationId xmlns:a16="http://schemas.microsoft.com/office/drawing/2014/main" id="{74AF9C39-379D-F84C-95B6-D6546B362C90}"/>
-              </a:ext>
-            </a:extLst>
-          </p:cNvPr>
-          <p:cNvSpPr/>
-          <p:nvPr/>
-        </p:nvSpPr>
-        <p:spPr>
-          <a:xfrm rot="21125072">
-            <a:off x="-523111" y="-80393"/>
-            <a:ext cx="1747778" cy="728896"/>
-          </a:xfrm>
-          <a:prstGeom prst="rect">
-            <a:avLst/>
-          </a:prstGeom>
-        </p:spPr>
-        <p:style>
-          <a:lnRef idx="2">
-            <a:schemeClr val="accent6">
-              <a:shade val="50000"/>
-            </a:schemeClr>
-          </a:lnRef>
-          <a:fillRef idx="1">
-            <a:schemeClr val="accent6"/>
-          </a:fillRef>
-          <a:effectRef idx="0">
-            <a:schemeClr val="accent6"/>
-          </a:effectRef>
-          <a:fontRef idx="minor">
-            <a:schemeClr val="lt1"/>
-          </a:fontRef>
-        </p:style>
-        <p:txBody>
-          <a:bodyPr rtlCol="0" anchor="ctr"/>
-          <a:lstStyle/>
-          <a:p>
-            <a:pPr algn="ctr"/>
-            <a:r>
-              <a:rPr lang="de-DE" dirty="0" err="1"/>
-              <a:t>Dichotomous</a:t>
-            </a:r>
-            <a:endParaRPr lang="en-GB" dirty="0"/>
-          </a:p>
-          <a:p>
-            <a:pPr algn="ctr"/>
-            <a:r>
-              <a:rPr lang="en-GB" dirty="0"/>
-              <a:t>moderator </a:t>
-            </a:r>
-          </a:p>
-        </p:txBody>
-      </p:sp>
-      <p:sp>
-        <p:nvSpPr>
-          <p:cNvPr id="31" name="Rechteck 30">
-            <a:extLst>
-              <a:ext uri="{FF2B5EF4-FFF2-40B4-BE49-F238E27FC236}">
-                <a16:creationId xmlns:a16="http://schemas.microsoft.com/office/drawing/2014/main" id="{8B05613A-D0FC-C646-80A2-72CA004EBBC6}"/>
-              </a:ext>
-            </a:extLst>
-          </p:cNvPr>
-          <p:cNvSpPr/>
-          <p:nvPr/>
-        </p:nvSpPr>
-        <p:spPr>
-          <a:xfrm>
-            <a:off x="335456" y="3512325"/>
-            <a:ext cx="4458762" cy="3046988"/>
-          </a:xfrm>
-          <a:prstGeom prst="rect">
-            <a:avLst/>
-          </a:prstGeom>
-        </p:spPr>
-        <p:txBody>
-          <a:bodyPr wrap="square">
-            <a:spAutoFit/>
-          </a:bodyPr>
-          <a:lstStyle/>
-          <a:p>
-            <a:r>
-              <a:rPr lang="en-GB" sz="1200" dirty="0">
-                <a:latin typeface="Times New Roman" panose="02020603050405020304" pitchFamily="18" charset="0"/>
-                <a:cs typeface="Times New Roman" panose="02020603050405020304" pitchFamily="18" charset="0"/>
-              </a:rPr>
-              <a:t>Total effect of people </a:t>
-            </a:r>
-            <a:r>
-              <a:rPr lang="en-GB" sz="1200" b="1" dirty="0">
-                <a:latin typeface="Times New Roman" panose="02020603050405020304" pitchFamily="18" charset="0"/>
-                <a:cs typeface="Times New Roman" panose="02020603050405020304" pitchFamily="18" charset="0"/>
-              </a:rPr>
-              <a:t>possessing cryptocurrencies </a:t>
-            </a:r>
-            <a:r>
-              <a:rPr lang="en-GB" sz="1200" dirty="0">
-                <a:latin typeface="Times New Roman" panose="02020603050405020304" pitchFamily="18" charset="0"/>
-                <a:cs typeface="Times New Roman" panose="02020603050405020304" pitchFamily="18" charset="0"/>
-              </a:rPr>
-              <a:t>on the relationship between </a:t>
-            </a:r>
-            <a:r>
-              <a:rPr lang="en-GB" sz="1200" b="1" dirty="0">
-                <a:latin typeface="Times New Roman" panose="02020603050405020304" pitchFamily="18" charset="0"/>
-                <a:cs typeface="Times New Roman" panose="02020603050405020304" pitchFamily="18" charset="0"/>
-              </a:rPr>
-              <a:t>trust</a:t>
-            </a:r>
-            <a:r>
-              <a:rPr lang="en-GB" sz="1200" dirty="0">
-                <a:latin typeface="Times New Roman" panose="02020603050405020304" pitchFamily="18" charset="0"/>
-                <a:cs typeface="Times New Roman" panose="02020603050405020304" pitchFamily="18" charset="0"/>
-              </a:rPr>
-              <a:t> and </a:t>
-            </a:r>
-            <a:r>
-              <a:rPr lang="en-GB" sz="1200" b="1" dirty="0">
-                <a:latin typeface="Times New Roman" panose="02020603050405020304" pitchFamily="18" charset="0"/>
-                <a:cs typeface="Times New Roman" panose="02020603050405020304" pitchFamily="18" charset="0"/>
-              </a:rPr>
-              <a:t>usage intention</a:t>
-            </a:r>
-            <a:r>
-              <a:rPr lang="en-GB" sz="1200" dirty="0">
-                <a:latin typeface="Times New Roman" panose="02020603050405020304" pitchFamily="18" charset="0"/>
-                <a:cs typeface="Times New Roman" panose="02020603050405020304" pitchFamily="18" charset="0"/>
-              </a:rPr>
-              <a:t>:</a:t>
-            </a:r>
-          </a:p>
-          <a:p>
-            <a:endParaRPr lang="en-GB" sz="1200" dirty="0">
-              <a:latin typeface="Times New Roman" panose="02020603050405020304" pitchFamily="18" charset="0"/>
-              <a:cs typeface="Times New Roman" panose="02020603050405020304" pitchFamily="18" charset="0"/>
-            </a:endParaRPr>
-          </a:p>
-          <a:p>
-            <a:r>
-              <a:rPr lang="en-GB" sz="1200" dirty="0" err="1">
-                <a:latin typeface="Times New Roman" panose="02020603050405020304" pitchFamily="18" charset="0"/>
-                <a:cs typeface="Times New Roman" panose="02020603050405020304" pitchFamily="18" charset="0"/>
-              </a:rPr>
-              <a:t>b</a:t>
-            </a:r>
-            <a:r>
-              <a:rPr lang="en-GB" sz="1200" baseline="-25000" dirty="0" err="1">
-                <a:latin typeface="Times New Roman" panose="02020603050405020304" pitchFamily="18" charset="0"/>
-                <a:cs typeface="Times New Roman" panose="02020603050405020304" pitchFamily="18" charset="0"/>
-              </a:rPr>
-              <a:t>total</a:t>
-            </a:r>
-            <a:r>
-              <a:rPr lang="en-GB" sz="1200" baseline="-25000" dirty="0">
-                <a:latin typeface="Times New Roman" panose="02020603050405020304" pitchFamily="18" charset="0"/>
-                <a:cs typeface="Times New Roman" panose="02020603050405020304" pitchFamily="18" charset="0"/>
-              </a:rPr>
-              <a:t>  </a:t>
-            </a:r>
-            <a:r>
-              <a:rPr lang="en-GB" sz="1200" dirty="0">
-                <a:latin typeface="Times New Roman" panose="02020603050405020304" pitchFamily="18" charset="0"/>
-                <a:cs typeface="Times New Roman" panose="02020603050405020304" pitchFamily="18" charset="0"/>
-              </a:rPr>
-              <a:t>(crypto) = 0.17 + 0.33 = 0.5 	</a:t>
-            </a:r>
-          </a:p>
-          <a:p>
-            <a:r>
-              <a:rPr lang="en-GB" sz="1200" dirty="0" err="1">
-                <a:latin typeface="Times New Roman" panose="02020603050405020304" pitchFamily="18" charset="0"/>
-                <a:cs typeface="Times New Roman" panose="02020603050405020304" pitchFamily="18" charset="0"/>
-              </a:rPr>
-              <a:t>b</a:t>
-            </a:r>
-            <a:r>
-              <a:rPr lang="en-GB" sz="1200" baseline="-25000" dirty="0" err="1">
-                <a:latin typeface="Times New Roman" panose="02020603050405020304" pitchFamily="18" charset="0"/>
-                <a:cs typeface="Times New Roman" panose="02020603050405020304" pitchFamily="18" charset="0"/>
-              </a:rPr>
-              <a:t>total</a:t>
-            </a:r>
-            <a:r>
-              <a:rPr lang="en-GB" sz="1200" baseline="-25000" dirty="0">
-                <a:latin typeface="Times New Roman" panose="02020603050405020304" pitchFamily="18" charset="0"/>
-                <a:cs typeface="Times New Roman" panose="02020603050405020304" pitchFamily="18" charset="0"/>
-              </a:rPr>
-              <a:t>  </a:t>
-            </a:r>
-            <a:r>
-              <a:rPr lang="en-GB" sz="1200" dirty="0">
-                <a:latin typeface="Times New Roman" panose="02020603050405020304" pitchFamily="18" charset="0"/>
-                <a:cs typeface="Times New Roman" panose="02020603050405020304" pitchFamily="18" charset="0"/>
-              </a:rPr>
-              <a:t>(no crypto) = 0.17	</a:t>
-            </a:r>
-          </a:p>
-          <a:p>
-            <a:endParaRPr lang="en-GB" sz="1200" dirty="0">
-              <a:latin typeface="Times New Roman" panose="02020603050405020304" pitchFamily="18" charset="0"/>
-              <a:cs typeface="Times New Roman" panose="02020603050405020304" pitchFamily="18" charset="0"/>
-            </a:endParaRPr>
-          </a:p>
-          <a:p>
-            <a:r>
-              <a:rPr lang="en-GB" sz="1200" b="1" dirty="0">
-                <a:latin typeface="Times New Roman" panose="02020603050405020304" pitchFamily="18" charset="0"/>
-                <a:cs typeface="Times New Roman" panose="02020603050405020304" pitchFamily="18" charset="0"/>
-                <a:sym typeface="Wingdings" pitchFamily="2" charset="2"/>
-              </a:rPr>
-              <a:t>Result: </a:t>
-            </a:r>
-          </a:p>
-          <a:p>
-            <a:r>
-              <a:rPr lang="en-GB" sz="1200" i="1" dirty="0">
-                <a:latin typeface="Times New Roman" panose="02020603050405020304" pitchFamily="18" charset="0"/>
-                <a:cs typeface="Times New Roman" panose="02020603050405020304" pitchFamily="18" charset="0"/>
-                <a:sym typeface="Wingdings" pitchFamily="2" charset="2"/>
-              </a:rPr>
-              <a:t>The positive effect of trust on usage intention increases for people possessing cryptocurrency</a:t>
-            </a:r>
-            <a:endParaRPr lang="en-GB" sz="1200" i="1" dirty="0">
-              <a:latin typeface="Times New Roman" panose="02020603050405020304" pitchFamily="18" charset="0"/>
-              <a:cs typeface="Times New Roman" panose="02020603050405020304" pitchFamily="18" charset="0"/>
-            </a:endParaRPr>
-          </a:p>
-          <a:p>
-            <a:endParaRPr lang="en-GB" sz="1200" i="1" dirty="0">
-              <a:latin typeface="Times New Roman" panose="02020603050405020304" pitchFamily="18" charset="0"/>
-              <a:cs typeface="Times New Roman" panose="02020603050405020304" pitchFamily="18" charset="0"/>
-            </a:endParaRPr>
-          </a:p>
-          <a:p>
-            <a:r>
-              <a:rPr lang="en-GB" sz="1200" b="1" dirty="0">
-                <a:latin typeface="Times New Roman" panose="02020603050405020304" pitchFamily="18" charset="0"/>
-                <a:cs typeface="Times New Roman" panose="02020603050405020304" pitchFamily="18" charset="0"/>
-              </a:rPr>
-              <a:t>Discussion:</a:t>
-            </a:r>
-          </a:p>
-          <a:p>
-            <a:pPr marL="171450" indent="-171450">
-              <a:buFont typeface="Arial" panose="020B0604020202020204" pitchFamily="34" charset="0"/>
-              <a:buChar char="•"/>
-            </a:pPr>
-            <a:r>
-              <a:rPr lang="en-GB" sz="1200" dirty="0">
-                <a:latin typeface="Times New Roman" panose="02020603050405020304" pitchFamily="18" charset="0"/>
-                <a:cs typeface="Times New Roman" panose="02020603050405020304" pitchFamily="18" charset="0"/>
-              </a:rPr>
-              <a:t>People possessing cryptocurrency increases their trust in BT which makes them more likely to use BT </a:t>
-            </a:r>
-          </a:p>
-          <a:p>
-            <a:pPr marL="171450" indent="-171450">
-              <a:buFont typeface="Arial" panose="020B0604020202020204" pitchFamily="34" charset="0"/>
-              <a:buChar char="•"/>
-            </a:pPr>
-            <a:r>
-              <a:rPr lang="en-GB" sz="1200" dirty="0">
-                <a:latin typeface="Times New Roman" panose="02020603050405020304" pitchFamily="18" charset="0"/>
-                <a:cs typeface="Times New Roman" panose="02020603050405020304" pitchFamily="18" charset="0"/>
-              </a:rPr>
-              <a:t>Giving out cryptocurrency increases trust and reduces risk perception </a:t>
-            </a:r>
-          </a:p>
-          <a:p>
-            <a:pPr marL="171450" indent="-171450">
-              <a:buFont typeface="Arial" panose="020B0604020202020204" pitchFamily="34" charset="0"/>
-              <a:buChar char="•"/>
-            </a:pPr>
-            <a:r>
-              <a:rPr lang="en-GB" sz="1200" dirty="0">
-                <a:latin typeface="Times New Roman" panose="02020603050405020304" pitchFamily="18" charset="0"/>
-                <a:cs typeface="Times New Roman" panose="02020603050405020304" pitchFamily="18" charset="0"/>
-              </a:rPr>
-              <a:t>Companies should give out cryptocurrency </a:t>
-            </a:r>
-          </a:p>
-        </p:txBody>
-      </p:sp>
-      <mc:AlternateContent xmlns:mc="http://schemas.openxmlformats.org/markup-compatibility/2006" xmlns:p14="http://schemas.microsoft.com/office/powerpoint/2010/main">
-        <mc:Choice Requires="p14">
-          <p:contentPart p14:bwMode="auto" r:id="rId11">
-            <p14:nvContentPartPr>
-              <p14:cNvPr id="4" name="Freihand 3">
-                <a:extLst>
-                  <a:ext uri="{FF2B5EF4-FFF2-40B4-BE49-F238E27FC236}">
-                    <a16:creationId xmlns:a16="http://schemas.microsoft.com/office/drawing/2014/main" id="{12591F26-4B9A-8048-BFE4-2F31325F7BB8}"/>
-                  </a:ext>
-                </a:extLst>
-              </p14:cNvPr>
-              <p14:cNvContentPartPr/>
-              <p14:nvPr/>
-            </p14:nvContentPartPr>
-            <p14:xfrm>
-              <a:off x="7698117" y="2421857"/>
-              <a:ext cx="907560" cy="3240"/>
-            </p14:xfrm>
-          </p:contentPart>
-        </mc:Choice>
-        <mc:Fallback xmlns="">
-          <p:pic>
-            <p:nvPicPr>
-              <p:cNvPr id="4" name="Freihand 3">
-                <a:extLst>
-                  <a:ext uri="{FF2B5EF4-FFF2-40B4-BE49-F238E27FC236}">
-                    <a16:creationId xmlns:a16="http://schemas.microsoft.com/office/drawing/2014/main" id="{12591F26-4B9A-8048-BFE4-2F31325F7BB8}"/>
-                  </a:ext>
-                </a:extLst>
-              </p:cNvPr>
-              <p:cNvPicPr/>
-              <p:nvPr/>
-            </p:nvPicPr>
-            <p:blipFill>
-              <a:blip r:embed="rId12"/>
-              <a:stretch>
-                <a:fillRect/>
-              </a:stretch>
-            </p:blipFill>
-            <p:spPr>
-              <a:xfrm>
-                <a:off x="7644477" y="2313857"/>
-                <a:ext cx="1015200" cy="218880"/>
-              </a:xfrm>
-              <a:prstGeom prst="rect">
-                <a:avLst/>
-              </a:prstGeom>
-            </p:spPr>
-          </p:pic>
-        </mc:Fallback>
-      </mc:AlternateContent>
-    </p:spTree>
-    <p:extLst>
-      <p:ext uri="{BB962C8B-B14F-4D97-AF65-F5344CB8AC3E}">
-        <p14:creationId xmlns:p14="http://schemas.microsoft.com/office/powerpoint/2010/main" val="656318588"/>
-      </p:ext>
-    </p:extLst>
-  </p:cSld>
-  <p:clrMapOvr>
-    <a:masterClrMapping/>
-  </p:clrMapOvr>
-</p:sld>
-</file>
-
 <file path=ppt/slides/slide14.xml><?xml version="1.0" encoding="utf-8"?>
 <p:sld xmlns:a="http://schemas.openxmlformats.org/drawingml/2006/main" xmlns:r="http://schemas.openxmlformats.org/officeDocument/2006/relationships" xmlns:p="http://schemas.openxmlformats.org/presentationml/2006/main">
   <p:cSld>
@@ -11212,7 +11377,7 @@
         <p:spPr>
           <a:xfrm>
             <a:off x="335455" y="3639645"/>
-            <a:ext cx="11621193" cy="2862322"/>
+            <a:ext cx="11621193" cy="2492990"/>
           </a:xfrm>
           <a:prstGeom prst="rect">
             <a:avLst/>
@@ -11378,21 +11543,7 @@
                 <a:latin typeface="Times New Roman" panose="02020603050405020304" pitchFamily="18" charset="0"/>
                 <a:cs typeface="Times New Roman" panose="02020603050405020304" pitchFamily="18" charset="0"/>
               </a:rPr>
-              <a:t>about BT applications and who show a </a:t>
-            </a:r>
-            <a:r>
-              <a:rPr lang="en-GB" sz="1200" b="1" dirty="0">
-                <a:latin typeface="Times New Roman" panose="02020603050405020304" pitchFamily="18" charset="0"/>
-                <a:cs typeface="Times New Roman" panose="02020603050405020304" pitchFamily="18" charset="0"/>
-              </a:rPr>
-              <a:t>higher usage intention</a:t>
-            </a:r>
-            <a:r>
-              <a:rPr lang="en-GB" sz="1200" dirty="0">
-                <a:latin typeface="Times New Roman" panose="02020603050405020304" pitchFamily="18" charset="0"/>
-                <a:cs typeface="Times New Roman" panose="02020603050405020304" pitchFamily="18" charset="0"/>
-              </a:rPr>
-              <a:t>. </a:t>
+              <a:t>about BT applications. </a:t>
             </a:r>
           </a:p>
           <a:p>
@@ -11437,47 +11588,28 @@
                 <a:latin typeface="Times New Roman" panose="02020603050405020304" pitchFamily="18" charset="0"/>
                 <a:cs typeface="Times New Roman" panose="02020603050405020304" pitchFamily="18" charset="0"/>
               </a:rPr>
-              <a:t>Usage intention influenced by age, gender, experience and possession of crypto </a:t>
-            </a:r>
-          </a:p>
-          <a:p>
-            <a:pPr marL="628650" lvl="1" indent="-171450">
-              <a:buFont typeface="Arial" panose="020B0604020202020204" pitchFamily="34" charset="0"/>
-              <a:buChar char="•"/>
-            </a:pPr>
-            <a:r>
-              <a:rPr lang="en-GB" sz="1200" i="1" dirty="0">
-                <a:latin typeface="Times New Roman" panose="02020603050405020304" pitchFamily="18" charset="0"/>
-                <a:cs typeface="Times New Roman" panose="02020603050405020304" pitchFamily="18" charset="0"/>
-              </a:rPr>
-              <a:t>Similar to discussion above</a:t>
-            </a:r>
-          </a:p>
-          <a:p>
-            <a:pPr marL="171450" indent="-171450">
-              <a:buFont typeface="Arial" panose="020B0604020202020204" pitchFamily="34" charset="0"/>
-              <a:buChar char="•"/>
-            </a:pPr>
+              <a:t>Self-sovereign identity currently </a:t>
+            </a:r>
+            <a:r>
+              <a:rPr lang="en-GB" sz="1200" b="1" dirty="0">
+                <a:latin typeface="Times New Roman" panose="02020603050405020304" pitchFamily="18" charset="0"/>
+                <a:cs typeface="Times New Roman" panose="02020603050405020304" pitchFamily="18" charset="0"/>
+              </a:rPr>
+              <a:t>most promising applications </a:t>
+            </a:r>
             <a:r>
               <a:rPr lang="en-GB" sz="1200" dirty="0">
                 <a:latin typeface="Times New Roman" panose="02020603050405020304" pitchFamily="18" charset="0"/>
                 <a:cs typeface="Times New Roman" panose="02020603050405020304" pitchFamily="18" charset="0"/>
               </a:rPr>
-              <a:t>Self-sovereign identity currently </a:t>
+              <a:t>with big potential looking ahead -&gt; </a:t>
             </a:r>
             <a:r>
               <a:rPr lang="en-GB" sz="1200" b="1" dirty="0">
                 <a:latin typeface="Times New Roman" panose="02020603050405020304" pitchFamily="18" charset="0"/>
                 <a:cs typeface="Times New Roman" panose="02020603050405020304" pitchFamily="18" charset="0"/>
               </a:rPr>
-              <a:t>most promising applications </a:t>
-            </a:r>
-            <a:r>
-              <a:rPr lang="en-GB" sz="1200" dirty="0">
-                <a:latin typeface="Times New Roman" panose="02020603050405020304" pitchFamily="18" charset="0"/>
-                <a:cs typeface="Times New Roman" panose="02020603050405020304" pitchFamily="18" charset="0"/>
-              </a:rPr>
-              <a:t>with big potential looking ahead</a:t>
+              <a:t>Also due to descriptive results</a:t>
             </a:r>
           </a:p>
           <a:p>
@@ -16636,7 +16768,7 @@
           <p:nvPr/>
         </p:nvPicPr>
         <p:blipFill>
-          <a:blip r:embed="rId2"/>
+          <a:blip r:embed="rId3"/>
           <a:stretch>
             <a:fillRect/>
           </a:stretch>
@@ -17028,7 +17160,7 @@
         <p:spPr>
           <a:xfrm>
             <a:off x="335455" y="3639645"/>
-            <a:ext cx="11621193" cy="2677656"/>
+            <a:ext cx="11621193" cy="2308324"/>
           </a:xfrm>
           <a:prstGeom prst="rect">
             <a:avLst/>
@@ -17098,41 +17230,12 @@
                 <a:latin typeface="Times New Roman" panose="02020603050405020304" pitchFamily="18" charset="0"/>
                 <a:cs typeface="Times New Roman" panose="02020603050405020304" pitchFamily="18" charset="0"/>
               </a:rPr>
-              <a:t>optimistic, slightly discomforted </a:t>
-            </a:r>
-            <a:r>
-              <a:rPr lang="en-GB" sz="1200" dirty="0">
-                <a:latin typeface="Times New Roman" panose="02020603050405020304" pitchFamily="18" charset="0"/>
-                <a:cs typeface="Times New Roman" panose="02020603050405020304" pitchFamily="18" charset="0"/>
-              </a:rPr>
-              <a:t>customer segments</a:t>
-            </a:r>
-          </a:p>
-          <a:p>
-            <a:pPr marL="171450" indent="-171450">
-              <a:buFont typeface="Arial" panose="020B0604020202020204" pitchFamily="34" charset="0"/>
-              <a:buChar char="•"/>
-            </a:pPr>
-            <a:r>
-              <a:rPr lang="en-GB" sz="1200" dirty="0">
-                <a:latin typeface="Times New Roman" panose="02020603050405020304" pitchFamily="18" charset="0"/>
-                <a:cs typeface="Times New Roman" panose="02020603050405020304" pitchFamily="18" charset="0"/>
-              </a:rPr>
-              <a:t>Usage intention influenced by age, gender, experience and possession of crypto </a:t>
-            </a:r>
-          </a:p>
-          <a:p>
-            <a:pPr marL="628650" lvl="1" indent="-171450">
-              <a:buFont typeface="Arial" panose="020B0604020202020204" pitchFamily="34" charset="0"/>
-              <a:buChar char="•"/>
-            </a:pPr>
-            <a:r>
-              <a:rPr lang="en-GB" sz="1200" i="1" dirty="0">
-                <a:latin typeface="Times New Roman" panose="02020603050405020304" pitchFamily="18" charset="0"/>
-                <a:cs typeface="Times New Roman" panose="02020603050405020304" pitchFamily="18" charset="0"/>
-              </a:rPr>
-              <a:t>Similar to discussion above</a:t>
-            </a:r>
+              <a:t>optimistic consumer</a:t>
+            </a:r>
+            <a:endParaRPr lang="en-GB" sz="1200" dirty="0">
+              <a:latin typeface="Times New Roman" panose="02020603050405020304" pitchFamily="18" charset="0"/>
+              <a:cs typeface="Times New Roman" panose="02020603050405020304" pitchFamily="18" charset="0"/>
+            </a:endParaRPr>
           </a:p>
           <a:p>
             <a:pPr marL="171450" indent="-171450">

--- a/10_Forschungsmodell/MA_Forschungsmodell_Hypothesen.pptx
+++ b/10_Forschungsmodell/MA_Forschungsmodell_Hypothesen.pptx
@@ -1243,7 +1243,7 @@
           <a:p>
             <a:fld id="{67E8D4DD-3471-6849-87DF-62BE1DF0D60C}" type="datetimeFigureOut">
               <a:rPr lang="en-GB" smtClean="0"/>
-              <a:t>25/05/2022</a:t>
+              <a:t>30/05/2022</a:t>
             </a:fld>
             <a:endParaRPr lang="en-GB"/>
           </a:p>
@@ -2584,7 +2584,7 @@
           <a:p>
             <a:fld id="{C8494FE3-26F6-6640-AC96-4CB60564FF87}" type="datetimeFigureOut">
               <a:rPr lang="en-GB" smtClean="0"/>
-              <a:t>25/05/2022</a:t>
+              <a:t>30/05/2022</a:t>
             </a:fld>
             <a:endParaRPr lang="en-GB"/>
           </a:p>
@@ -2784,7 +2784,7 @@
           <a:p>
             <a:fld id="{C8494FE3-26F6-6640-AC96-4CB60564FF87}" type="datetimeFigureOut">
               <a:rPr lang="en-GB" smtClean="0"/>
-              <a:t>25/05/2022</a:t>
+              <a:t>30/05/2022</a:t>
             </a:fld>
             <a:endParaRPr lang="en-GB"/>
           </a:p>
@@ -2994,7 +2994,7 @@
           <a:p>
             <a:fld id="{C8494FE3-26F6-6640-AC96-4CB60564FF87}" type="datetimeFigureOut">
               <a:rPr lang="en-GB" smtClean="0"/>
-              <a:t>25/05/2022</a:t>
+              <a:t>30/05/2022</a:t>
             </a:fld>
             <a:endParaRPr lang="en-GB"/>
           </a:p>
@@ -3194,7 +3194,7 @@
           <a:p>
             <a:fld id="{C8494FE3-26F6-6640-AC96-4CB60564FF87}" type="datetimeFigureOut">
               <a:rPr lang="en-GB" smtClean="0"/>
-              <a:t>25/05/2022</a:t>
+              <a:t>30/05/2022</a:t>
             </a:fld>
             <a:endParaRPr lang="en-GB"/>
           </a:p>
@@ -3470,7 +3470,7 @@
           <a:p>
             <a:fld id="{C8494FE3-26F6-6640-AC96-4CB60564FF87}" type="datetimeFigureOut">
               <a:rPr lang="en-GB" smtClean="0"/>
-              <a:t>25/05/2022</a:t>
+              <a:t>30/05/2022</a:t>
             </a:fld>
             <a:endParaRPr lang="en-GB"/>
           </a:p>
@@ -3738,7 +3738,7 @@
           <a:p>
             <a:fld id="{C8494FE3-26F6-6640-AC96-4CB60564FF87}" type="datetimeFigureOut">
               <a:rPr lang="en-GB" smtClean="0"/>
-              <a:t>25/05/2022</a:t>
+              <a:t>30/05/2022</a:t>
             </a:fld>
             <a:endParaRPr lang="en-GB"/>
           </a:p>
@@ -4153,7 +4153,7 @@
           <a:p>
             <a:fld id="{C8494FE3-26F6-6640-AC96-4CB60564FF87}" type="datetimeFigureOut">
               <a:rPr lang="en-GB" smtClean="0"/>
-              <a:t>25/05/2022</a:t>
+              <a:t>30/05/2022</a:t>
             </a:fld>
             <a:endParaRPr lang="en-GB"/>
           </a:p>
@@ -4295,7 +4295,7 @@
           <a:p>
             <a:fld id="{C8494FE3-26F6-6640-AC96-4CB60564FF87}" type="datetimeFigureOut">
               <a:rPr lang="en-GB" smtClean="0"/>
-              <a:t>25/05/2022</a:t>
+              <a:t>30/05/2022</a:t>
             </a:fld>
             <a:endParaRPr lang="en-GB"/>
           </a:p>
@@ -4408,7 +4408,7 @@
           <a:p>
             <a:fld id="{C8494FE3-26F6-6640-AC96-4CB60564FF87}" type="datetimeFigureOut">
               <a:rPr lang="en-GB" smtClean="0"/>
-              <a:t>25/05/2022</a:t>
+              <a:t>30/05/2022</a:t>
             </a:fld>
             <a:endParaRPr lang="en-GB"/>
           </a:p>
@@ -4721,7 +4721,7 @@
           <a:p>
             <a:fld id="{C8494FE3-26F6-6640-AC96-4CB60564FF87}" type="datetimeFigureOut">
               <a:rPr lang="en-GB" smtClean="0"/>
-              <a:t>25/05/2022</a:t>
+              <a:t>30/05/2022</a:t>
             </a:fld>
             <a:endParaRPr lang="en-GB"/>
           </a:p>
@@ -5010,7 +5010,7 @@
           <a:p>
             <a:fld id="{C8494FE3-26F6-6640-AC96-4CB60564FF87}" type="datetimeFigureOut">
               <a:rPr lang="en-GB" smtClean="0"/>
-              <a:t>25/05/2022</a:t>
+              <a:t>30/05/2022</a:t>
             </a:fld>
             <a:endParaRPr lang="en-GB"/>
           </a:p>
@@ -5253,7 +5253,7 @@
           <a:p>
             <a:fld id="{C8494FE3-26F6-6640-AC96-4CB60564FF87}" type="datetimeFigureOut">
               <a:rPr lang="en-GB" smtClean="0"/>
-              <a:t>25/05/2022</a:t>
+              <a:t>30/05/2022</a:t>
             </a:fld>
             <a:endParaRPr lang="en-GB"/>
           </a:p>
@@ -27496,7 +27496,7 @@
                 <a:latin typeface="Times New Roman" panose="02020603050405020304" pitchFamily="18" charset="0"/>
                 <a:cs typeface="Times New Roman" panose="02020603050405020304" pitchFamily="18" charset="0"/>
               </a:rPr>
-              <a:t>The model was performed separately for each blockchain technology application (self-sovereign identity, tokenization of assets, fractional ownership, micropayments, smart contracts, (pseudo-)anonymous transactions).</a:t>
+              <a:t>The model is performed separately for each blockchain technology application (self-sovereign identity, tokenization of assets, fractional ownership, micropayments, smart contracts, (pseudo-)anonymous transactions).</a:t>
             </a:r>
           </a:p>
         </p:txBody>
